--- a/Documents/Presentation/CS5103 SMS MSGR .pptx
+++ b/Documents/Presentation/CS5103 SMS MSGR .pptx
@@ -8,24 +8,25 @@
     <p:sldId id="256" r:id="rId2"/>
     <p:sldId id="258" r:id="rId3"/>
     <p:sldId id="267" r:id="rId4"/>
-    <p:sldId id="266" r:id="rId5"/>
-    <p:sldId id="261" r:id="rId6"/>
-    <p:sldId id="276" r:id="rId7"/>
-    <p:sldId id="277" r:id="rId8"/>
-    <p:sldId id="278" r:id="rId9"/>
-    <p:sldId id="279" r:id="rId10"/>
-    <p:sldId id="280" r:id="rId11"/>
-    <p:sldId id="257" r:id="rId12"/>
-    <p:sldId id="259" r:id="rId13"/>
-    <p:sldId id="270" r:id="rId14"/>
-    <p:sldId id="274" r:id="rId15"/>
-    <p:sldId id="281" r:id="rId16"/>
-    <p:sldId id="269" r:id="rId17"/>
-    <p:sldId id="271" r:id="rId18"/>
-    <p:sldId id="272" r:id="rId19"/>
-    <p:sldId id="273" r:id="rId20"/>
-    <p:sldId id="264" r:id="rId21"/>
-    <p:sldId id="262" r:id="rId22"/>
+    <p:sldId id="261" r:id="rId5"/>
+    <p:sldId id="276" r:id="rId6"/>
+    <p:sldId id="277" r:id="rId7"/>
+    <p:sldId id="278" r:id="rId8"/>
+    <p:sldId id="279" r:id="rId9"/>
+    <p:sldId id="280" r:id="rId10"/>
+    <p:sldId id="257" r:id="rId11"/>
+    <p:sldId id="259" r:id="rId12"/>
+    <p:sldId id="270" r:id="rId13"/>
+    <p:sldId id="274" r:id="rId14"/>
+    <p:sldId id="287" r:id="rId15"/>
+    <p:sldId id="284" r:id="rId16"/>
+    <p:sldId id="285" r:id="rId17"/>
+    <p:sldId id="286" r:id="rId18"/>
+    <p:sldId id="281" r:id="rId19"/>
+    <p:sldId id="269" r:id="rId20"/>
+    <p:sldId id="271" r:id="rId21"/>
+    <p:sldId id="288" r:id="rId22"/>
+    <p:sldId id="283" r:id="rId23"/>
   </p:sldIdLst>
   <p:sldSz cx="9144000" cy="6858000" type="screen4x3"/>
   <p:notesSz cx="6858000" cy="9144000"/>
@@ -127,6 +128,3651 @@
 </p:presentation>
 </file>
 
+<file path=ppt/diagrams/colors1.xml><?xml version="1.0" encoding="utf-8"?>
+<dgm:colorsDef xmlns:dgm="http://schemas.openxmlformats.org/drawingml/2006/diagram" xmlns:a="http://schemas.openxmlformats.org/drawingml/2006/main" uniqueId="urn:microsoft.com/office/officeart/2005/8/colors/accent1_2">
+  <dgm:title val=""/>
+  <dgm:desc val=""/>
+  <dgm:catLst>
+    <dgm:cat type="accent1" pri="11200"/>
+  </dgm:catLst>
+  <dgm:styleLbl name="node0">
+    <dgm:fillClrLst meth="repeat">
+      <a:schemeClr val="accent1"/>
+    </dgm:fillClrLst>
+    <dgm:linClrLst meth="repeat">
+      <a:schemeClr val="lt1"/>
+    </dgm:linClrLst>
+    <dgm:effectClrLst/>
+    <dgm:txLinClrLst/>
+    <dgm:txFillClrLst/>
+    <dgm:txEffectClrLst/>
+  </dgm:styleLbl>
+  <dgm:styleLbl name="alignNode1">
+    <dgm:fillClrLst meth="repeat">
+      <a:schemeClr val="accent1"/>
+    </dgm:fillClrLst>
+    <dgm:linClrLst meth="repeat">
+      <a:schemeClr val="accent1"/>
+    </dgm:linClrLst>
+    <dgm:effectClrLst/>
+    <dgm:txLinClrLst/>
+    <dgm:txFillClrLst/>
+    <dgm:txEffectClrLst/>
+  </dgm:styleLbl>
+  <dgm:styleLbl name="node1">
+    <dgm:fillClrLst meth="repeat">
+      <a:schemeClr val="accent1"/>
+    </dgm:fillClrLst>
+    <dgm:linClrLst meth="repeat">
+      <a:schemeClr val="lt1"/>
+    </dgm:linClrLst>
+    <dgm:effectClrLst/>
+    <dgm:txLinClrLst/>
+    <dgm:txFillClrLst/>
+    <dgm:txEffectClrLst/>
+  </dgm:styleLbl>
+  <dgm:styleLbl name="lnNode1">
+    <dgm:fillClrLst meth="repeat">
+      <a:schemeClr val="accent1"/>
+    </dgm:fillClrLst>
+    <dgm:linClrLst meth="repeat">
+      <a:schemeClr val="lt1"/>
+    </dgm:linClrLst>
+    <dgm:effectClrLst/>
+    <dgm:txLinClrLst/>
+    <dgm:txFillClrLst/>
+    <dgm:txEffectClrLst/>
+  </dgm:styleLbl>
+  <dgm:styleLbl name="vennNode1">
+    <dgm:fillClrLst meth="repeat">
+      <a:schemeClr val="accent1">
+        <a:alpha val="50000"/>
+      </a:schemeClr>
+    </dgm:fillClrLst>
+    <dgm:linClrLst meth="repeat">
+      <a:schemeClr val="lt1"/>
+    </dgm:linClrLst>
+    <dgm:effectClrLst/>
+    <dgm:txLinClrLst/>
+    <dgm:txFillClrLst/>
+    <dgm:txEffectClrLst/>
+  </dgm:styleLbl>
+  <dgm:styleLbl name="node2">
+    <dgm:fillClrLst meth="repeat">
+      <a:schemeClr val="accent1"/>
+    </dgm:fillClrLst>
+    <dgm:linClrLst meth="repeat">
+      <a:schemeClr val="lt1"/>
+    </dgm:linClrLst>
+    <dgm:effectClrLst/>
+    <dgm:txLinClrLst/>
+    <dgm:txFillClrLst/>
+    <dgm:txEffectClrLst/>
+  </dgm:styleLbl>
+  <dgm:styleLbl name="node3">
+    <dgm:fillClrLst meth="repeat">
+      <a:schemeClr val="accent1"/>
+    </dgm:fillClrLst>
+    <dgm:linClrLst meth="repeat">
+      <a:schemeClr val="lt1"/>
+    </dgm:linClrLst>
+    <dgm:effectClrLst/>
+    <dgm:txLinClrLst/>
+    <dgm:txFillClrLst/>
+    <dgm:txEffectClrLst/>
+  </dgm:styleLbl>
+  <dgm:styleLbl name="node4">
+    <dgm:fillClrLst meth="repeat">
+      <a:schemeClr val="accent1"/>
+    </dgm:fillClrLst>
+    <dgm:linClrLst meth="repeat">
+      <a:schemeClr val="lt1"/>
+    </dgm:linClrLst>
+    <dgm:effectClrLst/>
+    <dgm:txLinClrLst/>
+    <dgm:txFillClrLst/>
+    <dgm:txEffectClrLst/>
+  </dgm:styleLbl>
+  <dgm:styleLbl name="fgImgPlace1">
+    <dgm:fillClrLst meth="repeat">
+      <a:schemeClr val="accent1">
+        <a:tint val="50000"/>
+      </a:schemeClr>
+    </dgm:fillClrLst>
+    <dgm:linClrLst meth="repeat">
+      <a:schemeClr val="lt1"/>
+    </dgm:linClrLst>
+    <dgm:effectClrLst/>
+    <dgm:txLinClrLst/>
+    <dgm:txFillClrLst meth="repeat">
+      <a:schemeClr val="lt1"/>
+    </dgm:txFillClrLst>
+    <dgm:txEffectClrLst/>
+  </dgm:styleLbl>
+  <dgm:styleLbl name="alignImgPlace1">
+    <dgm:fillClrLst meth="repeat">
+      <a:schemeClr val="accent1">
+        <a:tint val="50000"/>
+      </a:schemeClr>
+    </dgm:fillClrLst>
+    <dgm:linClrLst meth="repeat">
+      <a:schemeClr val="lt1"/>
+    </dgm:linClrLst>
+    <dgm:effectClrLst/>
+    <dgm:txLinClrLst/>
+    <dgm:txFillClrLst meth="repeat">
+      <a:schemeClr val="lt1"/>
+    </dgm:txFillClrLst>
+    <dgm:txEffectClrLst/>
+  </dgm:styleLbl>
+  <dgm:styleLbl name="bgImgPlace1">
+    <dgm:fillClrLst meth="repeat">
+      <a:schemeClr val="accent1">
+        <a:tint val="50000"/>
+      </a:schemeClr>
+    </dgm:fillClrLst>
+    <dgm:linClrLst meth="repeat">
+      <a:schemeClr val="lt1"/>
+    </dgm:linClrLst>
+    <dgm:effectClrLst/>
+    <dgm:txLinClrLst/>
+    <dgm:txFillClrLst meth="repeat">
+      <a:schemeClr val="lt1"/>
+    </dgm:txFillClrLst>
+    <dgm:txEffectClrLst/>
+  </dgm:styleLbl>
+  <dgm:styleLbl name="sibTrans2D1">
+    <dgm:fillClrLst meth="repeat">
+      <a:schemeClr val="accent1">
+        <a:tint val="60000"/>
+      </a:schemeClr>
+    </dgm:fillClrLst>
+    <dgm:linClrLst meth="repeat">
+      <a:schemeClr val="accent1">
+        <a:tint val="60000"/>
+      </a:schemeClr>
+    </dgm:linClrLst>
+    <dgm:effectClrLst/>
+    <dgm:txLinClrLst/>
+    <dgm:txFillClrLst/>
+    <dgm:txEffectClrLst/>
+  </dgm:styleLbl>
+  <dgm:styleLbl name="fgSibTrans2D1">
+    <dgm:fillClrLst meth="repeat">
+      <a:schemeClr val="accent1">
+        <a:tint val="60000"/>
+      </a:schemeClr>
+    </dgm:fillClrLst>
+    <dgm:linClrLst meth="repeat">
+      <a:schemeClr val="accent1">
+        <a:tint val="60000"/>
+      </a:schemeClr>
+    </dgm:linClrLst>
+    <dgm:effectClrLst/>
+    <dgm:txLinClrLst/>
+    <dgm:txFillClrLst/>
+    <dgm:txEffectClrLst/>
+  </dgm:styleLbl>
+  <dgm:styleLbl name="bgSibTrans2D1">
+    <dgm:fillClrLst meth="repeat">
+      <a:schemeClr val="accent1">
+        <a:tint val="60000"/>
+      </a:schemeClr>
+    </dgm:fillClrLst>
+    <dgm:linClrLst meth="repeat">
+      <a:schemeClr val="accent1">
+        <a:tint val="60000"/>
+      </a:schemeClr>
+    </dgm:linClrLst>
+    <dgm:effectClrLst/>
+    <dgm:txLinClrLst/>
+    <dgm:txFillClrLst/>
+    <dgm:txEffectClrLst/>
+  </dgm:styleLbl>
+  <dgm:styleLbl name="sibTrans1D1">
+    <dgm:fillClrLst meth="repeat">
+      <a:schemeClr val="accent1"/>
+    </dgm:fillClrLst>
+    <dgm:linClrLst meth="repeat">
+      <a:schemeClr val="accent1"/>
+    </dgm:linClrLst>
+    <dgm:effectClrLst/>
+    <dgm:txLinClrLst/>
+    <dgm:txFillClrLst meth="repeat">
+      <a:schemeClr val="tx1"/>
+    </dgm:txFillClrLst>
+    <dgm:txEffectClrLst/>
+  </dgm:styleLbl>
+  <dgm:styleLbl name="callout">
+    <dgm:fillClrLst meth="repeat">
+      <a:schemeClr val="accent1"/>
+    </dgm:fillClrLst>
+    <dgm:linClrLst meth="repeat">
+      <a:schemeClr val="accent1">
+        <a:tint val="50000"/>
+      </a:schemeClr>
+    </dgm:linClrLst>
+    <dgm:effectClrLst/>
+    <dgm:txLinClrLst/>
+    <dgm:txFillClrLst meth="repeat">
+      <a:schemeClr val="tx1"/>
+    </dgm:txFillClrLst>
+    <dgm:txEffectClrLst/>
+  </dgm:styleLbl>
+  <dgm:styleLbl name="asst0">
+    <dgm:fillClrLst meth="repeat">
+      <a:schemeClr val="accent1"/>
+    </dgm:fillClrLst>
+    <dgm:linClrLst meth="repeat">
+      <a:schemeClr val="lt1"/>
+    </dgm:linClrLst>
+    <dgm:effectClrLst/>
+    <dgm:txLinClrLst/>
+    <dgm:txFillClrLst/>
+    <dgm:txEffectClrLst/>
+  </dgm:styleLbl>
+  <dgm:styleLbl name="asst1">
+    <dgm:fillClrLst meth="repeat">
+      <a:schemeClr val="accent1"/>
+    </dgm:fillClrLst>
+    <dgm:linClrLst meth="repeat">
+      <a:schemeClr val="lt1"/>
+    </dgm:linClrLst>
+    <dgm:effectClrLst/>
+    <dgm:txLinClrLst/>
+    <dgm:txFillClrLst/>
+    <dgm:txEffectClrLst/>
+  </dgm:styleLbl>
+  <dgm:styleLbl name="asst2">
+    <dgm:fillClrLst meth="repeat">
+      <a:schemeClr val="accent1"/>
+    </dgm:fillClrLst>
+    <dgm:linClrLst meth="repeat">
+      <a:schemeClr val="lt1"/>
+    </dgm:linClrLst>
+    <dgm:effectClrLst/>
+    <dgm:txLinClrLst/>
+    <dgm:txFillClrLst/>
+    <dgm:txEffectClrLst/>
+  </dgm:styleLbl>
+  <dgm:styleLbl name="asst3">
+    <dgm:fillClrLst meth="repeat">
+      <a:schemeClr val="accent1"/>
+    </dgm:fillClrLst>
+    <dgm:linClrLst meth="repeat">
+      <a:schemeClr val="lt1"/>
+    </dgm:linClrLst>
+    <dgm:effectClrLst/>
+    <dgm:txLinClrLst/>
+    <dgm:txFillClrLst/>
+    <dgm:txEffectClrLst/>
+  </dgm:styleLbl>
+  <dgm:styleLbl name="asst4">
+    <dgm:fillClrLst meth="repeat">
+      <a:schemeClr val="accent1"/>
+    </dgm:fillClrLst>
+    <dgm:linClrLst meth="repeat">
+      <a:schemeClr val="lt1"/>
+    </dgm:linClrLst>
+    <dgm:effectClrLst/>
+    <dgm:txLinClrLst/>
+    <dgm:txFillClrLst/>
+    <dgm:txEffectClrLst/>
+  </dgm:styleLbl>
+  <dgm:styleLbl name="parChTrans2D1">
+    <dgm:fillClrLst meth="repeat">
+      <a:schemeClr val="accent1">
+        <a:tint val="60000"/>
+      </a:schemeClr>
+    </dgm:fillClrLst>
+    <dgm:linClrLst meth="repeat">
+      <a:schemeClr val="accent1">
+        <a:tint val="60000"/>
+      </a:schemeClr>
+    </dgm:linClrLst>
+    <dgm:effectClrLst/>
+    <dgm:txLinClrLst/>
+    <dgm:txFillClrLst meth="repeat">
+      <a:schemeClr val="lt1"/>
+    </dgm:txFillClrLst>
+    <dgm:txEffectClrLst/>
+  </dgm:styleLbl>
+  <dgm:styleLbl name="parChTrans2D2">
+    <dgm:fillClrLst meth="repeat">
+      <a:schemeClr val="accent1"/>
+    </dgm:fillClrLst>
+    <dgm:linClrLst meth="repeat">
+      <a:schemeClr val="accent1"/>
+    </dgm:linClrLst>
+    <dgm:effectClrLst/>
+    <dgm:txLinClrLst/>
+    <dgm:txFillClrLst meth="repeat">
+      <a:schemeClr val="lt1"/>
+    </dgm:txFillClrLst>
+    <dgm:txEffectClrLst/>
+  </dgm:styleLbl>
+  <dgm:styleLbl name="parChTrans2D3">
+    <dgm:fillClrLst meth="repeat">
+      <a:schemeClr val="accent1"/>
+    </dgm:fillClrLst>
+    <dgm:linClrLst meth="repeat">
+      <a:schemeClr val="accent1"/>
+    </dgm:linClrLst>
+    <dgm:effectClrLst/>
+    <dgm:txLinClrLst/>
+    <dgm:txFillClrLst meth="repeat">
+      <a:schemeClr val="lt1"/>
+    </dgm:txFillClrLst>
+    <dgm:txEffectClrLst/>
+  </dgm:styleLbl>
+  <dgm:styleLbl name="parChTrans2D4">
+    <dgm:fillClrLst meth="repeat">
+      <a:schemeClr val="accent1"/>
+    </dgm:fillClrLst>
+    <dgm:linClrLst meth="repeat">
+      <a:schemeClr val="accent1"/>
+    </dgm:linClrLst>
+    <dgm:effectClrLst/>
+    <dgm:txLinClrLst/>
+    <dgm:txFillClrLst meth="repeat">
+      <a:schemeClr val="lt1"/>
+    </dgm:txFillClrLst>
+    <dgm:txEffectClrLst/>
+  </dgm:styleLbl>
+  <dgm:styleLbl name="parChTrans1D1">
+    <dgm:fillClrLst meth="repeat">
+      <a:schemeClr val="accent1"/>
+    </dgm:fillClrLst>
+    <dgm:linClrLst meth="repeat">
+      <a:schemeClr val="accent1">
+        <a:shade val="60000"/>
+      </a:schemeClr>
+    </dgm:linClrLst>
+    <dgm:effectClrLst/>
+    <dgm:txLinClrLst/>
+    <dgm:txFillClrLst meth="repeat">
+      <a:schemeClr val="tx1"/>
+    </dgm:txFillClrLst>
+    <dgm:txEffectClrLst/>
+  </dgm:styleLbl>
+  <dgm:styleLbl name="parChTrans1D2">
+    <dgm:fillClrLst meth="repeat">
+      <a:schemeClr val="accent1"/>
+    </dgm:fillClrLst>
+    <dgm:linClrLst meth="repeat">
+      <a:schemeClr val="accent1">
+        <a:shade val="60000"/>
+      </a:schemeClr>
+    </dgm:linClrLst>
+    <dgm:effectClrLst/>
+    <dgm:txLinClrLst/>
+    <dgm:txFillClrLst meth="repeat">
+      <a:schemeClr val="tx1"/>
+    </dgm:txFillClrLst>
+    <dgm:txEffectClrLst/>
+  </dgm:styleLbl>
+  <dgm:styleLbl name="parChTrans1D3">
+    <dgm:fillClrLst meth="repeat">
+      <a:schemeClr val="accent1"/>
+    </dgm:fillClrLst>
+    <dgm:linClrLst meth="repeat">
+      <a:schemeClr val="accent1">
+        <a:shade val="80000"/>
+      </a:schemeClr>
+    </dgm:linClrLst>
+    <dgm:effectClrLst/>
+    <dgm:txLinClrLst/>
+    <dgm:txFillClrLst meth="repeat">
+      <a:schemeClr val="tx1"/>
+    </dgm:txFillClrLst>
+    <dgm:txEffectClrLst/>
+  </dgm:styleLbl>
+  <dgm:styleLbl name="parChTrans1D4">
+    <dgm:fillClrLst meth="repeat">
+      <a:schemeClr val="accent1"/>
+    </dgm:fillClrLst>
+    <dgm:linClrLst meth="repeat">
+      <a:schemeClr val="accent1">
+        <a:shade val="80000"/>
+      </a:schemeClr>
+    </dgm:linClrLst>
+    <dgm:effectClrLst/>
+    <dgm:txLinClrLst/>
+    <dgm:txFillClrLst meth="repeat">
+      <a:schemeClr val="tx1"/>
+    </dgm:txFillClrLst>
+    <dgm:txEffectClrLst/>
+  </dgm:styleLbl>
+  <dgm:styleLbl name="fgAcc1">
+    <dgm:fillClrLst meth="repeat">
+      <a:schemeClr val="lt1">
+        <a:alpha val="90000"/>
+      </a:schemeClr>
+    </dgm:fillClrLst>
+    <dgm:linClrLst meth="repeat">
+      <a:schemeClr val="accent1"/>
+    </dgm:linClrLst>
+    <dgm:effectClrLst/>
+    <dgm:txLinClrLst/>
+    <dgm:txFillClrLst meth="repeat">
+      <a:schemeClr val="dk1"/>
+    </dgm:txFillClrLst>
+    <dgm:txEffectClrLst/>
+  </dgm:styleLbl>
+  <dgm:styleLbl name="conFgAcc1">
+    <dgm:fillClrLst meth="repeat">
+      <a:schemeClr val="lt1">
+        <a:alpha val="90000"/>
+      </a:schemeClr>
+    </dgm:fillClrLst>
+    <dgm:linClrLst meth="repeat">
+      <a:schemeClr val="accent1"/>
+    </dgm:linClrLst>
+    <dgm:effectClrLst/>
+    <dgm:txLinClrLst/>
+    <dgm:txFillClrLst meth="repeat">
+      <a:schemeClr val="dk1"/>
+    </dgm:txFillClrLst>
+    <dgm:txEffectClrLst/>
+  </dgm:styleLbl>
+  <dgm:styleLbl name="alignAcc1">
+    <dgm:fillClrLst meth="repeat">
+      <a:schemeClr val="lt1">
+        <a:alpha val="90000"/>
+      </a:schemeClr>
+    </dgm:fillClrLst>
+    <dgm:linClrLst meth="repeat">
+      <a:schemeClr val="accent1"/>
+    </dgm:linClrLst>
+    <dgm:effectClrLst/>
+    <dgm:txLinClrLst/>
+    <dgm:txFillClrLst meth="repeat">
+      <a:schemeClr val="dk1"/>
+    </dgm:txFillClrLst>
+    <dgm:txEffectClrLst/>
+  </dgm:styleLbl>
+  <dgm:styleLbl name="trAlignAcc1">
+    <dgm:fillClrLst meth="repeat">
+      <a:schemeClr val="lt1">
+        <a:alpha val="40000"/>
+      </a:schemeClr>
+    </dgm:fillClrLst>
+    <dgm:linClrLst meth="repeat">
+      <a:schemeClr val="accent1"/>
+    </dgm:linClrLst>
+    <dgm:effectClrLst/>
+    <dgm:txLinClrLst/>
+    <dgm:txFillClrLst meth="repeat">
+      <a:schemeClr val="dk1"/>
+    </dgm:txFillClrLst>
+    <dgm:txEffectClrLst/>
+  </dgm:styleLbl>
+  <dgm:styleLbl name="bgAcc1">
+    <dgm:fillClrLst meth="repeat">
+      <a:schemeClr val="lt1">
+        <a:alpha val="90000"/>
+      </a:schemeClr>
+    </dgm:fillClrLst>
+    <dgm:linClrLst meth="repeat">
+      <a:schemeClr val="accent1"/>
+    </dgm:linClrLst>
+    <dgm:effectClrLst/>
+    <dgm:txLinClrLst/>
+    <dgm:txFillClrLst meth="repeat">
+      <a:schemeClr val="dk1"/>
+    </dgm:txFillClrLst>
+    <dgm:txEffectClrLst/>
+  </dgm:styleLbl>
+  <dgm:styleLbl name="solidFgAcc1">
+    <dgm:fillClrLst meth="repeat">
+      <a:schemeClr val="lt1"/>
+    </dgm:fillClrLst>
+    <dgm:linClrLst meth="repeat">
+      <a:schemeClr val="accent1"/>
+    </dgm:linClrLst>
+    <dgm:effectClrLst/>
+    <dgm:txLinClrLst/>
+    <dgm:txFillClrLst meth="repeat">
+      <a:schemeClr val="dk1"/>
+    </dgm:txFillClrLst>
+    <dgm:txEffectClrLst/>
+  </dgm:styleLbl>
+  <dgm:styleLbl name="solidAlignAcc1">
+    <dgm:fillClrLst meth="repeat">
+      <a:schemeClr val="lt1"/>
+    </dgm:fillClrLst>
+    <dgm:linClrLst meth="repeat">
+      <a:schemeClr val="accent1"/>
+    </dgm:linClrLst>
+    <dgm:effectClrLst/>
+    <dgm:txLinClrLst/>
+    <dgm:txFillClrLst meth="repeat">
+      <a:schemeClr val="dk1"/>
+    </dgm:txFillClrLst>
+    <dgm:txEffectClrLst/>
+  </dgm:styleLbl>
+  <dgm:styleLbl name="solidBgAcc1">
+    <dgm:fillClrLst meth="repeat">
+      <a:schemeClr val="lt1"/>
+    </dgm:fillClrLst>
+    <dgm:linClrLst meth="repeat">
+      <a:schemeClr val="accent1"/>
+    </dgm:linClrLst>
+    <dgm:effectClrLst/>
+    <dgm:txLinClrLst/>
+    <dgm:txFillClrLst meth="repeat">
+      <a:schemeClr val="dk1"/>
+    </dgm:txFillClrLst>
+    <dgm:txEffectClrLst/>
+  </dgm:styleLbl>
+  <dgm:styleLbl name="fgAccFollowNode1">
+    <dgm:fillClrLst meth="repeat">
+      <a:schemeClr val="accent1">
+        <a:alpha val="90000"/>
+        <a:tint val="40000"/>
+      </a:schemeClr>
+    </dgm:fillClrLst>
+    <dgm:linClrLst meth="repeat">
+      <a:schemeClr val="accent1">
+        <a:alpha val="90000"/>
+        <a:tint val="40000"/>
+      </a:schemeClr>
+    </dgm:linClrLst>
+    <dgm:effectClrLst/>
+    <dgm:txLinClrLst/>
+    <dgm:txFillClrLst meth="repeat">
+      <a:schemeClr val="dk1"/>
+    </dgm:txFillClrLst>
+    <dgm:txEffectClrLst/>
+  </dgm:styleLbl>
+  <dgm:styleLbl name="alignAccFollowNode1">
+    <dgm:fillClrLst meth="repeat">
+      <a:schemeClr val="accent1">
+        <a:alpha val="90000"/>
+        <a:tint val="40000"/>
+      </a:schemeClr>
+    </dgm:fillClrLst>
+    <dgm:linClrLst meth="repeat">
+      <a:schemeClr val="accent1">
+        <a:alpha val="90000"/>
+        <a:tint val="40000"/>
+      </a:schemeClr>
+    </dgm:linClrLst>
+    <dgm:effectClrLst/>
+    <dgm:txLinClrLst/>
+    <dgm:txFillClrLst meth="repeat">
+      <a:schemeClr val="dk1"/>
+    </dgm:txFillClrLst>
+    <dgm:txEffectClrLst/>
+  </dgm:styleLbl>
+  <dgm:styleLbl name="bgAccFollowNode1">
+    <dgm:fillClrLst meth="repeat">
+      <a:schemeClr val="accent1">
+        <a:alpha val="90000"/>
+        <a:tint val="40000"/>
+      </a:schemeClr>
+    </dgm:fillClrLst>
+    <dgm:linClrLst meth="repeat">
+      <a:schemeClr val="accent1">
+        <a:alpha val="90000"/>
+        <a:tint val="40000"/>
+      </a:schemeClr>
+    </dgm:linClrLst>
+    <dgm:effectClrLst/>
+    <dgm:txLinClrLst/>
+    <dgm:txFillClrLst meth="repeat">
+      <a:schemeClr val="dk1"/>
+    </dgm:txFillClrLst>
+    <dgm:txEffectClrLst/>
+  </dgm:styleLbl>
+  <dgm:styleLbl name="fgAcc0">
+    <dgm:fillClrLst meth="repeat">
+      <a:schemeClr val="lt1">
+        <a:alpha val="90000"/>
+      </a:schemeClr>
+    </dgm:fillClrLst>
+    <dgm:linClrLst meth="repeat">
+      <a:schemeClr val="accent1"/>
+    </dgm:linClrLst>
+    <dgm:effectClrLst/>
+    <dgm:txLinClrLst/>
+    <dgm:txFillClrLst meth="repeat">
+      <a:schemeClr val="dk1"/>
+    </dgm:txFillClrLst>
+    <dgm:txEffectClrLst/>
+  </dgm:styleLbl>
+  <dgm:styleLbl name="fgAcc2">
+    <dgm:fillClrLst meth="repeat">
+      <a:schemeClr val="lt1">
+        <a:alpha val="90000"/>
+      </a:schemeClr>
+    </dgm:fillClrLst>
+    <dgm:linClrLst meth="repeat">
+      <a:schemeClr val="accent1"/>
+    </dgm:linClrLst>
+    <dgm:effectClrLst/>
+    <dgm:txLinClrLst/>
+    <dgm:txFillClrLst meth="repeat">
+      <a:schemeClr val="dk1"/>
+    </dgm:txFillClrLst>
+    <dgm:txEffectClrLst/>
+  </dgm:styleLbl>
+  <dgm:styleLbl name="fgAcc3">
+    <dgm:fillClrLst meth="repeat">
+      <a:schemeClr val="lt1">
+        <a:alpha val="90000"/>
+      </a:schemeClr>
+    </dgm:fillClrLst>
+    <dgm:linClrLst meth="repeat">
+      <a:schemeClr val="accent1"/>
+    </dgm:linClrLst>
+    <dgm:effectClrLst/>
+    <dgm:txLinClrLst/>
+    <dgm:txFillClrLst meth="repeat">
+      <a:schemeClr val="dk1"/>
+    </dgm:txFillClrLst>
+    <dgm:txEffectClrLst/>
+  </dgm:styleLbl>
+  <dgm:styleLbl name="fgAcc4">
+    <dgm:fillClrLst meth="repeat">
+      <a:schemeClr val="lt1">
+        <a:alpha val="90000"/>
+      </a:schemeClr>
+    </dgm:fillClrLst>
+    <dgm:linClrLst meth="repeat">
+      <a:schemeClr val="accent1"/>
+    </dgm:linClrLst>
+    <dgm:effectClrLst/>
+    <dgm:txLinClrLst/>
+    <dgm:txFillClrLst meth="repeat">
+      <a:schemeClr val="dk1"/>
+    </dgm:txFillClrLst>
+    <dgm:txEffectClrLst/>
+  </dgm:styleLbl>
+  <dgm:styleLbl name="bgShp">
+    <dgm:fillClrLst meth="repeat">
+      <a:schemeClr val="accent1">
+        <a:tint val="40000"/>
+      </a:schemeClr>
+    </dgm:fillClrLst>
+    <dgm:linClrLst meth="repeat">
+      <a:schemeClr val="accent1"/>
+    </dgm:linClrLst>
+    <dgm:effectClrLst/>
+    <dgm:txLinClrLst/>
+    <dgm:txFillClrLst meth="repeat">
+      <a:schemeClr val="dk1"/>
+    </dgm:txFillClrLst>
+    <dgm:txEffectClrLst/>
+  </dgm:styleLbl>
+  <dgm:styleLbl name="dkBgShp">
+    <dgm:fillClrLst meth="repeat">
+      <a:schemeClr val="accent1">
+        <a:shade val="80000"/>
+      </a:schemeClr>
+    </dgm:fillClrLst>
+    <dgm:linClrLst meth="repeat">
+      <a:schemeClr val="accent1"/>
+    </dgm:linClrLst>
+    <dgm:effectClrLst/>
+    <dgm:txLinClrLst/>
+    <dgm:txFillClrLst meth="repeat">
+      <a:schemeClr val="lt1"/>
+    </dgm:txFillClrLst>
+    <dgm:txEffectClrLst/>
+  </dgm:styleLbl>
+  <dgm:styleLbl name="trBgShp">
+    <dgm:fillClrLst meth="repeat">
+      <a:schemeClr val="accent1">
+        <a:tint val="50000"/>
+        <a:alpha val="40000"/>
+      </a:schemeClr>
+    </dgm:fillClrLst>
+    <dgm:linClrLst meth="repeat">
+      <a:schemeClr val="accent1"/>
+    </dgm:linClrLst>
+    <dgm:effectClrLst/>
+    <dgm:txLinClrLst/>
+    <dgm:txFillClrLst meth="repeat">
+      <a:schemeClr val="lt1"/>
+    </dgm:txFillClrLst>
+    <dgm:txEffectClrLst/>
+  </dgm:styleLbl>
+  <dgm:styleLbl name="fgShp">
+    <dgm:fillClrLst meth="repeat">
+      <a:schemeClr val="accent1">
+        <a:tint val="60000"/>
+      </a:schemeClr>
+    </dgm:fillClrLst>
+    <dgm:linClrLst meth="repeat">
+      <a:schemeClr val="lt1"/>
+    </dgm:linClrLst>
+    <dgm:effectClrLst/>
+    <dgm:txLinClrLst/>
+    <dgm:txFillClrLst meth="repeat">
+      <a:schemeClr val="dk1"/>
+    </dgm:txFillClrLst>
+    <dgm:txEffectClrLst/>
+  </dgm:styleLbl>
+  <dgm:styleLbl name="revTx">
+    <dgm:fillClrLst meth="repeat">
+      <a:schemeClr val="lt1">
+        <a:alpha val="0"/>
+      </a:schemeClr>
+    </dgm:fillClrLst>
+    <dgm:linClrLst meth="repeat">
+      <a:schemeClr val="dk1">
+        <a:alpha val="0"/>
+      </a:schemeClr>
+    </dgm:linClrLst>
+    <dgm:effectClrLst/>
+    <dgm:txLinClrLst/>
+    <dgm:txFillClrLst meth="repeat">
+      <a:schemeClr val="tx1"/>
+    </dgm:txFillClrLst>
+    <dgm:txEffectClrLst/>
+  </dgm:styleLbl>
+</dgm:colorsDef>
+</file>
+
+<file path=ppt/diagrams/data1.xml><?xml version="1.0" encoding="utf-8"?>
+<dgm:dataModel xmlns:dgm="http://schemas.openxmlformats.org/drawingml/2006/diagram" xmlns:a="http://schemas.openxmlformats.org/drawingml/2006/main">
+  <dgm:ptLst>
+    <dgm:pt modelId="{6D27F34A-59CD-4E2F-95B7-CF50ECF8F87F}" type="doc">
+      <dgm:prSet loTypeId="urn:microsoft.com/office/officeart/2008/layout/PictureGrid" loCatId="picture" qsTypeId="urn:microsoft.com/office/officeart/2005/8/quickstyle/simple1" qsCatId="simple" csTypeId="urn:microsoft.com/office/officeart/2005/8/colors/accent1_2" csCatId="accent1" phldr="1"/>
+      <dgm:spPr/>
+      <dgm:t>
+        <a:bodyPr/>
+        <a:lstStyle/>
+        <a:p>
+          <a:endParaRPr lang="en-US"/>
+        </a:p>
+      </dgm:t>
+    </dgm:pt>
+    <dgm:pt modelId="{E99C4677-0DDB-411F-99EB-3A754C7BBCEC}">
+      <dgm:prSet phldrT="[Text]"/>
+      <dgm:spPr/>
+      <dgm:t>
+        <a:bodyPr/>
+        <a:lstStyle/>
+        <a:p>
+          <a:pPr algn="ctr"/>
+          <a:r>
+            <a:rPr lang="en-US" dirty="0" smtClean="0"/>
+            <a:t>LAUNCHER</a:t>
+          </a:r>
+          <a:endParaRPr lang="en-US" dirty="0"/>
+        </a:p>
+      </dgm:t>
+    </dgm:pt>
+    <dgm:pt modelId="{C8192E88-E936-4D9A-B00F-ED03F67F32CF}" type="parTrans" cxnId="{A8E7FAD1-A7A8-4A39-9B8C-021CEDCDA270}">
+      <dgm:prSet/>
+      <dgm:spPr/>
+      <dgm:t>
+        <a:bodyPr/>
+        <a:lstStyle/>
+        <a:p>
+          <a:endParaRPr lang="en-US"/>
+        </a:p>
+      </dgm:t>
+    </dgm:pt>
+    <dgm:pt modelId="{F9ED2E7B-4C76-4585-AC55-80C3F3A9A8C8}" type="sibTrans" cxnId="{A8E7FAD1-A7A8-4A39-9B8C-021CEDCDA270}">
+      <dgm:prSet/>
+      <dgm:spPr/>
+      <dgm:t>
+        <a:bodyPr/>
+        <a:lstStyle/>
+        <a:p>
+          <a:endParaRPr lang="en-US"/>
+        </a:p>
+      </dgm:t>
+    </dgm:pt>
+    <dgm:pt modelId="{91411666-C301-4B61-BB23-D75991A84EE3}">
+      <dgm:prSet phldrT="[Text]"/>
+      <dgm:spPr/>
+      <dgm:t>
+        <a:bodyPr/>
+        <a:lstStyle/>
+        <a:p>
+          <a:pPr algn="ctr"/>
+          <a:r>
+            <a:rPr lang="en-US" dirty="0" smtClean="0"/>
+            <a:t>SEARCH</a:t>
+          </a:r>
+          <a:endParaRPr lang="en-US" dirty="0"/>
+        </a:p>
+      </dgm:t>
+    </dgm:pt>
+    <dgm:pt modelId="{66362842-1D9C-400E-9760-C04DE01466DB}" type="parTrans" cxnId="{87387351-2038-4020-AC7B-ED441CBA4574}">
+      <dgm:prSet/>
+      <dgm:spPr/>
+      <dgm:t>
+        <a:bodyPr/>
+        <a:lstStyle/>
+        <a:p>
+          <a:endParaRPr lang="en-US"/>
+        </a:p>
+      </dgm:t>
+    </dgm:pt>
+    <dgm:pt modelId="{5783DC9B-70F2-4F85-8FF7-E017F6D7F167}" type="sibTrans" cxnId="{87387351-2038-4020-AC7B-ED441CBA4574}">
+      <dgm:prSet/>
+      <dgm:spPr/>
+      <dgm:t>
+        <a:bodyPr/>
+        <a:lstStyle/>
+        <a:p>
+          <a:endParaRPr lang="en-US"/>
+        </a:p>
+      </dgm:t>
+    </dgm:pt>
+    <dgm:pt modelId="{96CB361F-0874-46A0-8AC4-865EB76F538C}">
+      <dgm:prSet phldrT="[Text]"/>
+      <dgm:spPr/>
+      <dgm:t>
+        <a:bodyPr/>
+        <a:lstStyle/>
+        <a:p>
+          <a:pPr algn="ctr"/>
+          <a:r>
+            <a:rPr lang="en-US" dirty="0" smtClean="0"/>
+            <a:t>SETTINGS</a:t>
+          </a:r>
+          <a:endParaRPr lang="en-US" dirty="0"/>
+        </a:p>
+      </dgm:t>
+    </dgm:pt>
+    <dgm:pt modelId="{8166422E-EC93-4A3E-844C-2534BCBB5363}" type="parTrans" cxnId="{FE28A742-DF2D-4770-8160-46A72728E1BA}">
+      <dgm:prSet/>
+      <dgm:spPr/>
+      <dgm:t>
+        <a:bodyPr/>
+        <a:lstStyle/>
+        <a:p>
+          <a:endParaRPr lang="en-US"/>
+        </a:p>
+      </dgm:t>
+    </dgm:pt>
+    <dgm:pt modelId="{550DFB59-7723-454B-A821-0EC8C6FF2F1D}" type="sibTrans" cxnId="{FE28A742-DF2D-4770-8160-46A72728E1BA}">
+      <dgm:prSet/>
+      <dgm:spPr/>
+      <dgm:t>
+        <a:bodyPr/>
+        <a:lstStyle/>
+        <a:p>
+          <a:endParaRPr lang="en-US"/>
+        </a:p>
+      </dgm:t>
+    </dgm:pt>
+    <dgm:pt modelId="{DD8671E5-1585-459C-95C5-17AADCC05E40}">
+      <dgm:prSet phldrT="[Text]"/>
+      <dgm:spPr/>
+      <dgm:t>
+        <a:bodyPr/>
+        <a:lstStyle/>
+        <a:p>
+          <a:pPr algn="ctr"/>
+          <a:r>
+            <a:rPr lang="en-US" dirty="0" smtClean="0"/>
+            <a:t>NEW MESSAGE</a:t>
+          </a:r>
+          <a:endParaRPr lang="en-US" dirty="0"/>
+        </a:p>
+      </dgm:t>
+    </dgm:pt>
+    <dgm:pt modelId="{37841E47-28B8-4DDE-89F7-BF6A9777C939}" type="parTrans" cxnId="{AEEC84E8-F6BE-461B-8B20-1DC96D5765B8}">
+      <dgm:prSet/>
+      <dgm:spPr/>
+      <dgm:t>
+        <a:bodyPr/>
+        <a:lstStyle/>
+        <a:p>
+          <a:endParaRPr lang="en-US"/>
+        </a:p>
+      </dgm:t>
+    </dgm:pt>
+    <dgm:pt modelId="{D6BE020F-4B9A-4194-9F61-C77A25C3D093}" type="sibTrans" cxnId="{AEEC84E8-F6BE-461B-8B20-1DC96D5765B8}">
+      <dgm:prSet/>
+      <dgm:spPr/>
+      <dgm:t>
+        <a:bodyPr/>
+        <a:lstStyle/>
+        <a:p>
+          <a:endParaRPr lang="en-US"/>
+        </a:p>
+      </dgm:t>
+    </dgm:pt>
+    <dgm:pt modelId="{F02CE3B0-25AE-4757-8281-2CF96805674D}">
+      <dgm:prSet phldrT="[Text]"/>
+      <dgm:spPr/>
+      <dgm:t>
+        <a:bodyPr/>
+        <a:lstStyle/>
+        <a:p>
+          <a:pPr algn="ctr"/>
+          <a:r>
+            <a:rPr lang="en-US" dirty="0" smtClean="0"/>
+            <a:t>CONTACT</a:t>
+          </a:r>
+          <a:endParaRPr lang="en-US" dirty="0"/>
+        </a:p>
+      </dgm:t>
+    </dgm:pt>
+    <dgm:pt modelId="{CE475AE2-81CA-4F02-B8B3-32F18D946619}" type="parTrans" cxnId="{DE6E7479-062D-4C74-B8AB-B86DE667133E}">
+      <dgm:prSet/>
+      <dgm:spPr/>
+      <dgm:t>
+        <a:bodyPr/>
+        <a:lstStyle/>
+        <a:p>
+          <a:endParaRPr lang="en-US"/>
+        </a:p>
+      </dgm:t>
+    </dgm:pt>
+    <dgm:pt modelId="{48E74776-1FCE-4BEC-AB84-25EA4C968E0C}" type="sibTrans" cxnId="{DE6E7479-062D-4C74-B8AB-B86DE667133E}">
+      <dgm:prSet/>
+      <dgm:spPr/>
+      <dgm:t>
+        <a:bodyPr/>
+        <a:lstStyle/>
+        <a:p>
+          <a:endParaRPr lang="en-US"/>
+        </a:p>
+      </dgm:t>
+    </dgm:pt>
+    <dgm:pt modelId="{C2956FDD-00B6-4C14-98DA-1AEDDBDF890F}">
+      <dgm:prSet phldrT="[Text]"/>
+      <dgm:spPr/>
+      <dgm:t>
+        <a:bodyPr/>
+        <a:lstStyle/>
+        <a:p>
+          <a:pPr algn="ctr"/>
+          <a:r>
+            <a:rPr lang="en-US" dirty="0" smtClean="0"/>
+            <a:t>ADD CONTACT</a:t>
+          </a:r>
+          <a:endParaRPr lang="en-US" dirty="0"/>
+        </a:p>
+      </dgm:t>
+    </dgm:pt>
+    <dgm:pt modelId="{F14E4A8E-2163-4379-8180-4FDD876CDCA2}" type="parTrans" cxnId="{71F076AB-C64C-48F3-82E3-43AB1E1A58D6}">
+      <dgm:prSet/>
+      <dgm:spPr/>
+      <dgm:t>
+        <a:bodyPr/>
+        <a:lstStyle/>
+        <a:p>
+          <a:endParaRPr lang="en-US"/>
+        </a:p>
+      </dgm:t>
+    </dgm:pt>
+    <dgm:pt modelId="{FE5F43F7-72FC-4DD2-99CD-1001BE60B023}" type="sibTrans" cxnId="{71F076AB-C64C-48F3-82E3-43AB1E1A58D6}">
+      <dgm:prSet/>
+      <dgm:spPr/>
+      <dgm:t>
+        <a:bodyPr/>
+        <a:lstStyle/>
+        <a:p>
+          <a:endParaRPr lang="en-US"/>
+        </a:p>
+      </dgm:t>
+    </dgm:pt>
+    <dgm:pt modelId="{4E043BED-DAC8-4193-85C0-AB59878D93D2}">
+      <dgm:prSet phldrT="[Text]"/>
+      <dgm:spPr/>
+      <dgm:t>
+        <a:bodyPr/>
+        <a:lstStyle/>
+        <a:p>
+          <a:pPr algn="ctr"/>
+          <a:r>
+            <a:rPr lang="en-US" dirty="0" smtClean="0"/>
+            <a:t>ME</a:t>
+          </a:r>
+          <a:endParaRPr lang="en-US" dirty="0"/>
+        </a:p>
+      </dgm:t>
+    </dgm:pt>
+    <dgm:pt modelId="{D50CF400-EF6F-4232-84DA-0735C1DB5CF4}" type="parTrans" cxnId="{319FF369-F673-418A-875E-39E7808ED599}">
+      <dgm:prSet/>
+      <dgm:spPr/>
+      <dgm:t>
+        <a:bodyPr/>
+        <a:lstStyle/>
+        <a:p>
+          <a:endParaRPr lang="en-US"/>
+        </a:p>
+      </dgm:t>
+    </dgm:pt>
+    <dgm:pt modelId="{81038F36-A01A-4DDD-B7CB-E3021269EF63}" type="sibTrans" cxnId="{319FF369-F673-418A-875E-39E7808ED599}">
+      <dgm:prSet/>
+      <dgm:spPr/>
+      <dgm:t>
+        <a:bodyPr/>
+        <a:lstStyle/>
+        <a:p>
+          <a:endParaRPr lang="en-US"/>
+        </a:p>
+      </dgm:t>
+    </dgm:pt>
+    <dgm:pt modelId="{37DEBC30-9A97-4924-8406-EB1E9EC3340C}">
+      <dgm:prSet phldrT="[Text]"/>
+      <dgm:spPr/>
+      <dgm:t>
+        <a:bodyPr/>
+        <a:lstStyle/>
+        <a:p>
+          <a:pPr algn="ctr"/>
+          <a:r>
+            <a:rPr lang="en-US" dirty="0" smtClean="0"/>
+            <a:t>SEND MESSAGE</a:t>
+          </a:r>
+          <a:endParaRPr lang="en-US" dirty="0"/>
+        </a:p>
+      </dgm:t>
+    </dgm:pt>
+    <dgm:pt modelId="{D34FD3C9-6255-40CF-ACEC-876DE57B2985}" type="parTrans" cxnId="{AECAB7AA-72F9-4E3E-8D5E-A841127F4AD8}">
+      <dgm:prSet/>
+      <dgm:spPr/>
+      <dgm:t>
+        <a:bodyPr/>
+        <a:lstStyle/>
+        <a:p>
+          <a:endParaRPr lang="en-US"/>
+        </a:p>
+      </dgm:t>
+    </dgm:pt>
+    <dgm:pt modelId="{F85C8AD0-4400-4D46-A3CC-DF80CB597DA1}" type="sibTrans" cxnId="{AECAB7AA-72F9-4E3E-8D5E-A841127F4AD8}">
+      <dgm:prSet/>
+      <dgm:spPr/>
+      <dgm:t>
+        <a:bodyPr/>
+        <a:lstStyle/>
+        <a:p>
+          <a:endParaRPr lang="en-US"/>
+        </a:p>
+      </dgm:t>
+    </dgm:pt>
+    <dgm:pt modelId="{9CD239ED-7297-4C0E-B6EE-E2C8D213C01A}" type="pres">
+      <dgm:prSet presAssocID="{6D27F34A-59CD-4E2F-95B7-CF50ECF8F87F}" presName="Name0" presStyleCnt="0">
+        <dgm:presLayoutVars>
+          <dgm:dir/>
+        </dgm:presLayoutVars>
+      </dgm:prSet>
+      <dgm:spPr/>
+    </dgm:pt>
+    <dgm:pt modelId="{3375DE79-EB2E-4AE9-9491-7D67A556E146}" type="pres">
+      <dgm:prSet presAssocID="{E99C4677-0DDB-411F-99EB-3A754C7BBCEC}" presName="composite" presStyleCnt="0"/>
+      <dgm:spPr/>
+    </dgm:pt>
+    <dgm:pt modelId="{DFF84D45-BCDB-469A-A163-0751D6042788}" type="pres">
+      <dgm:prSet presAssocID="{E99C4677-0DDB-411F-99EB-3A754C7BBCEC}" presName="rect2" presStyleLbl="revTx" presStyleIdx="0" presStyleCnt="8">
+        <dgm:presLayoutVars>
+          <dgm:bulletEnabled val="1"/>
+        </dgm:presLayoutVars>
+      </dgm:prSet>
+      <dgm:spPr/>
+      <dgm:t>
+        <a:bodyPr/>
+        <a:lstStyle/>
+        <a:p>
+          <a:endParaRPr lang="en-US"/>
+        </a:p>
+      </dgm:t>
+    </dgm:pt>
+    <dgm:pt modelId="{F3D11CED-C35B-4B35-89FD-2D443625A26B}" type="pres">
+      <dgm:prSet presAssocID="{E99C4677-0DDB-411F-99EB-3A754C7BBCEC}" presName="rect1" presStyleLbl="alignImgPlace1" presStyleIdx="0" presStyleCnt="8"/>
+      <dgm:spPr>
+        <a:blipFill>
+          <a:blip xmlns:r="http://schemas.openxmlformats.org/officeDocument/2006/relationships" r:embed="rId1">
+            <a:extLst>
+              <a:ext uri="{28A0092B-C50C-407E-A947-70E740481C1C}">
+                <a14:useLocalDpi xmlns:a14="http://schemas.microsoft.com/office/drawing/2010/main" val="0"/>
+              </a:ext>
+            </a:extLst>
+          </a:blip>
+          <a:srcRect/>
+          <a:stretch>
+            <a:fillRect/>
+          </a:stretch>
+        </a:blipFill>
+      </dgm:spPr>
+    </dgm:pt>
+    <dgm:pt modelId="{4F25BB7D-C827-4A45-8222-2A8D7448FAA5}" type="pres">
+      <dgm:prSet presAssocID="{F9ED2E7B-4C76-4585-AC55-80C3F3A9A8C8}" presName="sibTrans" presStyleCnt="0"/>
+      <dgm:spPr/>
+    </dgm:pt>
+    <dgm:pt modelId="{A3369310-0F36-4527-8538-B576E1CCCAFC}" type="pres">
+      <dgm:prSet presAssocID="{91411666-C301-4B61-BB23-D75991A84EE3}" presName="composite" presStyleCnt="0"/>
+      <dgm:spPr/>
+    </dgm:pt>
+    <dgm:pt modelId="{CCB537D2-410C-4228-887B-24DBA35485CF}" type="pres">
+      <dgm:prSet presAssocID="{91411666-C301-4B61-BB23-D75991A84EE3}" presName="rect2" presStyleLbl="revTx" presStyleIdx="1" presStyleCnt="8">
+        <dgm:presLayoutVars>
+          <dgm:bulletEnabled val="1"/>
+        </dgm:presLayoutVars>
+      </dgm:prSet>
+      <dgm:spPr/>
+    </dgm:pt>
+    <dgm:pt modelId="{969E7A8A-E654-449E-81EE-9E3B5CE44E6B}" type="pres">
+      <dgm:prSet presAssocID="{91411666-C301-4B61-BB23-D75991A84EE3}" presName="rect1" presStyleLbl="alignImgPlace1" presStyleIdx="1" presStyleCnt="8"/>
+      <dgm:spPr>
+        <a:blipFill>
+          <a:blip xmlns:r="http://schemas.openxmlformats.org/officeDocument/2006/relationships" r:embed="rId2">
+            <a:extLst>
+              <a:ext uri="{28A0092B-C50C-407E-A947-70E740481C1C}">
+                <a14:useLocalDpi xmlns:a14="http://schemas.microsoft.com/office/drawing/2010/main" val="0"/>
+              </a:ext>
+            </a:extLst>
+          </a:blip>
+          <a:srcRect/>
+          <a:stretch>
+            <a:fillRect/>
+          </a:stretch>
+        </a:blipFill>
+      </dgm:spPr>
+    </dgm:pt>
+    <dgm:pt modelId="{0257F86E-31EB-4EBF-A2C8-8F373BC5EE67}" type="pres">
+      <dgm:prSet presAssocID="{5783DC9B-70F2-4F85-8FF7-E017F6D7F167}" presName="sibTrans" presStyleCnt="0"/>
+      <dgm:spPr/>
+    </dgm:pt>
+    <dgm:pt modelId="{69454673-2B64-492D-BD92-A0964A879253}" type="pres">
+      <dgm:prSet presAssocID="{96CB361F-0874-46A0-8AC4-865EB76F538C}" presName="composite" presStyleCnt="0"/>
+      <dgm:spPr/>
+    </dgm:pt>
+    <dgm:pt modelId="{FEFF845D-C917-4E93-8259-9DF551D01094}" type="pres">
+      <dgm:prSet presAssocID="{96CB361F-0874-46A0-8AC4-865EB76F538C}" presName="rect2" presStyleLbl="revTx" presStyleIdx="2" presStyleCnt="8">
+        <dgm:presLayoutVars>
+          <dgm:bulletEnabled val="1"/>
+        </dgm:presLayoutVars>
+      </dgm:prSet>
+      <dgm:spPr/>
+    </dgm:pt>
+    <dgm:pt modelId="{623D5625-289D-484E-AE25-74B35DCD9D0E}" type="pres">
+      <dgm:prSet presAssocID="{96CB361F-0874-46A0-8AC4-865EB76F538C}" presName="rect1" presStyleLbl="alignImgPlace1" presStyleIdx="2" presStyleCnt="8"/>
+      <dgm:spPr>
+        <a:blipFill>
+          <a:blip xmlns:r="http://schemas.openxmlformats.org/officeDocument/2006/relationships" r:embed="rId3">
+            <a:extLst>
+              <a:ext uri="{28A0092B-C50C-407E-A947-70E740481C1C}">
+                <a14:useLocalDpi xmlns:a14="http://schemas.microsoft.com/office/drawing/2010/main" val="0"/>
+              </a:ext>
+            </a:extLst>
+          </a:blip>
+          <a:srcRect/>
+          <a:stretch>
+            <a:fillRect/>
+          </a:stretch>
+        </a:blipFill>
+      </dgm:spPr>
+    </dgm:pt>
+    <dgm:pt modelId="{7C8E0DB1-20A3-4A9D-9FB0-557E6C71D976}" type="pres">
+      <dgm:prSet presAssocID="{550DFB59-7723-454B-A821-0EC8C6FF2F1D}" presName="sibTrans" presStyleCnt="0"/>
+      <dgm:spPr/>
+    </dgm:pt>
+    <dgm:pt modelId="{39560218-1620-44D3-A746-57C3D81FBF0F}" type="pres">
+      <dgm:prSet presAssocID="{F02CE3B0-25AE-4757-8281-2CF96805674D}" presName="composite" presStyleCnt="0"/>
+      <dgm:spPr/>
+    </dgm:pt>
+    <dgm:pt modelId="{DABD2B3F-9C6A-423B-AC91-446BB9CDF63F}" type="pres">
+      <dgm:prSet presAssocID="{F02CE3B0-25AE-4757-8281-2CF96805674D}" presName="rect2" presStyleLbl="revTx" presStyleIdx="3" presStyleCnt="8">
+        <dgm:presLayoutVars>
+          <dgm:bulletEnabled val="1"/>
+        </dgm:presLayoutVars>
+      </dgm:prSet>
+      <dgm:spPr/>
+    </dgm:pt>
+    <dgm:pt modelId="{BDCCC527-055A-4F2B-B450-50EC1049387C}" type="pres">
+      <dgm:prSet presAssocID="{F02CE3B0-25AE-4757-8281-2CF96805674D}" presName="rect1" presStyleLbl="alignImgPlace1" presStyleIdx="3" presStyleCnt="8"/>
+      <dgm:spPr>
+        <a:blipFill>
+          <a:blip xmlns:r="http://schemas.openxmlformats.org/officeDocument/2006/relationships" r:embed="rId4">
+            <a:extLst>
+              <a:ext uri="{28A0092B-C50C-407E-A947-70E740481C1C}">
+                <a14:useLocalDpi xmlns:a14="http://schemas.microsoft.com/office/drawing/2010/main" val="0"/>
+              </a:ext>
+            </a:extLst>
+          </a:blip>
+          <a:srcRect/>
+          <a:stretch>
+            <a:fillRect/>
+          </a:stretch>
+        </a:blipFill>
+      </dgm:spPr>
+    </dgm:pt>
+    <dgm:pt modelId="{F68C7F4E-9470-4C38-9070-D4764E1008E7}" type="pres">
+      <dgm:prSet presAssocID="{48E74776-1FCE-4BEC-AB84-25EA4C968E0C}" presName="sibTrans" presStyleCnt="0"/>
+      <dgm:spPr/>
+    </dgm:pt>
+    <dgm:pt modelId="{64F7B646-F8DF-4D83-BF12-137C40ED46A4}" type="pres">
+      <dgm:prSet presAssocID="{C2956FDD-00B6-4C14-98DA-1AEDDBDF890F}" presName="composite" presStyleCnt="0"/>
+      <dgm:spPr/>
+    </dgm:pt>
+    <dgm:pt modelId="{455206BD-6FE3-4C76-AACB-E6B83085F020}" type="pres">
+      <dgm:prSet presAssocID="{C2956FDD-00B6-4C14-98DA-1AEDDBDF890F}" presName="rect2" presStyleLbl="revTx" presStyleIdx="4" presStyleCnt="8">
+        <dgm:presLayoutVars>
+          <dgm:bulletEnabled val="1"/>
+        </dgm:presLayoutVars>
+      </dgm:prSet>
+      <dgm:spPr/>
+      <dgm:t>
+        <a:bodyPr/>
+        <a:lstStyle/>
+        <a:p>
+          <a:endParaRPr lang="en-US"/>
+        </a:p>
+      </dgm:t>
+    </dgm:pt>
+    <dgm:pt modelId="{6D3B5EEB-5FC2-4839-B999-5278FE5F2BBB}" type="pres">
+      <dgm:prSet presAssocID="{C2956FDD-00B6-4C14-98DA-1AEDDBDF890F}" presName="rect1" presStyleLbl="alignImgPlace1" presStyleIdx="4" presStyleCnt="8"/>
+      <dgm:spPr>
+        <a:blipFill>
+          <a:blip xmlns:r="http://schemas.openxmlformats.org/officeDocument/2006/relationships" r:embed="rId5">
+            <a:extLst>
+              <a:ext uri="{28A0092B-C50C-407E-A947-70E740481C1C}">
+                <a14:useLocalDpi xmlns:a14="http://schemas.microsoft.com/office/drawing/2010/main" val="0"/>
+              </a:ext>
+            </a:extLst>
+          </a:blip>
+          <a:srcRect/>
+          <a:stretch>
+            <a:fillRect/>
+          </a:stretch>
+        </a:blipFill>
+      </dgm:spPr>
+    </dgm:pt>
+    <dgm:pt modelId="{C470D3ED-3CD7-49EB-B0E5-2A5805A193D2}" type="pres">
+      <dgm:prSet presAssocID="{FE5F43F7-72FC-4DD2-99CD-1001BE60B023}" presName="sibTrans" presStyleCnt="0"/>
+      <dgm:spPr/>
+    </dgm:pt>
+    <dgm:pt modelId="{886BB212-527B-4349-B3FF-8D27D75DAED0}" type="pres">
+      <dgm:prSet presAssocID="{4E043BED-DAC8-4193-85C0-AB59878D93D2}" presName="composite" presStyleCnt="0"/>
+      <dgm:spPr/>
+    </dgm:pt>
+    <dgm:pt modelId="{B3D070A6-E3B7-4CFB-85E2-A76EB928DD19}" type="pres">
+      <dgm:prSet presAssocID="{4E043BED-DAC8-4193-85C0-AB59878D93D2}" presName="rect2" presStyleLbl="revTx" presStyleIdx="5" presStyleCnt="8">
+        <dgm:presLayoutVars>
+          <dgm:bulletEnabled val="1"/>
+        </dgm:presLayoutVars>
+      </dgm:prSet>
+      <dgm:spPr/>
+      <dgm:t>
+        <a:bodyPr/>
+        <a:lstStyle/>
+        <a:p>
+          <a:endParaRPr lang="en-US"/>
+        </a:p>
+      </dgm:t>
+    </dgm:pt>
+    <dgm:pt modelId="{A6D7E50E-8CE2-417E-B317-E34BF5DB63D6}" type="pres">
+      <dgm:prSet presAssocID="{4E043BED-DAC8-4193-85C0-AB59878D93D2}" presName="rect1" presStyleLbl="alignImgPlace1" presStyleIdx="5" presStyleCnt="8"/>
+      <dgm:spPr>
+        <a:blipFill>
+          <a:blip xmlns:r="http://schemas.openxmlformats.org/officeDocument/2006/relationships" r:embed="rId6">
+            <a:extLst>
+              <a:ext uri="{28A0092B-C50C-407E-A947-70E740481C1C}">
+                <a14:useLocalDpi xmlns:a14="http://schemas.microsoft.com/office/drawing/2010/main" val="0"/>
+              </a:ext>
+            </a:extLst>
+          </a:blip>
+          <a:srcRect/>
+          <a:stretch>
+            <a:fillRect/>
+          </a:stretch>
+        </a:blipFill>
+      </dgm:spPr>
+    </dgm:pt>
+    <dgm:pt modelId="{4AC11BB8-A80D-4FD8-BD7E-B53477DAC531}" type="pres">
+      <dgm:prSet presAssocID="{81038F36-A01A-4DDD-B7CB-E3021269EF63}" presName="sibTrans" presStyleCnt="0"/>
+      <dgm:spPr/>
+    </dgm:pt>
+    <dgm:pt modelId="{48A6BB78-3E2E-46D8-843D-459D089ACA0C}" type="pres">
+      <dgm:prSet presAssocID="{DD8671E5-1585-459C-95C5-17AADCC05E40}" presName="composite" presStyleCnt="0"/>
+      <dgm:spPr/>
+    </dgm:pt>
+    <dgm:pt modelId="{BCA5C006-CD23-4DA2-A870-7F4F4196D705}" type="pres">
+      <dgm:prSet presAssocID="{DD8671E5-1585-459C-95C5-17AADCC05E40}" presName="rect2" presStyleLbl="revTx" presStyleIdx="6" presStyleCnt="8">
+        <dgm:presLayoutVars>
+          <dgm:bulletEnabled val="1"/>
+        </dgm:presLayoutVars>
+      </dgm:prSet>
+      <dgm:spPr/>
+      <dgm:t>
+        <a:bodyPr/>
+        <a:lstStyle/>
+        <a:p>
+          <a:endParaRPr lang="en-US"/>
+        </a:p>
+      </dgm:t>
+    </dgm:pt>
+    <dgm:pt modelId="{44D8C49A-DE50-4500-BC92-7D60F405633C}" type="pres">
+      <dgm:prSet presAssocID="{DD8671E5-1585-459C-95C5-17AADCC05E40}" presName="rect1" presStyleLbl="alignImgPlace1" presStyleIdx="6" presStyleCnt="8"/>
+      <dgm:spPr>
+        <a:blipFill>
+          <a:blip xmlns:r="http://schemas.openxmlformats.org/officeDocument/2006/relationships" r:embed="rId7">
+            <a:extLst>
+              <a:ext uri="{28A0092B-C50C-407E-A947-70E740481C1C}">
+                <a14:useLocalDpi xmlns:a14="http://schemas.microsoft.com/office/drawing/2010/main" val="0"/>
+              </a:ext>
+            </a:extLst>
+          </a:blip>
+          <a:srcRect/>
+          <a:stretch>
+            <a:fillRect/>
+          </a:stretch>
+        </a:blipFill>
+      </dgm:spPr>
+    </dgm:pt>
+    <dgm:pt modelId="{0DEBD67F-86D4-4DCC-9864-C478FE20265A}" type="pres">
+      <dgm:prSet presAssocID="{D6BE020F-4B9A-4194-9F61-C77A25C3D093}" presName="sibTrans" presStyleCnt="0"/>
+      <dgm:spPr/>
+    </dgm:pt>
+    <dgm:pt modelId="{4500F829-1FA4-46F3-A8D1-E7A50F2BC195}" type="pres">
+      <dgm:prSet presAssocID="{37DEBC30-9A97-4924-8406-EB1E9EC3340C}" presName="composite" presStyleCnt="0"/>
+      <dgm:spPr/>
+    </dgm:pt>
+    <dgm:pt modelId="{4B7790B9-B8A7-47AC-859F-79DF7645BD97}" type="pres">
+      <dgm:prSet presAssocID="{37DEBC30-9A97-4924-8406-EB1E9EC3340C}" presName="rect2" presStyleLbl="revTx" presStyleIdx="7" presStyleCnt="8">
+        <dgm:presLayoutVars>
+          <dgm:bulletEnabled val="1"/>
+        </dgm:presLayoutVars>
+      </dgm:prSet>
+      <dgm:spPr/>
+      <dgm:t>
+        <a:bodyPr/>
+        <a:lstStyle/>
+        <a:p>
+          <a:endParaRPr lang="en-US"/>
+        </a:p>
+      </dgm:t>
+    </dgm:pt>
+    <dgm:pt modelId="{82FC7410-646C-486F-8F63-DD417AAF50CC}" type="pres">
+      <dgm:prSet presAssocID="{37DEBC30-9A97-4924-8406-EB1E9EC3340C}" presName="rect1" presStyleLbl="alignImgPlace1" presStyleIdx="7" presStyleCnt="8"/>
+      <dgm:spPr>
+        <a:blipFill>
+          <a:blip xmlns:r="http://schemas.openxmlformats.org/officeDocument/2006/relationships" r:embed="rId8">
+            <a:extLst>
+              <a:ext uri="{28A0092B-C50C-407E-A947-70E740481C1C}">
+                <a14:useLocalDpi xmlns:a14="http://schemas.microsoft.com/office/drawing/2010/main" val="0"/>
+              </a:ext>
+            </a:extLst>
+          </a:blip>
+          <a:srcRect/>
+          <a:stretch>
+            <a:fillRect/>
+          </a:stretch>
+        </a:blipFill>
+      </dgm:spPr>
+    </dgm:pt>
+  </dgm:ptLst>
+  <dgm:cxnLst>
+    <dgm:cxn modelId="{E95BBEE9-BD3C-4DCC-A9EB-57D15D4D96C5}" type="presOf" srcId="{96CB361F-0874-46A0-8AC4-865EB76F538C}" destId="{FEFF845D-C917-4E93-8259-9DF551D01094}" srcOrd="0" destOrd="0" presId="urn:microsoft.com/office/officeart/2008/layout/PictureGrid"/>
+    <dgm:cxn modelId="{71F076AB-C64C-48F3-82E3-43AB1E1A58D6}" srcId="{6D27F34A-59CD-4E2F-95B7-CF50ECF8F87F}" destId="{C2956FDD-00B6-4C14-98DA-1AEDDBDF890F}" srcOrd="4" destOrd="0" parTransId="{F14E4A8E-2163-4379-8180-4FDD876CDCA2}" sibTransId="{FE5F43F7-72FC-4DD2-99CD-1001BE60B023}"/>
+    <dgm:cxn modelId="{AEEC84E8-F6BE-461B-8B20-1DC96D5765B8}" srcId="{6D27F34A-59CD-4E2F-95B7-CF50ECF8F87F}" destId="{DD8671E5-1585-459C-95C5-17AADCC05E40}" srcOrd="6" destOrd="0" parTransId="{37841E47-28B8-4DDE-89F7-BF6A9777C939}" sibTransId="{D6BE020F-4B9A-4194-9F61-C77A25C3D093}"/>
+    <dgm:cxn modelId="{7A16D158-4451-4DDC-A213-8FB81FDEC013}" type="presOf" srcId="{C2956FDD-00B6-4C14-98DA-1AEDDBDF890F}" destId="{455206BD-6FE3-4C76-AACB-E6B83085F020}" srcOrd="0" destOrd="0" presId="urn:microsoft.com/office/officeart/2008/layout/PictureGrid"/>
+    <dgm:cxn modelId="{6C66D1F9-EA49-4005-B303-0DF4CD63D112}" type="presOf" srcId="{91411666-C301-4B61-BB23-D75991A84EE3}" destId="{CCB537D2-410C-4228-887B-24DBA35485CF}" srcOrd="0" destOrd="0" presId="urn:microsoft.com/office/officeart/2008/layout/PictureGrid"/>
+    <dgm:cxn modelId="{AECAB7AA-72F9-4E3E-8D5E-A841127F4AD8}" srcId="{6D27F34A-59CD-4E2F-95B7-CF50ECF8F87F}" destId="{37DEBC30-9A97-4924-8406-EB1E9EC3340C}" srcOrd="7" destOrd="0" parTransId="{D34FD3C9-6255-40CF-ACEC-876DE57B2985}" sibTransId="{F85C8AD0-4400-4D46-A3CC-DF80CB597DA1}"/>
+    <dgm:cxn modelId="{4BC7B2D6-3782-430E-9DA3-B2E12FD61053}" type="presOf" srcId="{37DEBC30-9A97-4924-8406-EB1E9EC3340C}" destId="{4B7790B9-B8A7-47AC-859F-79DF7645BD97}" srcOrd="0" destOrd="0" presId="urn:microsoft.com/office/officeart/2008/layout/PictureGrid"/>
+    <dgm:cxn modelId="{A8E7FAD1-A7A8-4A39-9B8C-021CEDCDA270}" srcId="{6D27F34A-59CD-4E2F-95B7-CF50ECF8F87F}" destId="{E99C4677-0DDB-411F-99EB-3A754C7BBCEC}" srcOrd="0" destOrd="0" parTransId="{C8192E88-E936-4D9A-B00F-ED03F67F32CF}" sibTransId="{F9ED2E7B-4C76-4585-AC55-80C3F3A9A8C8}"/>
+    <dgm:cxn modelId="{582C195C-D309-41EA-86FA-57BA382B3735}" type="presOf" srcId="{4E043BED-DAC8-4193-85C0-AB59878D93D2}" destId="{B3D070A6-E3B7-4CFB-85E2-A76EB928DD19}" srcOrd="0" destOrd="0" presId="urn:microsoft.com/office/officeart/2008/layout/PictureGrid"/>
+    <dgm:cxn modelId="{319FF369-F673-418A-875E-39E7808ED599}" srcId="{6D27F34A-59CD-4E2F-95B7-CF50ECF8F87F}" destId="{4E043BED-DAC8-4193-85C0-AB59878D93D2}" srcOrd="5" destOrd="0" parTransId="{D50CF400-EF6F-4232-84DA-0735C1DB5CF4}" sibTransId="{81038F36-A01A-4DDD-B7CB-E3021269EF63}"/>
+    <dgm:cxn modelId="{87387351-2038-4020-AC7B-ED441CBA4574}" srcId="{6D27F34A-59CD-4E2F-95B7-CF50ECF8F87F}" destId="{91411666-C301-4B61-BB23-D75991A84EE3}" srcOrd="1" destOrd="0" parTransId="{66362842-1D9C-400E-9760-C04DE01466DB}" sibTransId="{5783DC9B-70F2-4F85-8FF7-E017F6D7F167}"/>
+    <dgm:cxn modelId="{CFEF56CC-FC9F-445A-961C-F1655D361B7A}" type="presOf" srcId="{DD8671E5-1585-459C-95C5-17AADCC05E40}" destId="{BCA5C006-CD23-4DA2-A870-7F4F4196D705}" srcOrd="0" destOrd="0" presId="urn:microsoft.com/office/officeart/2008/layout/PictureGrid"/>
+    <dgm:cxn modelId="{2874EEC5-C42E-499A-ADB9-9632473BE5E6}" type="presOf" srcId="{6D27F34A-59CD-4E2F-95B7-CF50ECF8F87F}" destId="{9CD239ED-7297-4C0E-B6EE-E2C8D213C01A}" srcOrd="0" destOrd="0" presId="urn:microsoft.com/office/officeart/2008/layout/PictureGrid"/>
+    <dgm:cxn modelId="{DE6E7479-062D-4C74-B8AB-B86DE667133E}" srcId="{6D27F34A-59CD-4E2F-95B7-CF50ECF8F87F}" destId="{F02CE3B0-25AE-4757-8281-2CF96805674D}" srcOrd="3" destOrd="0" parTransId="{CE475AE2-81CA-4F02-B8B3-32F18D946619}" sibTransId="{48E74776-1FCE-4BEC-AB84-25EA4C968E0C}"/>
+    <dgm:cxn modelId="{FE28A742-DF2D-4770-8160-46A72728E1BA}" srcId="{6D27F34A-59CD-4E2F-95B7-CF50ECF8F87F}" destId="{96CB361F-0874-46A0-8AC4-865EB76F538C}" srcOrd="2" destOrd="0" parTransId="{8166422E-EC93-4A3E-844C-2534BCBB5363}" sibTransId="{550DFB59-7723-454B-A821-0EC8C6FF2F1D}"/>
+    <dgm:cxn modelId="{4A4DD455-C2D1-4B1B-A117-B19C94DA67CD}" type="presOf" srcId="{E99C4677-0DDB-411F-99EB-3A754C7BBCEC}" destId="{DFF84D45-BCDB-469A-A163-0751D6042788}" srcOrd="0" destOrd="0" presId="urn:microsoft.com/office/officeart/2008/layout/PictureGrid"/>
+    <dgm:cxn modelId="{554EA459-514B-4D5B-8FAB-E16AD352663B}" type="presOf" srcId="{F02CE3B0-25AE-4757-8281-2CF96805674D}" destId="{DABD2B3F-9C6A-423B-AC91-446BB9CDF63F}" srcOrd="0" destOrd="0" presId="urn:microsoft.com/office/officeart/2008/layout/PictureGrid"/>
+    <dgm:cxn modelId="{E950367E-0DB0-4952-B376-306D8819959C}" type="presParOf" srcId="{9CD239ED-7297-4C0E-B6EE-E2C8D213C01A}" destId="{3375DE79-EB2E-4AE9-9491-7D67A556E146}" srcOrd="0" destOrd="0" presId="urn:microsoft.com/office/officeart/2008/layout/PictureGrid"/>
+    <dgm:cxn modelId="{160A032C-9D46-46C2-9DCB-60EBF23FA335}" type="presParOf" srcId="{3375DE79-EB2E-4AE9-9491-7D67A556E146}" destId="{DFF84D45-BCDB-469A-A163-0751D6042788}" srcOrd="0" destOrd="0" presId="urn:microsoft.com/office/officeart/2008/layout/PictureGrid"/>
+    <dgm:cxn modelId="{C1FA3DB5-8A50-4395-A903-7E76DF8390A6}" type="presParOf" srcId="{3375DE79-EB2E-4AE9-9491-7D67A556E146}" destId="{F3D11CED-C35B-4B35-89FD-2D443625A26B}" srcOrd="1" destOrd="0" presId="urn:microsoft.com/office/officeart/2008/layout/PictureGrid"/>
+    <dgm:cxn modelId="{3D8B06F6-A30D-419F-AB21-912B1F15B044}" type="presParOf" srcId="{9CD239ED-7297-4C0E-B6EE-E2C8D213C01A}" destId="{4F25BB7D-C827-4A45-8222-2A8D7448FAA5}" srcOrd="1" destOrd="0" presId="urn:microsoft.com/office/officeart/2008/layout/PictureGrid"/>
+    <dgm:cxn modelId="{9B470D02-D1A6-47AB-83AF-764CBBF56EDE}" type="presParOf" srcId="{9CD239ED-7297-4C0E-B6EE-E2C8D213C01A}" destId="{A3369310-0F36-4527-8538-B576E1CCCAFC}" srcOrd="2" destOrd="0" presId="urn:microsoft.com/office/officeart/2008/layout/PictureGrid"/>
+    <dgm:cxn modelId="{EC0677BB-2EBA-4FD2-827E-C59089569752}" type="presParOf" srcId="{A3369310-0F36-4527-8538-B576E1CCCAFC}" destId="{CCB537D2-410C-4228-887B-24DBA35485CF}" srcOrd="0" destOrd="0" presId="urn:microsoft.com/office/officeart/2008/layout/PictureGrid"/>
+    <dgm:cxn modelId="{F0BF89E3-8763-419E-9111-96D70747E1FF}" type="presParOf" srcId="{A3369310-0F36-4527-8538-B576E1CCCAFC}" destId="{969E7A8A-E654-449E-81EE-9E3B5CE44E6B}" srcOrd="1" destOrd="0" presId="urn:microsoft.com/office/officeart/2008/layout/PictureGrid"/>
+    <dgm:cxn modelId="{7DFFC9DB-F7D7-4227-B58E-C373D924922A}" type="presParOf" srcId="{9CD239ED-7297-4C0E-B6EE-E2C8D213C01A}" destId="{0257F86E-31EB-4EBF-A2C8-8F373BC5EE67}" srcOrd="3" destOrd="0" presId="urn:microsoft.com/office/officeart/2008/layout/PictureGrid"/>
+    <dgm:cxn modelId="{65421BA9-C2F1-4995-B3AE-3B3E8149C6AC}" type="presParOf" srcId="{9CD239ED-7297-4C0E-B6EE-E2C8D213C01A}" destId="{69454673-2B64-492D-BD92-A0964A879253}" srcOrd="4" destOrd="0" presId="urn:microsoft.com/office/officeart/2008/layout/PictureGrid"/>
+    <dgm:cxn modelId="{A6EE7CE3-1D2C-4A11-A75B-505274FD0ACF}" type="presParOf" srcId="{69454673-2B64-492D-BD92-A0964A879253}" destId="{FEFF845D-C917-4E93-8259-9DF551D01094}" srcOrd="0" destOrd="0" presId="urn:microsoft.com/office/officeart/2008/layout/PictureGrid"/>
+    <dgm:cxn modelId="{BC58AB39-D5C1-4263-B7EF-DA975C0000A5}" type="presParOf" srcId="{69454673-2B64-492D-BD92-A0964A879253}" destId="{623D5625-289D-484E-AE25-74B35DCD9D0E}" srcOrd="1" destOrd="0" presId="urn:microsoft.com/office/officeart/2008/layout/PictureGrid"/>
+    <dgm:cxn modelId="{0A3A734E-7FB8-461F-95D3-B0FB4328B0AF}" type="presParOf" srcId="{9CD239ED-7297-4C0E-B6EE-E2C8D213C01A}" destId="{7C8E0DB1-20A3-4A9D-9FB0-557E6C71D976}" srcOrd="5" destOrd="0" presId="urn:microsoft.com/office/officeart/2008/layout/PictureGrid"/>
+    <dgm:cxn modelId="{1D2A39FC-71C8-42F9-A8CE-69E904F1E3B5}" type="presParOf" srcId="{9CD239ED-7297-4C0E-B6EE-E2C8D213C01A}" destId="{39560218-1620-44D3-A746-57C3D81FBF0F}" srcOrd="6" destOrd="0" presId="urn:microsoft.com/office/officeart/2008/layout/PictureGrid"/>
+    <dgm:cxn modelId="{CB10FD3B-1DB4-4947-BF69-34914325262C}" type="presParOf" srcId="{39560218-1620-44D3-A746-57C3D81FBF0F}" destId="{DABD2B3F-9C6A-423B-AC91-446BB9CDF63F}" srcOrd="0" destOrd="0" presId="urn:microsoft.com/office/officeart/2008/layout/PictureGrid"/>
+    <dgm:cxn modelId="{29E71C43-5B21-4AB7-871A-6372A95FDA71}" type="presParOf" srcId="{39560218-1620-44D3-A746-57C3D81FBF0F}" destId="{BDCCC527-055A-4F2B-B450-50EC1049387C}" srcOrd="1" destOrd="0" presId="urn:microsoft.com/office/officeart/2008/layout/PictureGrid"/>
+    <dgm:cxn modelId="{31A9F69B-1265-401E-BA14-A07644AFDAE2}" type="presParOf" srcId="{9CD239ED-7297-4C0E-B6EE-E2C8D213C01A}" destId="{F68C7F4E-9470-4C38-9070-D4764E1008E7}" srcOrd="7" destOrd="0" presId="urn:microsoft.com/office/officeart/2008/layout/PictureGrid"/>
+    <dgm:cxn modelId="{22C124F6-97D1-4374-B220-41978E9EA4FB}" type="presParOf" srcId="{9CD239ED-7297-4C0E-B6EE-E2C8D213C01A}" destId="{64F7B646-F8DF-4D83-BF12-137C40ED46A4}" srcOrd="8" destOrd="0" presId="urn:microsoft.com/office/officeart/2008/layout/PictureGrid"/>
+    <dgm:cxn modelId="{D81731EF-CE36-41F2-8670-6C4E0BD9CF33}" type="presParOf" srcId="{64F7B646-F8DF-4D83-BF12-137C40ED46A4}" destId="{455206BD-6FE3-4C76-AACB-E6B83085F020}" srcOrd="0" destOrd="0" presId="urn:microsoft.com/office/officeart/2008/layout/PictureGrid"/>
+    <dgm:cxn modelId="{83DCFB00-D40A-4417-A1BB-CAF5458F9301}" type="presParOf" srcId="{64F7B646-F8DF-4D83-BF12-137C40ED46A4}" destId="{6D3B5EEB-5FC2-4839-B999-5278FE5F2BBB}" srcOrd="1" destOrd="0" presId="urn:microsoft.com/office/officeart/2008/layout/PictureGrid"/>
+    <dgm:cxn modelId="{C3C1713F-66D4-4F93-9688-452844F46AD3}" type="presParOf" srcId="{9CD239ED-7297-4C0E-B6EE-E2C8D213C01A}" destId="{C470D3ED-3CD7-49EB-B0E5-2A5805A193D2}" srcOrd="9" destOrd="0" presId="urn:microsoft.com/office/officeart/2008/layout/PictureGrid"/>
+    <dgm:cxn modelId="{771F2E5E-ADB9-4689-8369-CB60900C4978}" type="presParOf" srcId="{9CD239ED-7297-4C0E-B6EE-E2C8D213C01A}" destId="{886BB212-527B-4349-B3FF-8D27D75DAED0}" srcOrd="10" destOrd="0" presId="urn:microsoft.com/office/officeart/2008/layout/PictureGrid"/>
+    <dgm:cxn modelId="{7148621B-D6A5-4319-B686-0A387EA6550B}" type="presParOf" srcId="{886BB212-527B-4349-B3FF-8D27D75DAED0}" destId="{B3D070A6-E3B7-4CFB-85E2-A76EB928DD19}" srcOrd="0" destOrd="0" presId="urn:microsoft.com/office/officeart/2008/layout/PictureGrid"/>
+    <dgm:cxn modelId="{E815EA64-8BE9-41FF-89F2-D115EC75CBCC}" type="presParOf" srcId="{886BB212-527B-4349-B3FF-8D27D75DAED0}" destId="{A6D7E50E-8CE2-417E-B317-E34BF5DB63D6}" srcOrd="1" destOrd="0" presId="urn:microsoft.com/office/officeart/2008/layout/PictureGrid"/>
+    <dgm:cxn modelId="{F2DF5F1C-81CD-488C-9B69-C368334C3477}" type="presParOf" srcId="{9CD239ED-7297-4C0E-B6EE-E2C8D213C01A}" destId="{4AC11BB8-A80D-4FD8-BD7E-B53477DAC531}" srcOrd="11" destOrd="0" presId="urn:microsoft.com/office/officeart/2008/layout/PictureGrid"/>
+    <dgm:cxn modelId="{4F5735C3-19AD-4A07-9E99-EBF2B0019117}" type="presParOf" srcId="{9CD239ED-7297-4C0E-B6EE-E2C8D213C01A}" destId="{48A6BB78-3E2E-46D8-843D-459D089ACA0C}" srcOrd="12" destOrd="0" presId="urn:microsoft.com/office/officeart/2008/layout/PictureGrid"/>
+    <dgm:cxn modelId="{8715AACD-1EFE-4E35-9F81-E743D5E1109C}" type="presParOf" srcId="{48A6BB78-3E2E-46D8-843D-459D089ACA0C}" destId="{BCA5C006-CD23-4DA2-A870-7F4F4196D705}" srcOrd="0" destOrd="0" presId="urn:microsoft.com/office/officeart/2008/layout/PictureGrid"/>
+    <dgm:cxn modelId="{F237ACD4-938F-4907-B9B7-DFF1C1354567}" type="presParOf" srcId="{48A6BB78-3E2E-46D8-843D-459D089ACA0C}" destId="{44D8C49A-DE50-4500-BC92-7D60F405633C}" srcOrd="1" destOrd="0" presId="urn:microsoft.com/office/officeart/2008/layout/PictureGrid"/>
+    <dgm:cxn modelId="{81E49148-FC4B-4D97-8471-A4604ADBC09D}" type="presParOf" srcId="{9CD239ED-7297-4C0E-B6EE-E2C8D213C01A}" destId="{0DEBD67F-86D4-4DCC-9864-C478FE20265A}" srcOrd="13" destOrd="0" presId="urn:microsoft.com/office/officeart/2008/layout/PictureGrid"/>
+    <dgm:cxn modelId="{D9271B1B-7271-4E88-B357-BB5FC2E40205}" type="presParOf" srcId="{9CD239ED-7297-4C0E-B6EE-E2C8D213C01A}" destId="{4500F829-1FA4-46F3-A8D1-E7A50F2BC195}" srcOrd="14" destOrd="0" presId="urn:microsoft.com/office/officeart/2008/layout/PictureGrid"/>
+    <dgm:cxn modelId="{9523A5D2-5504-4858-A74A-16CA0CB41AD9}" type="presParOf" srcId="{4500F829-1FA4-46F3-A8D1-E7A50F2BC195}" destId="{4B7790B9-B8A7-47AC-859F-79DF7645BD97}" srcOrd="0" destOrd="0" presId="urn:microsoft.com/office/officeart/2008/layout/PictureGrid"/>
+    <dgm:cxn modelId="{215BBD33-D33F-47F0-B89E-5B2AEB572BAF}" type="presParOf" srcId="{4500F829-1FA4-46F3-A8D1-E7A50F2BC195}" destId="{82FC7410-646C-486F-8F63-DD417AAF50CC}" srcOrd="1" destOrd="0" presId="urn:microsoft.com/office/officeart/2008/layout/PictureGrid"/>
+  </dgm:cxnLst>
+  <dgm:bg/>
+  <dgm:whole/>
+  <dgm:extLst>
+    <a:ext uri="http://schemas.microsoft.com/office/drawing/2008/diagram">
+      <dsp:dataModelExt xmlns:dsp="http://schemas.microsoft.com/office/drawing/2008/diagram" relId="rId6" minVer="http://schemas.openxmlformats.org/drawingml/2006/diagram"/>
+    </a:ext>
+  </dgm:extLst>
+</dgm:dataModel>
+</file>
+
+<file path=ppt/diagrams/drawing1.xml><?xml version="1.0" encoding="utf-8"?>
+<dsp:drawing xmlns:dgm="http://schemas.openxmlformats.org/drawingml/2006/diagram" xmlns:dsp="http://schemas.microsoft.com/office/drawing/2008/diagram" xmlns:a="http://schemas.openxmlformats.org/drawingml/2006/main">
+  <dsp:spTree>
+    <dsp:nvGrpSpPr>
+      <dsp:cNvPr id="0" name=""/>
+      <dsp:cNvGrpSpPr/>
+    </dsp:nvGrpSpPr>
+    <dsp:grpSpPr/>
+    <dsp:sp modelId="{DFF84D45-BCDB-469A-A163-0751D6042788}">
+      <dsp:nvSpPr>
+        <dsp:cNvPr id="0" name=""/>
+        <dsp:cNvSpPr/>
+      </dsp:nvSpPr>
+      <dsp:spPr>
+        <a:xfrm>
+          <a:off x="2128374" y="41381"/>
+          <a:ext cx="1237102" cy="185565"/>
+        </a:xfrm>
+        <a:prstGeom prst="rect">
+          <a:avLst/>
+        </a:prstGeom>
+        <a:noFill/>
+        <a:ln>
+          <a:noFill/>
+        </a:ln>
+        <a:effectLst/>
+      </dsp:spPr>
+      <dsp:style>
+        <a:lnRef idx="0">
+          <a:scrgbClr r="0" g="0" b="0"/>
+        </a:lnRef>
+        <a:fillRef idx="0">
+          <a:scrgbClr r="0" g="0" b="0"/>
+        </a:fillRef>
+        <a:effectRef idx="0">
+          <a:scrgbClr r="0" g="0" b="0"/>
+        </a:effectRef>
+        <a:fontRef idx="minor"/>
+      </dsp:style>
+      <dsp:txBody>
+        <a:bodyPr spcFirstLastPara="0" vert="horz" wrap="square" lIns="0" tIns="38100" rIns="38100" bIns="0" numCol="1" spcCol="1270" anchor="b" anchorCtr="0">
+          <a:noAutofit/>
+        </a:bodyPr>
+        <a:lstStyle/>
+        <a:p>
+          <a:pPr lvl="0" algn="ctr" defTabSz="444500">
+            <a:lnSpc>
+              <a:spcPct val="90000"/>
+            </a:lnSpc>
+            <a:spcBef>
+              <a:spcPct val="0"/>
+            </a:spcBef>
+            <a:spcAft>
+              <a:spcPct val="35000"/>
+            </a:spcAft>
+          </a:pPr>
+          <a:r>
+            <a:rPr lang="en-US" sz="1000" kern="1200" dirty="0" smtClean="0"/>
+            <a:t>LAUNCHER</a:t>
+          </a:r>
+          <a:endParaRPr lang="en-US" sz="1000" kern="1200" dirty="0"/>
+        </a:p>
+      </dsp:txBody>
+      <dsp:txXfrm>
+        <a:off x="2128374" y="41381"/>
+        <a:ext cx="1237102" cy="185565"/>
+      </dsp:txXfrm>
+    </dsp:sp>
+    <dsp:sp modelId="{F3D11CED-C35B-4B35-89FD-2D443625A26B}">
+      <dsp:nvSpPr>
+        <dsp:cNvPr id="0" name=""/>
+        <dsp:cNvSpPr/>
+      </dsp:nvSpPr>
+      <dsp:spPr>
+        <a:xfrm>
+          <a:off x="2128374" y="263726"/>
+          <a:ext cx="1237102" cy="1237102"/>
+        </a:xfrm>
+        <a:prstGeom prst="rect">
+          <a:avLst/>
+        </a:prstGeom>
+        <a:blipFill>
+          <a:blip xmlns:r="http://schemas.openxmlformats.org/officeDocument/2006/relationships" r:embed="rId1">
+            <a:extLst>
+              <a:ext uri="{28A0092B-C50C-407E-A947-70E740481C1C}">
+                <a14:useLocalDpi xmlns:a14="http://schemas.microsoft.com/office/drawing/2010/main" val="0"/>
+              </a:ext>
+            </a:extLst>
+          </a:blip>
+          <a:srcRect/>
+          <a:stretch>
+            <a:fillRect/>
+          </a:stretch>
+        </a:blipFill>
+        <a:ln w="25400" cap="flat" cmpd="sng" algn="ctr">
+          <a:solidFill>
+            <a:schemeClr val="lt1">
+              <a:hueOff val="0"/>
+              <a:satOff val="0"/>
+              <a:lumOff val="0"/>
+              <a:alphaOff val="0"/>
+            </a:schemeClr>
+          </a:solidFill>
+          <a:prstDash val="solid"/>
+        </a:ln>
+        <a:effectLst/>
+      </dsp:spPr>
+      <dsp:style>
+        <a:lnRef idx="2">
+          <a:scrgbClr r="0" g="0" b="0"/>
+        </a:lnRef>
+        <a:fillRef idx="1">
+          <a:scrgbClr r="0" g="0" b="0"/>
+        </a:fillRef>
+        <a:effectRef idx="0">
+          <a:scrgbClr r="0" g="0" b="0"/>
+        </a:effectRef>
+        <a:fontRef idx="minor"/>
+      </dsp:style>
+    </dsp:sp>
+    <dsp:sp modelId="{CCB537D2-410C-4228-887B-24DBA35485CF}">
+      <dsp:nvSpPr>
+        <dsp:cNvPr id="0" name=""/>
+        <dsp:cNvSpPr/>
+      </dsp:nvSpPr>
+      <dsp:spPr>
+        <a:xfrm>
+          <a:off x="3496248" y="41381"/>
+          <a:ext cx="1237102" cy="185565"/>
+        </a:xfrm>
+        <a:prstGeom prst="rect">
+          <a:avLst/>
+        </a:prstGeom>
+        <a:noFill/>
+        <a:ln>
+          <a:noFill/>
+        </a:ln>
+        <a:effectLst/>
+      </dsp:spPr>
+      <dsp:style>
+        <a:lnRef idx="0">
+          <a:scrgbClr r="0" g="0" b="0"/>
+        </a:lnRef>
+        <a:fillRef idx="0">
+          <a:scrgbClr r="0" g="0" b="0"/>
+        </a:fillRef>
+        <a:effectRef idx="0">
+          <a:scrgbClr r="0" g="0" b="0"/>
+        </a:effectRef>
+        <a:fontRef idx="minor"/>
+      </dsp:style>
+      <dsp:txBody>
+        <a:bodyPr spcFirstLastPara="0" vert="horz" wrap="square" lIns="0" tIns="38100" rIns="38100" bIns="0" numCol="1" spcCol="1270" anchor="b" anchorCtr="0">
+          <a:noAutofit/>
+        </a:bodyPr>
+        <a:lstStyle/>
+        <a:p>
+          <a:pPr lvl="0" algn="ctr" defTabSz="444500">
+            <a:lnSpc>
+              <a:spcPct val="90000"/>
+            </a:lnSpc>
+            <a:spcBef>
+              <a:spcPct val="0"/>
+            </a:spcBef>
+            <a:spcAft>
+              <a:spcPct val="35000"/>
+            </a:spcAft>
+          </a:pPr>
+          <a:r>
+            <a:rPr lang="en-US" sz="1000" kern="1200" dirty="0" smtClean="0"/>
+            <a:t>SEARCH</a:t>
+          </a:r>
+          <a:endParaRPr lang="en-US" sz="1000" kern="1200" dirty="0"/>
+        </a:p>
+      </dsp:txBody>
+      <dsp:txXfrm>
+        <a:off x="3496248" y="41381"/>
+        <a:ext cx="1237102" cy="185565"/>
+      </dsp:txXfrm>
+    </dsp:sp>
+    <dsp:sp modelId="{969E7A8A-E654-449E-81EE-9E3B5CE44E6B}">
+      <dsp:nvSpPr>
+        <dsp:cNvPr id="0" name=""/>
+        <dsp:cNvSpPr/>
+      </dsp:nvSpPr>
+      <dsp:spPr>
+        <a:xfrm>
+          <a:off x="3496248" y="263726"/>
+          <a:ext cx="1237102" cy="1237102"/>
+        </a:xfrm>
+        <a:prstGeom prst="rect">
+          <a:avLst/>
+        </a:prstGeom>
+        <a:blipFill>
+          <a:blip xmlns:r="http://schemas.openxmlformats.org/officeDocument/2006/relationships" r:embed="rId2">
+            <a:extLst>
+              <a:ext uri="{28A0092B-C50C-407E-A947-70E740481C1C}">
+                <a14:useLocalDpi xmlns:a14="http://schemas.microsoft.com/office/drawing/2010/main" val="0"/>
+              </a:ext>
+            </a:extLst>
+          </a:blip>
+          <a:srcRect/>
+          <a:stretch>
+            <a:fillRect/>
+          </a:stretch>
+        </a:blipFill>
+        <a:ln w="25400" cap="flat" cmpd="sng" algn="ctr">
+          <a:solidFill>
+            <a:schemeClr val="lt1">
+              <a:hueOff val="0"/>
+              <a:satOff val="0"/>
+              <a:lumOff val="0"/>
+              <a:alphaOff val="0"/>
+            </a:schemeClr>
+          </a:solidFill>
+          <a:prstDash val="solid"/>
+        </a:ln>
+        <a:effectLst/>
+      </dsp:spPr>
+      <dsp:style>
+        <a:lnRef idx="2">
+          <a:scrgbClr r="0" g="0" b="0"/>
+        </a:lnRef>
+        <a:fillRef idx="1">
+          <a:scrgbClr r="0" g="0" b="0"/>
+        </a:fillRef>
+        <a:effectRef idx="0">
+          <a:scrgbClr r="0" g="0" b="0"/>
+        </a:effectRef>
+        <a:fontRef idx="minor"/>
+      </dsp:style>
+    </dsp:sp>
+    <dsp:sp modelId="{FEFF845D-C917-4E93-8259-9DF551D01094}">
+      <dsp:nvSpPr>
+        <dsp:cNvPr id="0" name=""/>
+        <dsp:cNvSpPr/>
+      </dsp:nvSpPr>
+      <dsp:spPr>
+        <a:xfrm>
+          <a:off x="4864123" y="41381"/>
+          <a:ext cx="1237102" cy="185565"/>
+        </a:xfrm>
+        <a:prstGeom prst="rect">
+          <a:avLst/>
+        </a:prstGeom>
+        <a:noFill/>
+        <a:ln>
+          <a:noFill/>
+        </a:ln>
+        <a:effectLst/>
+      </dsp:spPr>
+      <dsp:style>
+        <a:lnRef idx="0">
+          <a:scrgbClr r="0" g="0" b="0"/>
+        </a:lnRef>
+        <a:fillRef idx="0">
+          <a:scrgbClr r="0" g="0" b="0"/>
+        </a:fillRef>
+        <a:effectRef idx="0">
+          <a:scrgbClr r="0" g="0" b="0"/>
+        </a:effectRef>
+        <a:fontRef idx="minor"/>
+      </dsp:style>
+      <dsp:txBody>
+        <a:bodyPr spcFirstLastPara="0" vert="horz" wrap="square" lIns="0" tIns="38100" rIns="38100" bIns="0" numCol="1" spcCol="1270" anchor="b" anchorCtr="0">
+          <a:noAutofit/>
+        </a:bodyPr>
+        <a:lstStyle/>
+        <a:p>
+          <a:pPr lvl="0" algn="ctr" defTabSz="444500">
+            <a:lnSpc>
+              <a:spcPct val="90000"/>
+            </a:lnSpc>
+            <a:spcBef>
+              <a:spcPct val="0"/>
+            </a:spcBef>
+            <a:spcAft>
+              <a:spcPct val="35000"/>
+            </a:spcAft>
+          </a:pPr>
+          <a:r>
+            <a:rPr lang="en-US" sz="1000" kern="1200" dirty="0" smtClean="0"/>
+            <a:t>SETTINGS</a:t>
+          </a:r>
+          <a:endParaRPr lang="en-US" sz="1000" kern="1200" dirty="0"/>
+        </a:p>
+      </dsp:txBody>
+      <dsp:txXfrm>
+        <a:off x="4864123" y="41381"/>
+        <a:ext cx="1237102" cy="185565"/>
+      </dsp:txXfrm>
+    </dsp:sp>
+    <dsp:sp modelId="{623D5625-289D-484E-AE25-74B35DCD9D0E}">
+      <dsp:nvSpPr>
+        <dsp:cNvPr id="0" name=""/>
+        <dsp:cNvSpPr/>
+      </dsp:nvSpPr>
+      <dsp:spPr>
+        <a:xfrm>
+          <a:off x="4864123" y="263726"/>
+          <a:ext cx="1237102" cy="1237102"/>
+        </a:xfrm>
+        <a:prstGeom prst="rect">
+          <a:avLst/>
+        </a:prstGeom>
+        <a:blipFill>
+          <a:blip xmlns:r="http://schemas.openxmlformats.org/officeDocument/2006/relationships" r:embed="rId3">
+            <a:extLst>
+              <a:ext uri="{28A0092B-C50C-407E-A947-70E740481C1C}">
+                <a14:useLocalDpi xmlns:a14="http://schemas.microsoft.com/office/drawing/2010/main" val="0"/>
+              </a:ext>
+            </a:extLst>
+          </a:blip>
+          <a:srcRect/>
+          <a:stretch>
+            <a:fillRect/>
+          </a:stretch>
+        </a:blipFill>
+        <a:ln w="25400" cap="flat" cmpd="sng" algn="ctr">
+          <a:solidFill>
+            <a:schemeClr val="lt1">
+              <a:hueOff val="0"/>
+              <a:satOff val="0"/>
+              <a:lumOff val="0"/>
+              <a:alphaOff val="0"/>
+            </a:schemeClr>
+          </a:solidFill>
+          <a:prstDash val="solid"/>
+        </a:ln>
+        <a:effectLst/>
+      </dsp:spPr>
+      <dsp:style>
+        <a:lnRef idx="2">
+          <a:scrgbClr r="0" g="0" b="0"/>
+        </a:lnRef>
+        <a:fillRef idx="1">
+          <a:scrgbClr r="0" g="0" b="0"/>
+        </a:fillRef>
+        <a:effectRef idx="0">
+          <a:scrgbClr r="0" g="0" b="0"/>
+        </a:effectRef>
+        <a:fontRef idx="minor"/>
+      </dsp:style>
+    </dsp:sp>
+    <dsp:sp modelId="{DABD2B3F-9C6A-423B-AC91-446BB9CDF63F}">
+      <dsp:nvSpPr>
+        <dsp:cNvPr id="0" name=""/>
+        <dsp:cNvSpPr/>
+      </dsp:nvSpPr>
+      <dsp:spPr>
+        <a:xfrm>
+          <a:off x="2128374" y="1624538"/>
+          <a:ext cx="1237102" cy="185565"/>
+        </a:xfrm>
+        <a:prstGeom prst="rect">
+          <a:avLst/>
+        </a:prstGeom>
+        <a:noFill/>
+        <a:ln>
+          <a:noFill/>
+        </a:ln>
+        <a:effectLst/>
+      </dsp:spPr>
+      <dsp:style>
+        <a:lnRef idx="0">
+          <a:scrgbClr r="0" g="0" b="0"/>
+        </a:lnRef>
+        <a:fillRef idx="0">
+          <a:scrgbClr r="0" g="0" b="0"/>
+        </a:fillRef>
+        <a:effectRef idx="0">
+          <a:scrgbClr r="0" g="0" b="0"/>
+        </a:effectRef>
+        <a:fontRef idx="minor"/>
+      </dsp:style>
+      <dsp:txBody>
+        <a:bodyPr spcFirstLastPara="0" vert="horz" wrap="square" lIns="0" tIns="38100" rIns="38100" bIns="0" numCol="1" spcCol="1270" anchor="b" anchorCtr="0">
+          <a:noAutofit/>
+        </a:bodyPr>
+        <a:lstStyle/>
+        <a:p>
+          <a:pPr lvl="0" algn="ctr" defTabSz="444500">
+            <a:lnSpc>
+              <a:spcPct val="90000"/>
+            </a:lnSpc>
+            <a:spcBef>
+              <a:spcPct val="0"/>
+            </a:spcBef>
+            <a:spcAft>
+              <a:spcPct val="35000"/>
+            </a:spcAft>
+          </a:pPr>
+          <a:r>
+            <a:rPr lang="en-US" sz="1000" kern="1200" dirty="0" smtClean="0"/>
+            <a:t>CONTACT</a:t>
+          </a:r>
+          <a:endParaRPr lang="en-US" sz="1000" kern="1200" dirty="0"/>
+        </a:p>
+      </dsp:txBody>
+      <dsp:txXfrm>
+        <a:off x="2128374" y="1624538"/>
+        <a:ext cx="1237102" cy="185565"/>
+      </dsp:txXfrm>
+    </dsp:sp>
+    <dsp:sp modelId="{BDCCC527-055A-4F2B-B450-50EC1049387C}">
+      <dsp:nvSpPr>
+        <dsp:cNvPr id="0" name=""/>
+        <dsp:cNvSpPr/>
+      </dsp:nvSpPr>
+      <dsp:spPr>
+        <a:xfrm>
+          <a:off x="2128374" y="1846883"/>
+          <a:ext cx="1237102" cy="1237102"/>
+        </a:xfrm>
+        <a:prstGeom prst="rect">
+          <a:avLst/>
+        </a:prstGeom>
+        <a:blipFill>
+          <a:blip xmlns:r="http://schemas.openxmlformats.org/officeDocument/2006/relationships" r:embed="rId4">
+            <a:extLst>
+              <a:ext uri="{28A0092B-C50C-407E-A947-70E740481C1C}">
+                <a14:useLocalDpi xmlns:a14="http://schemas.microsoft.com/office/drawing/2010/main" val="0"/>
+              </a:ext>
+            </a:extLst>
+          </a:blip>
+          <a:srcRect/>
+          <a:stretch>
+            <a:fillRect/>
+          </a:stretch>
+        </a:blipFill>
+        <a:ln w="25400" cap="flat" cmpd="sng" algn="ctr">
+          <a:solidFill>
+            <a:schemeClr val="lt1">
+              <a:hueOff val="0"/>
+              <a:satOff val="0"/>
+              <a:lumOff val="0"/>
+              <a:alphaOff val="0"/>
+            </a:schemeClr>
+          </a:solidFill>
+          <a:prstDash val="solid"/>
+        </a:ln>
+        <a:effectLst/>
+      </dsp:spPr>
+      <dsp:style>
+        <a:lnRef idx="2">
+          <a:scrgbClr r="0" g="0" b="0"/>
+        </a:lnRef>
+        <a:fillRef idx="1">
+          <a:scrgbClr r="0" g="0" b="0"/>
+        </a:fillRef>
+        <a:effectRef idx="0">
+          <a:scrgbClr r="0" g="0" b="0"/>
+        </a:effectRef>
+        <a:fontRef idx="minor"/>
+      </dsp:style>
+    </dsp:sp>
+    <dsp:sp modelId="{455206BD-6FE3-4C76-AACB-E6B83085F020}">
+      <dsp:nvSpPr>
+        <dsp:cNvPr id="0" name=""/>
+        <dsp:cNvSpPr/>
+      </dsp:nvSpPr>
+      <dsp:spPr>
+        <a:xfrm>
+          <a:off x="3496248" y="1624538"/>
+          <a:ext cx="1237102" cy="185565"/>
+        </a:xfrm>
+        <a:prstGeom prst="rect">
+          <a:avLst/>
+        </a:prstGeom>
+        <a:noFill/>
+        <a:ln>
+          <a:noFill/>
+        </a:ln>
+        <a:effectLst/>
+      </dsp:spPr>
+      <dsp:style>
+        <a:lnRef idx="0">
+          <a:scrgbClr r="0" g="0" b="0"/>
+        </a:lnRef>
+        <a:fillRef idx="0">
+          <a:scrgbClr r="0" g="0" b="0"/>
+        </a:fillRef>
+        <a:effectRef idx="0">
+          <a:scrgbClr r="0" g="0" b="0"/>
+        </a:effectRef>
+        <a:fontRef idx="minor"/>
+      </dsp:style>
+      <dsp:txBody>
+        <a:bodyPr spcFirstLastPara="0" vert="horz" wrap="square" lIns="0" tIns="38100" rIns="38100" bIns="0" numCol="1" spcCol="1270" anchor="b" anchorCtr="0">
+          <a:noAutofit/>
+        </a:bodyPr>
+        <a:lstStyle/>
+        <a:p>
+          <a:pPr lvl="0" algn="ctr" defTabSz="444500">
+            <a:lnSpc>
+              <a:spcPct val="90000"/>
+            </a:lnSpc>
+            <a:spcBef>
+              <a:spcPct val="0"/>
+            </a:spcBef>
+            <a:spcAft>
+              <a:spcPct val="35000"/>
+            </a:spcAft>
+          </a:pPr>
+          <a:r>
+            <a:rPr lang="en-US" sz="1000" kern="1200" dirty="0" smtClean="0"/>
+            <a:t>ADD CONTACT</a:t>
+          </a:r>
+          <a:endParaRPr lang="en-US" sz="1000" kern="1200" dirty="0"/>
+        </a:p>
+      </dsp:txBody>
+      <dsp:txXfrm>
+        <a:off x="3496248" y="1624538"/>
+        <a:ext cx="1237102" cy="185565"/>
+      </dsp:txXfrm>
+    </dsp:sp>
+    <dsp:sp modelId="{6D3B5EEB-5FC2-4839-B999-5278FE5F2BBB}">
+      <dsp:nvSpPr>
+        <dsp:cNvPr id="0" name=""/>
+        <dsp:cNvSpPr/>
+      </dsp:nvSpPr>
+      <dsp:spPr>
+        <a:xfrm>
+          <a:off x="3496248" y="1846883"/>
+          <a:ext cx="1237102" cy="1237102"/>
+        </a:xfrm>
+        <a:prstGeom prst="rect">
+          <a:avLst/>
+        </a:prstGeom>
+        <a:blipFill>
+          <a:blip xmlns:r="http://schemas.openxmlformats.org/officeDocument/2006/relationships" r:embed="rId5">
+            <a:extLst>
+              <a:ext uri="{28A0092B-C50C-407E-A947-70E740481C1C}">
+                <a14:useLocalDpi xmlns:a14="http://schemas.microsoft.com/office/drawing/2010/main" val="0"/>
+              </a:ext>
+            </a:extLst>
+          </a:blip>
+          <a:srcRect/>
+          <a:stretch>
+            <a:fillRect/>
+          </a:stretch>
+        </a:blipFill>
+        <a:ln w="25400" cap="flat" cmpd="sng" algn="ctr">
+          <a:solidFill>
+            <a:schemeClr val="lt1">
+              <a:hueOff val="0"/>
+              <a:satOff val="0"/>
+              <a:lumOff val="0"/>
+              <a:alphaOff val="0"/>
+            </a:schemeClr>
+          </a:solidFill>
+          <a:prstDash val="solid"/>
+        </a:ln>
+        <a:effectLst/>
+      </dsp:spPr>
+      <dsp:style>
+        <a:lnRef idx="2">
+          <a:scrgbClr r="0" g="0" b="0"/>
+        </a:lnRef>
+        <a:fillRef idx="1">
+          <a:scrgbClr r="0" g="0" b="0"/>
+        </a:fillRef>
+        <a:effectRef idx="0">
+          <a:scrgbClr r="0" g="0" b="0"/>
+        </a:effectRef>
+        <a:fontRef idx="minor"/>
+      </dsp:style>
+    </dsp:sp>
+    <dsp:sp modelId="{B3D070A6-E3B7-4CFB-85E2-A76EB928DD19}">
+      <dsp:nvSpPr>
+        <dsp:cNvPr id="0" name=""/>
+        <dsp:cNvSpPr/>
+      </dsp:nvSpPr>
+      <dsp:spPr>
+        <a:xfrm>
+          <a:off x="4864123" y="1624538"/>
+          <a:ext cx="1237102" cy="185565"/>
+        </a:xfrm>
+        <a:prstGeom prst="rect">
+          <a:avLst/>
+        </a:prstGeom>
+        <a:noFill/>
+        <a:ln>
+          <a:noFill/>
+        </a:ln>
+        <a:effectLst/>
+      </dsp:spPr>
+      <dsp:style>
+        <a:lnRef idx="0">
+          <a:scrgbClr r="0" g="0" b="0"/>
+        </a:lnRef>
+        <a:fillRef idx="0">
+          <a:scrgbClr r="0" g="0" b="0"/>
+        </a:fillRef>
+        <a:effectRef idx="0">
+          <a:scrgbClr r="0" g="0" b="0"/>
+        </a:effectRef>
+        <a:fontRef idx="minor"/>
+      </dsp:style>
+      <dsp:txBody>
+        <a:bodyPr spcFirstLastPara="0" vert="horz" wrap="square" lIns="0" tIns="38100" rIns="38100" bIns="0" numCol="1" spcCol="1270" anchor="b" anchorCtr="0">
+          <a:noAutofit/>
+        </a:bodyPr>
+        <a:lstStyle/>
+        <a:p>
+          <a:pPr lvl="0" algn="ctr" defTabSz="444500">
+            <a:lnSpc>
+              <a:spcPct val="90000"/>
+            </a:lnSpc>
+            <a:spcBef>
+              <a:spcPct val="0"/>
+            </a:spcBef>
+            <a:spcAft>
+              <a:spcPct val="35000"/>
+            </a:spcAft>
+          </a:pPr>
+          <a:r>
+            <a:rPr lang="en-US" sz="1000" kern="1200" dirty="0" smtClean="0"/>
+            <a:t>ME</a:t>
+          </a:r>
+          <a:endParaRPr lang="en-US" sz="1000" kern="1200" dirty="0"/>
+        </a:p>
+      </dsp:txBody>
+      <dsp:txXfrm>
+        <a:off x="4864123" y="1624538"/>
+        <a:ext cx="1237102" cy="185565"/>
+      </dsp:txXfrm>
+    </dsp:sp>
+    <dsp:sp modelId="{A6D7E50E-8CE2-417E-B317-E34BF5DB63D6}">
+      <dsp:nvSpPr>
+        <dsp:cNvPr id="0" name=""/>
+        <dsp:cNvSpPr/>
+      </dsp:nvSpPr>
+      <dsp:spPr>
+        <a:xfrm>
+          <a:off x="4864123" y="1846883"/>
+          <a:ext cx="1237102" cy="1237102"/>
+        </a:xfrm>
+        <a:prstGeom prst="rect">
+          <a:avLst/>
+        </a:prstGeom>
+        <a:blipFill>
+          <a:blip xmlns:r="http://schemas.openxmlformats.org/officeDocument/2006/relationships" r:embed="rId6">
+            <a:extLst>
+              <a:ext uri="{28A0092B-C50C-407E-A947-70E740481C1C}">
+                <a14:useLocalDpi xmlns:a14="http://schemas.microsoft.com/office/drawing/2010/main" val="0"/>
+              </a:ext>
+            </a:extLst>
+          </a:blip>
+          <a:srcRect/>
+          <a:stretch>
+            <a:fillRect/>
+          </a:stretch>
+        </a:blipFill>
+        <a:ln w="25400" cap="flat" cmpd="sng" algn="ctr">
+          <a:solidFill>
+            <a:schemeClr val="lt1">
+              <a:hueOff val="0"/>
+              <a:satOff val="0"/>
+              <a:lumOff val="0"/>
+              <a:alphaOff val="0"/>
+            </a:schemeClr>
+          </a:solidFill>
+          <a:prstDash val="solid"/>
+        </a:ln>
+        <a:effectLst/>
+      </dsp:spPr>
+      <dsp:style>
+        <a:lnRef idx="2">
+          <a:scrgbClr r="0" g="0" b="0"/>
+        </a:lnRef>
+        <a:fillRef idx="1">
+          <a:scrgbClr r="0" g="0" b="0"/>
+        </a:fillRef>
+        <a:effectRef idx="0">
+          <a:scrgbClr r="0" g="0" b="0"/>
+        </a:effectRef>
+        <a:fontRef idx="minor"/>
+      </dsp:style>
+    </dsp:sp>
+    <dsp:sp modelId="{BCA5C006-CD23-4DA2-A870-7F4F4196D705}">
+      <dsp:nvSpPr>
+        <dsp:cNvPr id="0" name=""/>
+        <dsp:cNvSpPr/>
+      </dsp:nvSpPr>
+      <dsp:spPr>
+        <a:xfrm>
+          <a:off x="2812311" y="3207696"/>
+          <a:ext cx="1237102" cy="185565"/>
+        </a:xfrm>
+        <a:prstGeom prst="rect">
+          <a:avLst/>
+        </a:prstGeom>
+        <a:noFill/>
+        <a:ln>
+          <a:noFill/>
+        </a:ln>
+        <a:effectLst/>
+      </dsp:spPr>
+      <dsp:style>
+        <a:lnRef idx="0">
+          <a:scrgbClr r="0" g="0" b="0"/>
+        </a:lnRef>
+        <a:fillRef idx="0">
+          <a:scrgbClr r="0" g="0" b="0"/>
+        </a:fillRef>
+        <a:effectRef idx="0">
+          <a:scrgbClr r="0" g="0" b="0"/>
+        </a:effectRef>
+        <a:fontRef idx="minor"/>
+      </dsp:style>
+      <dsp:txBody>
+        <a:bodyPr spcFirstLastPara="0" vert="horz" wrap="square" lIns="0" tIns="38100" rIns="38100" bIns="0" numCol="1" spcCol="1270" anchor="b" anchorCtr="0">
+          <a:noAutofit/>
+        </a:bodyPr>
+        <a:lstStyle/>
+        <a:p>
+          <a:pPr lvl="0" algn="ctr" defTabSz="444500">
+            <a:lnSpc>
+              <a:spcPct val="90000"/>
+            </a:lnSpc>
+            <a:spcBef>
+              <a:spcPct val="0"/>
+            </a:spcBef>
+            <a:spcAft>
+              <a:spcPct val="35000"/>
+            </a:spcAft>
+          </a:pPr>
+          <a:r>
+            <a:rPr lang="en-US" sz="1000" kern="1200" dirty="0" smtClean="0"/>
+            <a:t>NEW MESSAGE</a:t>
+          </a:r>
+          <a:endParaRPr lang="en-US" sz="1000" kern="1200" dirty="0"/>
+        </a:p>
+      </dsp:txBody>
+      <dsp:txXfrm>
+        <a:off x="2812311" y="3207696"/>
+        <a:ext cx="1237102" cy="185565"/>
+      </dsp:txXfrm>
+    </dsp:sp>
+    <dsp:sp modelId="{44D8C49A-DE50-4500-BC92-7D60F405633C}">
+      <dsp:nvSpPr>
+        <dsp:cNvPr id="0" name=""/>
+        <dsp:cNvSpPr/>
+      </dsp:nvSpPr>
+      <dsp:spPr>
+        <a:xfrm>
+          <a:off x="2812311" y="3430041"/>
+          <a:ext cx="1237102" cy="1237102"/>
+        </a:xfrm>
+        <a:prstGeom prst="rect">
+          <a:avLst/>
+        </a:prstGeom>
+        <a:blipFill>
+          <a:blip xmlns:r="http://schemas.openxmlformats.org/officeDocument/2006/relationships" r:embed="rId7">
+            <a:extLst>
+              <a:ext uri="{28A0092B-C50C-407E-A947-70E740481C1C}">
+                <a14:useLocalDpi xmlns:a14="http://schemas.microsoft.com/office/drawing/2010/main" val="0"/>
+              </a:ext>
+            </a:extLst>
+          </a:blip>
+          <a:srcRect/>
+          <a:stretch>
+            <a:fillRect/>
+          </a:stretch>
+        </a:blipFill>
+        <a:ln w="25400" cap="flat" cmpd="sng" algn="ctr">
+          <a:solidFill>
+            <a:schemeClr val="lt1">
+              <a:hueOff val="0"/>
+              <a:satOff val="0"/>
+              <a:lumOff val="0"/>
+              <a:alphaOff val="0"/>
+            </a:schemeClr>
+          </a:solidFill>
+          <a:prstDash val="solid"/>
+        </a:ln>
+        <a:effectLst/>
+      </dsp:spPr>
+      <dsp:style>
+        <a:lnRef idx="2">
+          <a:scrgbClr r="0" g="0" b="0"/>
+        </a:lnRef>
+        <a:fillRef idx="1">
+          <a:scrgbClr r="0" g="0" b="0"/>
+        </a:fillRef>
+        <a:effectRef idx="0">
+          <a:scrgbClr r="0" g="0" b="0"/>
+        </a:effectRef>
+        <a:fontRef idx="minor"/>
+      </dsp:style>
+    </dsp:sp>
+    <dsp:sp modelId="{4B7790B9-B8A7-47AC-859F-79DF7645BD97}">
+      <dsp:nvSpPr>
+        <dsp:cNvPr id="0" name=""/>
+        <dsp:cNvSpPr/>
+      </dsp:nvSpPr>
+      <dsp:spPr>
+        <a:xfrm>
+          <a:off x="4180185" y="3207696"/>
+          <a:ext cx="1237102" cy="185565"/>
+        </a:xfrm>
+        <a:prstGeom prst="rect">
+          <a:avLst/>
+        </a:prstGeom>
+        <a:noFill/>
+        <a:ln>
+          <a:noFill/>
+        </a:ln>
+        <a:effectLst/>
+      </dsp:spPr>
+      <dsp:style>
+        <a:lnRef idx="0">
+          <a:scrgbClr r="0" g="0" b="0"/>
+        </a:lnRef>
+        <a:fillRef idx="0">
+          <a:scrgbClr r="0" g="0" b="0"/>
+        </a:fillRef>
+        <a:effectRef idx="0">
+          <a:scrgbClr r="0" g="0" b="0"/>
+        </a:effectRef>
+        <a:fontRef idx="minor"/>
+      </dsp:style>
+      <dsp:txBody>
+        <a:bodyPr spcFirstLastPara="0" vert="horz" wrap="square" lIns="0" tIns="38100" rIns="38100" bIns="0" numCol="1" spcCol="1270" anchor="b" anchorCtr="0">
+          <a:noAutofit/>
+        </a:bodyPr>
+        <a:lstStyle/>
+        <a:p>
+          <a:pPr lvl="0" algn="ctr" defTabSz="444500">
+            <a:lnSpc>
+              <a:spcPct val="90000"/>
+            </a:lnSpc>
+            <a:spcBef>
+              <a:spcPct val="0"/>
+            </a:spcBef>
+            <a:spcAft>
+              <a:spcPct val="35000"/>
+            </a:spcAft>
+          </a:pPr>
+          <a:r>
+            <a:rPr lang="en-US" sz="1000" kern="1200" dirty="0" smtClean="0"/>
+            <a:t>SEND MESSAGE</a:t>
+          </a:r>
+          <a:endParaRPr lang="en-US" sz="1000" kern="1200" dirty="0"/>
+        </a:p>
+      </dsp:txBody>
+      <dsp:txXfrm>
+        <a:off x="4180185" y="3207696"/>
+        <a:ext cx="1237102" cy="185565"/>
+      </dsp:txXfrm>
+    </dsp:sp>
+    <dsp:sp modelId="{82FC7410-646C-486F-8F63-DD417AAF50CC}">
+      <dsp:nvSpPr>
+        <dsp:cNvPr id="0" name=""/>
+        <dsp:cNvSpPr/>
+      </dsp:nvSpPr>
+      <dsp:spPr>
+        <a:xfrm>
+          <a:off x="4180185" y="3430041"/>
+          <a:ext cx="1237102" cy="1237102"/>
+        </a:xfrm>
+        <a:prstGeom prst="rect">
+          <a:avLst/>
+        </a:prstGeom>
+        <a:blipFill>
+          <a:blip xmlns:r="http://schemas.openxmlformats.org/officeDocument/2006/relationships" r:embed="rId8">
+            <a:extLst>
+              <a:ext uri="{28A0092B-C50C-407E-A947-70E740481C1C}">
+                <a14:useLocalDpi xmlns:a14="http://schemas.microsoft.com/office/drawing/2010/main" val="0"/>
+              </a:ext>
+            </a:extLst>
+          </a:blip>
+          <a:srcRect/>
+          <a:stretch>
+            <a:fillRect/>
+          </a:stretch>
+        </a:blipFill>
+        <a:ln w="25400" cap="flat" cmpd="sng" algn="ctr">
+          <a:solidFill>
+            <a:schemeClr val="lt1">
+              <a:hueOff val="0"/>
+              <a:satOff val="0"/>
+              <a:lumOff val="0"/>
+              <a:alphaOff val="0"/>
+            </a:schemeClr>
+          </a:solidFill>
+          <a:prstDash val="solid"/>
+        </a:ln>
+        <a:effectLst/>
+      </dsp:spPr>
+      <dsp:style>
+        <a:lnRef idx="2">
+          <a:scrgbClr r="0" g="0" b="0"/>
+        </a:lnRef>
+        <a:fillRef idx="1">
+          <a:scrgbClr r="0" g="0" b="0"/>
+        </a:fillRef>
+        <a:effectRef idx="0">
+          <a:scrgbClr r="0" g="0" b="0"/>
+        </a:effectRef>
+        <a:fontRef idx="minor"/>
+      </dsp:style>
+    </dsp:sp>
+  </dsp:spTree>
+</dsp:drawing>
+</file>
+
+<file path=ppt/diagrams/layout1.xml><?xml version="1.0" encoding="utf-8"?>
+<dgm:layoutDef xmlns:dgm="http://schemas.openxmlformats.org/drawingml/2006/diagram" xmlns:a="http://schemas.openxmlformats.org/drawingml/2006/main" uniqueId="urn:microsoft.com/office/officeart/2008/layout/PictureGrid">
+  <dgm:title val=""/>
+  <dgm:desc val=""/>
+  <dgm:catLst>
+    <dgm:cat type="picture" pri="11000"/>
+    <dgm:cat type="pictureconvert" pri="11000"/>
+  </dgm:catLst>
+  <dgm:sampData>
+    <dgm:dataModel>
+      <dgm:ptLst>
+        <dgm:pt modelId="0" type="doc"/>
+        <dgm:pt modelId="10">
+          <dgm:prSet phldr="1"/>
+        </dgm:pt>
+        <dgm:pt modelId="20">
+          <dgm:prSet phldr="1"/>
+        </dgm:pt>
+        <dgm:pt modelId="30">
+          <dgm:prSet phldr="1"/>
+        </dgm:pt>
+        <dgm:pt modelId="40">
+          <dgm:prSet phldr="1"/>
+        </dgm:pt>
+      </dgm:ptLst>
+      <dgm:cxnLst>
+        <dgm:cxn modelId="60" srcId="0" destId="10" srcOrd="0" destOrd="0"/>
+        <dgm:cxn modelId="70" srcId="0" destId="20" srcOrd="1" destOrd="0"/>
+        <dgm:cxn modelId="80" srcId="0" destId="30" srcOrd="2" destOrd="0"/>
+        <dgm:cxn modelId="90" srcId="0" destId="40" srcOrd="3" destOrd="0"/>
+      </dgm:cxnLst>
+      <dgm:bg/>
+      <dgm:whole/>
+    </dgm:dataModel>
+  </dgm:sampData>
+  <dgm:styleData>
+    <dgm:dataModel>
+      <dgm:ptLst>
+        <dgm:pt modelId="0" type="doc"/>
+        <dgm:pt modelId="10">
+          <dgm:prSet phldr="1"/>
+        </dgm:pt>
+        <dgm:pt modelId="20">
+          <dgm:prSet phldr="1"/>
+        </dgm:pt>
+      </dgm:ptLst>
+      <dgm:cxnLst>
+        <dgm:cxn modelId="60" srcId="0" destId="10" srcOrd="0" destOrd="0"/>
+        <dgm:cxn modelId="70" srcId="0" destId="20" srcOrd="1" destOrd="0"/>
+      </dgm:cxnLst>
+      <dgm:bg/>
+      <dgm:whole/>
+    </dgm:dataModel>
+  </dgm:styleData>
+  <dgm:clrData>
+    <dgm:dataModel>
+      <dgm:ptLst>
+        <dgm:pt modelId="0" type="doc"/>
+        <dgm:pt modelId="10">
+          <dgm:prSet phldr="1"/>
+        </dgm:pt>
+        <dgm:pt modelId="20">
+          <dgm:prSet phldr="1"/>
+        </dgm:pt>
+        <dgm:pt modelId="30">
+          <dgm:prSet phldr="1"/>
+        </dgm:pt>
+        <dgm:pt modelId="40">
+          <dgm:prSet phldr="1"/>
+        </dgm:pt>
+      </dgm:ptLst>
+      <dgm:cxnLst>
+        <dgm:cxn modelId="60" srcId="0" destId="10" srcOrd="0" destOrd="0"/>
+        <dgm:cxn modelId="70" srcId="0" destId="20" srcOrd="1" destOrd="0"/>
+        <dgm:cxn modelId="80" srcId="0" destId="30" srcOrd="2" destOrd="0"/>
+        <dgm:cxn modelId="90" srcId="0" destId="40" srcOrd="3" destOrd="0"/>
+      </dgm:cxnLst>
+      <dgm:bg/>
+      <dgm:whole/>
+    </dgm:dataModel>
+  </dgm:clrData>
+  <dgm:layoutNode name="Name0">
+    <dgm:varLst>
+      <dgm:dir/>
+    </dgm:varLst>
+    <dgm:choose name="Name1">
+      <dgm:if name="Name2" axis="ch" ptType="node" func="cnt" op="lte" val="4">
+        <dgm:choose name="Name3">
+          <dgm:if name="Name4" func="var" arg="dir" op="equ" val="norm">
+            <dgm:alg type="snake">
+              <dgm:param type="off" val="ctr"/>
+              <dgm:param type="bkpt" val="fixed"/>
+              <dgm:param type="bkPtFixedVal" val="2"/>
+            </dgm:alg>
+          </dgm:if>
+          <dgm:else name="Name5">
+            <dgm:alg type="snake">
+              <dgm:param type="off" val="ctr"/>
+              <dgm:param type="grDir" val="tR"/>
+              <dgm:param type="bkpt" val="fixed"/>
+              <dgm:param type="bkPtFixedVal" val="2"/>
+            </dgm:alg>
+          </dgm:else>
+        </dgm:choose>
+      </dgm:if>
+      <dgm:else name="Name6">
+        <dgm:choose name="Name7">
+          <dgm:if name="Name8" axis="ch" ptType="node" func="cnt" op="lte" val="9">
+            <dgm:choose name="Name9">
+              <dgm:if name="Name10" func="var" arg="dir" op="equ" val="norm">
+                <dgm:alg type="snake">
+                  <dgm:param type="off" val="ctr"/>
+                  <dgm:param type="bkpt" val="fixed"/>
+                  <dgm:param type="bkPtFixedVal" val="3"/>
+                </dgm:alg>
+              </dgm:if>
+              <dgm:else name="Name11">
+                <dgm:alg type="snake">
+                  <dgm:param type="off" val="ctr"/>
+                  <dgm:param type="grDir" val="tR"/>
+                  <dgm:param type="bkpt" val="fixed"/>
+                  <dgm:param type="bkPtFixedVal" val="3"/>
+                </dgm:alg>
+              </dgm:else>
+            </dgm:choose>
+          </dgm:if>
+          <dgm:else name="Name12">
+            <dgm:choose name="Name13">
+              <dgm:if name="Name14" axis="ch" ptType="node" func="cnt" op="lte" val="16">
+                <dgm:choose name="Name15">
+                  <dgm:if name="Name16" func="var" arg="dir" op="equ" val="norm">
+                    <dgm:alg type="snake">
+                      <dgm:param type="off" val="ctr"/>
+                      <dgm:param type="bkpt" val="fixed"/>
+                      <dgm:param type="bkPtFixedVal" val="4"/>
+                    </dgm:alg>
+                  </dgm:if>
+                  <dgm:else name="Name17">
+                    <dgm:alg type="snake">
+                      <dgm:param type="off" val="ctr"/>
+                      <dgm:param type="grDir" val="tR"/>
+                      <dgm:param type="bkpt" val="fixed"/>
+                      <dgm:param type="bkPtFixedVal" val="4"/>
+                    </dgm:alg>
+                  </dgm:else>
+                </dgm:choose>
+              </dgm:if>
+              <dgm:else name="Name18">
+                <dgm:choose name="Name19">
+                  <dgm:if name="Name20" axis="ch" ptType="node" func="cnt" op="lte" val="25">
+                    <dgm:choose name="Name21">
+                      <dgm:if name="Name22" func="var" arg="dir" op="equ" val="norm">
+                        <dgm:alg type="snake">
+                          <dgm:param type="off" val="ctr"/>
+                          <dgm:param type="bkpt" val="fixed"/>
+                          <dgm:param type="bkPtFixedVal" val="5"/>
+                        </dgm:alg>
+                      </dgm:if>
+                      <dgm:else name="Name23">
+                        <dgm:alg type="snake">
+                          <dgm:param type="off" val="ctr"/>
+                          <dgm:param type="grDir" val="tR"/>
+                          <dgm:param type="bkpt" val="fixed"/>
+                          <dgm:param type="bkPtFixedVal" val="5"/>
+                        </dgm:alg>
+                      </dgm:else>
+                    </dgm:choose>
+                  </dgm:if>
+                  <dgm:else name="Name24">
+                    <dgm:choose name="Name25">
+                      <dgm:if name="Name26" func="var" arg="dir" op="equ" val="norm">
+                        <dgm:alg type="snake">
+                          <dgm:param type="off" val="ctr"/>
+                        </dgm:alg>
+                      </dgm:if>
+                      <dgm:else name="Name27">
+                        <dgm:alg type="snake">
+                          <dgm:param type="off" val="ctr"/>
+                          <dgm:param type="grDir" val="tR"/>
+                        </dgm:alg>
+                      </dgm:else>
+                    </dgm:choose>
+                  </dgm:else>
+                </dgm:choose>
+              </dgm:else>
+            </dgm:choose>
+          </dgm:else>
+        </dgm:choose>
+      </dgm:else>
+    </dgm:choose>
+    <dgm:shape xmlns:r="http://schemas.openxmlformats.org/officeDocument/2006/relationships" r:blip="">
+      <dgm:adjLst/>
+    </dgm:shape>
+    <dgm:constrLst>
+      <dgm:constr type="primFontSz" for="des" ptType="node" op="equ" val="65"/>
+      <dgm:constr type="w" for="ch" forName="composite" refType="h" fact="0.8"/>
+      <dgm:constr type="h" for="ch" forName="composite" refType="h"/>
+      <dgm:constr type="sp" refType="w" refFor="ch" refForName="composite" op="equ" fact="0.1"/>
+      <dgm:constr type="w" for="ch" forName="sibTrans" refType="w" refFor="ch" refForName="composite" op="equ" fact="0.1"/>
+      <dgm:constr type="h" for="ch" forName="sibTrans" refType="w" refFor="ch" refForName="sibTrans" op="equ"/>
+    </dgm:constrLst>
+    <dgm:forEach name="nodesForEach" axis="ch" ptType="node">
+      <dgm:layoutNode name="composite">
+        <dgm:alg type="composite">
+          <dgm:param type="ar" val="0.7568"/>
+        </dgm:alg>
+        <dgm:shape xmlns:r="http://schemas.openxmlformats.org/officeDocument/2006/relationships" r:blip="">
+          <dgm:adjLst/>
+        </dgm:shape>
+        <dgm:constrLst>
+          <dgm:constr type="l" for="ch" forName="rect1" refType="w" fact="0"/>
+          <dgm:constr type="t" for="ch" forName="rect1" refType="h" fact="0.15"/>
+          <dgm:constr type="w" for="ch" forName="rect1" refType="w"/>
+          <dgm:constr type="h" for="ch" forName="rect1" refType="w"/>
+          <dgm:constr type="l" for="ch" forName="rect2" refType="w" fact="0"/>
+          <dgm:constr type="t" for="ch" forName="rect2" refType="h" fact="0"/>
+          <dgm:constr type="w" for="ch" forName="rect2" refType="w"/>
+          <dgm:constr type="h" for="ch" forName="rect2" refType="w" fact="0.15"/>
+        </dgm:constrLst>
+        <dgm:layoutNode name="rect2" styleLbl="revTx">
+          <dgm:varLst>
+            <dgm:bulletEnabled val="1"/>
+          </dgm:varLst>
+          <dgm:alg type="tx">
+            <dgm:param type="stBulletLvl" val="3"/>
+            <dgm:param type="parTxLTRAlign" val="l"/>
+            <dgm:param type="parTxRTLAlign" val="r"/>
+            <dgm:param type="txAnchorVert" val="b"/>
+            <dgm:param type="txAnchorVertCh" val="b"/>
+          </dgm:alg>
+          <dgm:shape xmlns:r="http://schemas.openxmlformats.org/officeDocument/2006/relationships" type="rect" r:blip="">
+            <dgm:adjLst/>
+          </dgm:shape>
+          <dgm:presOf axis="desOrSelf" ptType="node"/>
+          <dgm:constrLst>
+            <dgm:constr type="lMarg" refType="primFontSz" fact="0"/>
+            <dgm:constr type="rMarg" refType="primFontSz" fact="0.3"/>
+            <dgm:constr type="tMarg" refType="primFontSz" fact="0.3"/>
+            <dgm:constr type="bMarg" refType="primFontSz" fact="0"/>
+            <dgm:constr type="secFontSz" refType="primFontSz" fact="0.8"/>
+          </dgm:constrLst>
+          <dgm:ruleLst>
+            <dgm:rule type="primFontSz" val="5" fact="NaN" max="NaN"/>
+          </dgm:ruleLst>
+        </dgm:layoutNode>
+        <dgm:layoutNode name="rect1" styleLbl="alignImgPlace1">
+          <dgm:alg type="sp"/>
+          <dgm:shape xmlns:r="http://schemas.openxmlformats.org/officeDocument/2006/relationships" type="rect" r:blip="" blipPhldr="1">
+            <dgm:adjLst/>
+          </dgm:shape>
+          <dgm:presOf/>
+        </dgm:layoutNode>
+      </dgm:layoutNode>
+      <dgm:forEach name="sibTransForEach" axis="followSib" ptType="sibTrans" cnt="1">
+        <dgm:layoutNode name="sibTrans">
+          <dgm:alg type="sp"/>
+          <dgm:shape xmlns:r="http://schemas.openxmlformats.org/officeDocument/2006/relationships" r:blip="">
+            <dgm:adjLst/>
+          </dgm:shape>
+        </dgm:layoutNode>
+      </dgm:forEach>
+    </dgm:forEach>
+  </dgm:layoutNode>
+</dgm:layoutDef>
+</file>
+
+<file path=ppt/diagrams/quickStyle1.xml><?xml version="1.0" encoding="utf-8"?>
+<dgm:styleDef xmlns:dgm="http://schemas.openxmlformats.org/drawingml/2006/diagram" xmlns:a="http://schemas.openxmlformats.org/drawingml/2006/main" uniqueId="urn:microsoft.com/office/officeart/2005/8/quickstyle/simple1">
+  <dgm:title val=""/>
+  <dgm:desc val=""/>
+  <dgm:catLst>
+    <dgm:cat type="simple" pri="10100"/>
+  </dgm:catLst>
+  <dgm:scene3d>
+    <a:camera prst="orthographicFront"/>
+    <a:lightRig rig="threePt" dir="t"/>
+  </dgm:scene3d>
+  <dgm:styleLbl name="node0">
+    <dgm:scene3d>
+      <a:camera prst="orthographicFront"/>
+      <a:lightRig rig="threePt" dir="t"/>
+    </dgm:scene3d>
+    <dgm:sp3d/>
+    <dgm:txPr/>
+    <dgm:style>
+      <a:lnRef idx="2">
+        <a:scrgbClr r="0" g="0" b="0"/>
+      </a:lnRef>
+      <a:fillRef idx="1">
+        <a:scrgbClr r="0" g="0" b="0"/>
+      </a:fillRef>
+      <a:effectRef idx="0">
+        <a:scrgbClr r="0" g="0" b="0"/>
+      </a:effectRef>
+      <a:fontRef idx="minor">
+        <a:schemeClr val="lt1"/>
+      </a:fontRef>
+    </dgm:style>
+  </dgm:styleLbl>
+  <dgm:styleLbl name="lnNode1">
+    <dgm:scene3d>
+      <a:camera prst="orthographicFront"/>
+      <a:lightRig rig="threePt" dir="t"/>
+    </dgm:scene3d>
+    <dgm:sp3d/>
+    <dgm:txPr/>
+    <dgm:style>
+      <a:lnRef idx="2">
+        <a:scrgbClr r="0" g="0" b="0"/>
+      </a:lnRef>
+      <a:fillRef idx="1">
+        <a:scrgbClr r="0" g="0" b="0"/>
+      </a:fillRef>
+      <a:effectRef idx="0">
+        <a:scrgbClr r="0" g="0" b="0"/>
+      </a:effectRef>
+      <a:fontRef idx="minor">
+        <a:schemeClr val="lt1"/>
+      </a:fontRef>
+    </dgm:style>
+  </dgm:styleLbl>
+  <dgm:styleLbl name="vennNode1">
+    <dgm:scene3d>
+      <a:camera prst="orthographicFront"/>
+      <a:lightRig rig="threePt" dir="t"/>
+    </dgm:scene3d>
+    <dgm:sp3d/>
+    <dgm:txPr/>
+    <dgm:style>
+      <a:lnRef idx="2">
+        <a:scrgbClr r="0" g="0" b="0"/>
+      </a:lnRef>
+      <a:fillRef idx="1">
+        <a:scrgbClr r="0" g="0" b="0"/>
+      </a:fillRef>
+      <a:effectRef idx="0">
+        <a:scrgbClr r="0" g="0" b="0"/>
+      </a:effectRef>
+      <a:fontRef idx="minor">
+        <a:schemeClr val="tx1"/>
+      </a:fontRef>
+    </dgm:style>
+  </dgm:styleLbl>
+  <dgm:styleLbl name="alignNode1">
+    <dgm:scene3d>
+      <a:camera prst="orthographicFront"/>
+      <a:lightRig rig="threePt" dir="t"/>
+    </dgm:scene3d>
+    <dgm:sp3d/>
+    <dgm:txPr/>
+    <dgm:style>
+      <a:lnRef idx="2">
+        <a:scrgbClr r="0" g="0" b="0"/>
+      </a:lnRef>
+      <a:fillRef idx="1">
+        <a:scrgbClr r="0" g="0" b="0"/>
+      </a:fillRef>
+      <a:effectRef idx="0">
+        <a:scrgbClr r="0" g="0" b="0"/>
+      </a:effectRef>
+      <a:fontRef idx="minor">
+        <a:schemeClr val="lt1"/>
+      </a:fontRef>
+    </dgm:style>
+  </dgm:styleLbl>
+  <dgm:styleLbl name="node1">
+    <dgm:scene3d>
+      <a:camera prst="orthographicFront"/>
+      <a:lightRig rig="threePt" dir="t"/>
+    </dgm:scene3d>
+    <dgm:sp3d/>
+    <dgm:txPr/>
+    <dgm:style>
+      <a:lnRef idx="2">
+        <a:scrgbClr r="0" g="0" b="0"/>
+      </a:lnRef>
+      <a:fillRef idx="1">
+        <a:scrgbClr r="0" g="0" b="0"/>
+      </a:fillRef>
+      <a:effectRef idx="0">
+        <a:scrgbClr r="0" g="0" b="0"/>
+      </a:effectRef>
+      <a:fontRef idx="minor">
+        <a:schemeClr val="lt1"/>
+      </a:fontRef>
+    </dgm:style>
+  </dgm:styleLbl>
+  <dgm:styleLbl name="node2">
+    <dgm:scene3d>
+      <a:camera prst="orthographicFront"/>
+      <a:lightRig rig="threePt" dir="t"/>
+    </dgm:scene3d>
+    <dgm:sp3d/>
+    <dgm:txPr/>
+    <dgm:style>
+      <a:lnRef idx="2">
+        <a:scrgbClr r="0" g="0" b="0"/>
+      </a:lnRef>
+      <a:fillRef idx="1">
+        <a:scrgbClr r="0" g="0" b="0"/>
+      </a:fillRef>
+      <a:effectRef idx="0">
+        <a:scrgbClr r="0" g="0" b="0"/>
+      </a:effectRef>
+      <a:fontRef idx="minor">
+        <a:schemeClr val="lt1"/>
+      </a:fontRef>
+    </dgm:style>
+  </dgm:styleLbl>
+  <dgm:styleLbl name="node3">
+    <dgm:scene3d>
+      <a:camera prst="orthographicFront"/>
+      <a:lightRig rig="threePt" dir="t"/>
+    </dgm:scene3d>
+    <dgm:sp3d/>
+    <dgm:txPr/>
+    <dgm:style>
+      <a:lnRef idx="2">
+        <a:scrgbClr r="0" g="0" b="0"/>
+      </a:lnRef>
+      <a:fillRef idx="1">
+        <a:scrgbClr r="0" g="0" b="0"/>
+      </a:fillRef>
+      <a:effectRef idx="0">
+        <a:scrgbClr r="0" g="0" b="0"/>
+      </a:effectRef>
+      <a:fontRef idx="minor">
+        <a:schemeClr val="lt1"/>
+      </a:fontRef>
+    </dgm:style>
+  </dgm:styleLbl>
+  <dgm:styleLbl name="node4">
+    <dgm:scene3d>
+      <a:camera prst="orthographicFront"/>
+      <a:lightRig rig="threePt" dir="t"/>
+    </dgm:scene3d>
+    <dgm:sp3d/>
+    <dgm:txPr/>
+    <dgm:style>
+      <a:lnRef idx="2">
+        <a:scrgbClr r="0" g="0" b="0"/>
+      </a:lnRef>
+      <a:fillRef idx="1">
+        <a:scrgbClr r="0" g="0" b="0"/>
+      </a:fillRef>
+      <a:effectRef idx="0">
+        <a:scrgbClr r="0" g="0" b="0"/>
+      </a:effectRef>
+      <a:fontRef idx="minor">
+        <a:schemeClr val="lt1"/>
+      </a:fontRef>
+    </dgm:style>
+  </dgm:styleLbl>
+  <dgm:styleLbl name="fgImgPlace1">
+    <dgm:scene3d>
+      <a:camera prst="orthographicFront"/>
+      <a:lightRig rig="threePt" dir="t"/>
+    </dgm:scene3d>
+    <dgm:sp3d/>
+    <dgm:txPr/>
+    <dgm:style>
+      <a:lnRef idx="2">
+        <a:scrgbClr r="0" g="0" b="0"/>
+      </a:lnRef>
+      <a:fillRef idx="1">
+        <a:scrgbClr r="0" g="0" b="0"/>
+      </a:fillRef>
+      <a:effectRef idx="0">
+        <a:scrgbClr r="0" g="0" b="0"/>
+      </a:effectRef>
+      <a:fontRef idx="minor"/>
+    </dgm:style>
+  </dgm:styleLbl>
+  <dgm:styleLbl name="alignImgPlace1">
+    <dgm:scene3d>
+      <a:camera prst="orthographicFront"/>
+      <a:lightRig rig="threePt" dir="t"/>
+    </dgm:scene3d>
+    <dgm:sp3d/>
+    <dgm:txPr/>
+    <dgm:style>
+      <a:lnRef idx="2">
+        <a:scrgbClr r="0" g="0" b="0"/>
+      </a:lnRef>
+      <a:fillRef idx="1">
+        <a:scrgbClr r="0" g="0" b="0"/>
+      </a:fillRef>
+      <a:effectRef idx="0">
+        <a:scrgbClr r="0" g="0" b="0"/>
+      </a:effectRef>
+      <a:fontRef idx="minor"/>
+    </dgm:style>
+  </dgm:styleLbl>
+  <dgm:styleLbl name="bgImgPlace1">
+    <dgm:scene3d>
+      <a:camera prst="orthographicFront"/>
+      <a:lightRig rig="threePt" dir="t"/>
+    </dgm:scene3d>
+    <dgm:sp3d/>
+    <dgm:txPr/>
+    <dgm:style>
+      <a:lnRef idx="2">
+        <a:scrgbClr r="0" g="0" b="0"/>
+      </a:lnRef>
+      <a:fillRef idx="1">
+        <a:scrgbClr r="0" g="0" b="0"/>
+      </a:fillRef>
+      <a:effectRef idx="0">
+        <a:scrgbClr r="0" g="0" b="0"/>
+      </a:effectRef>
+      <a:fontRef idx="minor"/>
+    </dgm:style>
+  </dgm:styleLbl>
+  <dgm:styleLbl name="sibTrans2D1">
+    <dgm:scene3d>
+      <a:camera prst="orthographicFront"/>
+      <a:lightRig rig="threePt" dir="t"/>
+    </dgm:scene3d>
+    <dgm:sp3d/>
+    <dgm:txPr/>
+    <dgm:style>
+      <a:lnRef idx="0">
+        <a:scrgbClr r="0" g="0" b="0"/>
+      </a:lnRef>
+      <a:fillRef idx="1">
+        <a:scrgbClr r="0" g="0" b="0"/>
+      </a:fillRef>
+      <a:effectRef idx="0">
+        <a:scrgbClr r="0" g="0" b="0"/>
+      </a:effectRef>
+      <a:fontRef idx="minor">
+        <a:schemeClr val="lt1"/>
+      </a:fontRef>
+    </dgm:style>
+  </dgm:styleLbl>
+  <dgm:styleLbl name="fgSibTrans2D1">
+    <dgm:scene3d>
+      <a:camera prst="orthographicFront"/>
+      <a:lightRig rig="threePt" dir="t"/>
+    </dgm:scene3d>
+    <dgm:sp3d/>
+    <dgm:txPr/>
+    <dgm:style>
+      <a:lnRef idx="0">
+        <a:scrgbClr r="0" g="0" b="0"/>
+      </a:lnRef>
+      <a:fillRef idx="1">
+        <a:scrgbClr r="0" g="0" b="0"/>
+      </a:fillRef>
+      <a:effectRef idx="0">
+        <a:scrgbClr r="0" g="0" b="0"/>
+      </a:effectRef>
+      <a:fontRef idx="minor">
+        <a:schemeClr val="lt1"/>
+      </a:fontRef>
+    </dgm:style>
+  </dgm:styleLbl>
+  <dgm:styleLbl name="bgSibTrans2D1">
+    <dgm:scene3d>
+      <a:camera prst="orthographicFront"/>
+      <a:lightRig rig="threePt" dir="t"/>
+    </dgm:scene3d>
+    <dgm:sp3d/>
+    <dgm:txPr/>
+    <dgm:style>
+      <a:lnRef idx="0">
+        <a:scrgbClr r="0" g="0" b="0"/>
+      </a:lnRef>
+      <a:fillRef idx="1">
+        <a:scrgbClr r="0" g="0" b="0"/>
+      </a:fillRef>
+      <a:effectRef idx="0">
+        <a:scrgbClr r="0" g="0" b="0"/>
+      </a:effectRef>
+      <a:fontRef idx="minor">
+        <a:schemeClr val="lt1"/>
+      </a:fontRef>
+    </dgm:style>
+  </dgm:styleLbl>
+  <dgm:styleLbl name="sibTrans1D1">
+    <dgm:scene3d>
+      <a:camera prst="orthographicFront"/>
+      <a:lightRig rig="threePt" dir="t"/>
+    </dgm:scene3d>
+    <dgm:sp3d/>
+    <dgm:txPr/>
+    <dgm:style>
+      <a:lnRef idx="1">
+        <a:scrgbClr r="0" g="0" b="0"/>
+      </a:lnRef>
+      <a:fillRef idx="0">
+        <a:scrgbClr r="0" g="0" b="0"/>
+      </a:fillRef>
+      <a:effectRef idx="0">
+        <a:scrgbClr r="0" g="0" b="0"/>
+      </a:effectRef>
+      <a:fontRef idx="minor"/>
+    </dgm:style>
+  </dgm:styleLbl>
+  <dgm:styleLbl name="callout">
+    <dgm:scene3d>
+      <a:camera prst="orthographicFront"/>
+      <a:lightRig rig="threePt" dir="t"/>
+    </dgm:scene3d>
+    <dgm:sp3d/>
+    <dgm:txPr/>
+    <dgm:style>
+      <a:lnRef idx="2">
+        <a:scrgbClr r="0" g="0" b="0"/>
+      </a:lnRef>
+      <a:fillRef idx="1">
+        <a:scrgbClr r="0" g="0" b="0"/>
+      </a:fillRef>
+      <a:effectRef idx="0">
+        <a:scrgbClr r="0" g="0" b="0"/>
+      </a:effectRef>
+      <a:fontRef idx="minor"/>
+    </dgm:style>
+  </dgm:styleLbl>
+  <dgm:styleLbl name="asst0">
+    <dgm:scene3d>
+      <a:camera prst="orthographicFront"/>
+      <a:lightRig rig="threePt" dir="t"/>
+    </dgm:scene3d>
+    <dgm:sp3d/>
+    <dgm:txPr/>
+    <dgm:style>
+      <a:lnRef idx="2">
+        <a:scrgbClr r="0" g="0" b="0"/>
+      </a:lnRef>
+      <a:fillRef idx="1">
+        <a:scrgbClr r="0" g="0" b="0"/>
+      </a:fillRef>
+      <a:effectRef idx="0">
+        <a:scrgbClr r="0" g="0" b="0"/>
+      </a:effectRef>
+      <a:fontRef idx="minor">
+        <a:schemeClr val="lt1"/>
+      </a:fontRef>
+    </dgm:style>
+  </dgm:styleLbl>
+  <dgm:styleLbl name="asst1">
+    <dgm:scene3d>
+      <a:camera prst="orthographicFront"/>
+      <a:lightRig rig="threePt" dir="t"/>
+    </dgm:scene3d>
+    <dgm:sp3d/>
+    <dgm:txPr/>
+    <dgm:style>
+      <a:lnRef idx="2">
+        <a:scrgbClr r="0" g="0" b="0"/>
+      </a:lnRef>
+      <a:fillRef idx="1">
+        <a:scrgbClr r="0" g="0" b="0"/>
+      </a:fillRef>
+      <a:effectRef idx="0">
+        <a:scrgbClr r="0" g="0" b="0"/>
+      </a:effectRef>
+      <a:fontRef idx="minor">
+        <a:schemeClr val="lt1"/>
+      </a:fontRef>
+    </dgm:style>
+  </dgm:styleLbl>
+  <dgm:styleLbl name="asst2">
+    <dgm:scene3d>
+      <a:camera prst="orthographicFront"/>
+      <a:lightRig rig="threePt" dir="t"/>
+    </dgm:scene3d>
+    <dgm:sp3d/>
+    <dgm:txPr/>
+    <dgm:style>
+      <a:lnRef idx="2">
+        <a:scrgbClr r="0" g="0" b="0"/>
+      </a:lnRef>
+      <a:fillRef idx="1">
+        <a:scrgbClr r="0" g="0" b="0"/>
+      </a:fillRef>
+      <a:effectRef idx="0">
+        <a:scrgbClr r="0" g="0" b="0"/>
+      </a:effectRef>
+      <a:fontRef idx="minor">
+        <a:schemeClr val="lt1"/>
+      </a:fontRef>
+    </dgm:style>
+  </dgm:styleLbl>
+  <dgm:styleLbl name="asst3">
+    <dgm:scene3d>
+      <a:camera prst="orthographicFront"/>
+      <a:lightRig rig="threePt" dir="t"/>
+    </dgm:scene3d>
+    <dgm:sp3d/>
+    <dgm:txPr/>
+    <dgm:style>
+      <a:lnRef idx="2">
+        <a:scrgbClr r="0" g="0" b="0"/>
+      </a:lnRef>
+      <a:fillRef idx="1">
+        <a:scrgbClr r="0" g="0" b="0"/>
+      </a:fillRef>
+      <a:effectRef idx="0">
+        <a:scrgbClr r="0" g="0" b="0"/>
+      </a:effectRef>
+      <a:fontRef idx="minor">
+        <a:schemeClr val="lt1"/>
+      </a:fontRef>
+    </dgm:style>
+  </dgm:styleLbl>
+  <dgm:styleLbl name="asst4">
+    <dgm:scene3d>
+      <a:camera prst="orthographicFront"/>
+      <a:lightRig rig="threePt" dir="t"/>
+    </dgm:scene3d>
+    <dgm:sp3d/>
+    <dgm:txPr/>
+    <dgm:style>
+      <a:lnRef idx="2">
+        <a:scrgbClr r="0" g="0" b="0"/>
+      </a:lnRef>
+      <a:fillRef idx="1">
+        <a:scrgbClr r="0" g="0" b="0"/>
+      </a:fillRef>
+      <a:effectRef idx="0">
+        <a:scrgbClr r="0" g="0" b="0"/>
+      </a:effectRef>
+      <a:fontRef idx="minor">
+        <a:schemeClr val="lt1"/>
+      </a:fontRef>
+    </dgm:style>
+  </dgm:styleLbl>
+  <dgm:styleLbl name="parChTrans2D1">
+    <dgm:scene3d>
+      <a:camera prst="orthographicFront"/>
+      <a:lightRig rig="threePt" dir="t"/>
+    </dgm:scene3d>
+    <dgm:sp3d/>
+    <dgm:txPr/>
+    <dgm:style>
+      <a:lnRef idx="2">
+        <a:scrgbClr r="0" g="0" b="0"/>
+      </a:lnRef>
+      <a:fillRef idx="1">
+        <a:scrgbClr r="0" g="0" b="0"/>
+      </a:fillRef>
+      <a:effectRef idx="0">
+        <a:scrgbClr r="0" g="0" b="0"/>
+      </a:effectRef>
+      <a:fontRef idx="minor">
+        <a:schemeClr val="lt1"/>
+      </a:fontRef>
+    </dgm:style>
+  </dgm:styleLbl>
+  <dgm:styleLbl name="parChTrans2D2">
+    <dgm:scene3d>
+      <a:camera prst="orthographicFront"/>
+      <a:lightRig rig="threePt" dir="t"/>
+    </dgm:scene3d>
+    <dgm:sp3d/>
+    <dgm:txPr/>
+    <dgm:style>
+      <a:lnRef idx="2">
+        <a:scrgbClr r="0" g="0" b="0"/>
+      </a:lnRef>
+      <a:fillRef idx="1">
+        <a:scrgbClr r="0" g="0" b="0"/>
+      </a:fillRef>
+      <a:effectRef idx="0">
+        <a:scrgbClr r="0" g="0" b="0"/>
+      </a:effectRef>
+      <a:fontRef idx="minor">
+        <a:schemeClr val="lt1"/>
+      </a:fontRef>
+    </dgm:style>
+  </dgm:styleLbl>
+  <dgm:styleLbl name="parChTrans2D3">
+    <dgm:scene3d>
+      <a:camera prst="orthographicFront"/>
+      <a:lightRig rig="threePt" dir="t"/>
+    </dgm:scene3d>
+    <dgm:sp3d/>
+    <dgm:txPr/>
+    <dgm:style>
+      <a:lnRef idx="2">
+        <a:scrgbClr r="0" g="0" b="0"/>
+      </a:lnRef>
+      <a:fillRef idx="1">
+        <a:scrgbClr r="0" g="0" b="0"/>
+      </a:fillRef>
+      <a:effectRef idx="0">
+        <a:scrgbClr r="0" g="0" b="0"/>
+      </a:effectRef>
+      <a:fontRef idx="minor">
+        <a:schemeClr val="lt1"/>
+      </a:fontRef>
+    </dgm:style>
+  </dgm:styleLbl>
+  <dgm:styleLbl name="parChTrans2D4">
+    <dgm:scene3d>
+      <a:camera prst="orthographicFront"/>
+      <a:lightRig rig="threePt" dir="t"/>
+    </dgm:scene3d>
+    <dgm:sp3d/>
+    <dgm:txPr/>
+    <dgm:style>
+      <a:lnRef idx="2">
+        <a:scrgbClr r="0" g="0" b="0"/>
+      </a:lnRef>
+      <a:fillRef idx="1">
+        <a:scrgbClr r="0" g="0" b="0"/>
+      </a:fillRef>
+      <a:effectRef idx="0">
+        <a:scrgbClr r="0" g="0" b="0"/>
+      </a:effectRef>
+      <a:fontRef idx="minor">
+        <a:schemeClr val="lt1"/>
+      </a:fontRef>
+    </dgm:style>
+  </dgm:styleLbl>
+  <dgm:styleLbl name="parChTrans1D1">
+    <dgm:scene3d>
+      <a:camera prst="orthographicFront"/>
+      <a:lightRig rig="threePt" dir="t"/>
+    </dgm:scene3d>
+    <dgm:sp3d/>
+    <dgm:txPr/>
+    <dgm:style>
+      <a:lnRef idx="2">
+        <a:scrgbClr r="0" g="0" b="0"/>
+      </a:lnRef>
+      <a:fillRef idx="0">
+        <a:scrgbClr r="0" g="0" b="0"/>
+      </a:fillRef>
+      <a:effectRef idx="0">
+        <a:scrgbClr r="0" g="0" b="0"/>
+      </a:effectRef>
+      <a:fontRef idx="minor"/>
+    </dgm:style>
+  </dgm:styleLbl>
+  <dgm:styleLbl name="parChTrans1D2">
+    <dgm:scene3d>
+      <a:camera prst="orthographicFront"/>
+      <a:lightRig rig="threePt" dir="t"/>
+    </dgm:scene3d>
+    <dgm:sp3d/>
+    <dgm:txPr/>
+    <dgm:style>
+      <a:lnRef idx="2">
+        <a:scrgbClr r="0" g="0" b="0"/>
+      </a:lnRef>
+      <a:fillRef idx="0">
+        <a:scrgbClr r="0" g="0" b="0"/>
+      </a:fillRef>
+      <a:effectRef idx="0">
+        <a:scrgbClr r="0" g="0" b="0"/>
+      </a:effectRef>
+      <a:fontRef idx="minor"/>
+    </dgm:style>
+  </dgm:styleLbl>
+  <dgm:styleLbl name="parChTrans1D3">
+    <dgm:scene3d>
+      <a:camera prst="orthographicFront"/>
+      <a:lightRig rig="threePt" dir="t"/>
+    </dgm:scene3d>
+    <dgm:sp3d/>
+    <dgm:txPr/>
+    <dgm:style>
+      <a:lnRef idx="2">
+        <a:scrgbClr r="0" g="0" b="0"/>
+      </a:lnRef>
+      <a:fillRef idx="0">
+        <a:scrgbClr r="0" g="0" b="0"/>
+      </a:fillRef>
+      <a:effectRef idx="0">
+        <a:scrgbClr r="0" g="0" b="0"/>
+      </a:effectRef>
+      <a:fontRef idx="minor"/>
+    </dgm:style>
+  </dgm:styleLbl>
+  <dgm:styleLbl name="parChTrans1D4">
+    <dgm:scene3d>
+      <a:camera prst="orthographicFront"/>
+      <a:lightRig rig="threePt" dir="t"/>
+    </dgm:scene3d>
+    <dgm:sp3d/>
+    <dgm:txPr/>
+    <dgm:style>
+      <a:lnRef idx="2">
+        <a:scrgbClr r="0" g="0" b="0"/>
+      </a:lnRef>
+      <a:fillRef idx="0">
+        <a:scrgbClr r="0" g="0" b="0"/>
+      </a:fillRef>
+      <a:effectRef idx="0">
+        <a:scrgbClr r="0" g="0" b="0"/>
+      </a:effectRef>
+      <a:fontRef idx="minor"/>
+    </dgm:style>
+  </dgm:styleLbl>
+  <dgm:styleLbl name="fgAcc1">
+    <dgm:scene3d>
+      <a:camera prst="orthographicFront"/>
+      <a:lightRig rig="threePt" dir="t"/>
+    </dgm:scene3d>
+    <dgm:sp3d/>
+    <dgm:txPr/>
+    <dgm:style>
+      <a:lnRef idx="2">
+        <a:scrgbClr r="0" g="0" b="0"/>
+      </a:lnRef>
+      <a:fillRef idx="1">
+        <a:scrgbClr r="0" g="0" b="0"/>
+      </a:fillRef>
+      <a:effectRef idx="0">
+        <a:scrgbClr r="0" g="0" b="0"/>
+      </a:effectRef>
+      <a:fontRef idx="minor"/>
+    </dgm:style>
+  </dgm:styleLbl>
+  <dgm:styleLbl name="conFgAcc1">
+    <dgm:scene3d>
+      <a:camera prst="orthographicFront"/>
+      <a:lightRig rig="threePt" dir="t"/>
+    </dgm:scene3d>
+    <dgm:sp3d/>
+    <dgm:txPr/>
+    <dgm:style>
+      <a:lnRef idx="2">
+        <a:scrgbClr r="0" g="0" b="0"/>
+      </a:lnRef>
+      <a:fillRef idx="1">
+        <a:scrgbClr r="0" g="0" b="0"/>
+      </a:fillRef>
+      <a:effectRef idx="0">
+        <a:scrgbClr r="0" g="0" b="0"/>
+      </a:effectRef>
+      <a:fontRef idx="minor"/>
+    </dgm:style>
+  </dgm:styleLbl>
+  <dgm:styleLbl name="alignAcc1">
+    <dgm:scene3d>
+      <a:camera prst="orthographicFront"/>
+      <a:lightRig rig="threePt" dir="t"/>
+    </dgm:scene3d>
+    <dgm:sp3d/>
+    <dgm:txPr/>
+    <dgm:style>
+      <a:lnRef idx="2">
+        <a:scrgbClr r="0" g="0" b="0"/>
+      </a:lnRef>
+      <a:fillRef idx="1">
+        <a:scrgbClr r="0" g="0" b="0"/>
+      </a:fillRef>
+      <a:effectRef idx="0">
+        <a:scrgbClr r="0" g="0" b="0"/>
+      </a:effectRef>
+      <a:fontRef idx="minor"/>
+    </dgm:style>
+  </dgm:styleLbl>
+  <dgm:styleLbl name="trAlignAcc1">
+    <dgm:scene3d>
+      <a:camera prst="orthographicFront"/>
+      <a:lightRig rig="threePt" dir="t"/>
+    </dgm:scene3d>
+    <dgm:sp3d/>
+    <dgm:txPr/>
+    <dgm:style>
+      <a:lnRef idx="1">
+        <a:scrgbClr r="0" g="0" b="0"/>
+      </a:lnRef>
+      <a:fillRef idx="1">
+        <a:scrgbClr r="0" g="0" b="0"/>
+      </a:fillRef>
+      <a:effectRef idx="0">
+        <a:scrgbClr r="0" g="0" b="0"/>
+      </a:effectRef>
+      <a:fontRef idx="minor"/>
+    </dgm:style>
+  </dgm:styleLbl>
+  <dgm:styleLbl name="bgAcc1">
+    <dgm:scene3d>
+      <a:camera prst="orthographicFront"/>
+      <a:lightRig rig="threePt" dir="t"/>
+    </dgm:scene3d>
+    <dgm:sp3d/>
+    <dgm:txPr/>
+    <dgm:style>
+      <a:lnRef idx="2">
+        <a:scrgbClr r="0" g="0" b="0"/>
+      </a:lnRef>
+      <a:fillRef idx="1">
+        <a:scrgbClr r="0" g="0" b="0"/>
+      </a:fillRef>
+      <a:effectRef idx="0">
+        <a:scrgbClr r="0" g="0" b="0"/>
+      </a:effectRef>
+      <a:fontRef idx="minor"/>
+    </dgm:style>
+  </dgm:styleLbl>
+  <dgm:styleLbl name="solidFgAcc1">
+    <dgm:scene3d>
+      <a:camera prst="orthographicFront"/>
+      <a:lightRig rig="threePt" dir="t"/>
+    </dgm:scene3d>
+    <dgm:sp3d/>
+    <dgm:txPr/>
+    <dgm:style>
+      <a:lnRef idx="2">
+        <a:scrgbClr r="0" g="0" b="0"/>
+      </a:lnRef>
+      <a:fillRef idx="1">
+        <a:scrgbClr r="0" g="0" b="0"/>
+      </a:fillRef>
+      <a:effectRef idx="0">
+        <a:scrgbClr r="0" g="0" b="0"/>
+      </a:effectRef>
+      <a:fontRef idx="minor"/>
+    </dgm:style>
+  </dgm:styleLbl>
+  <dgm:styleLbl name="solidAlignAcc1">
+    <dgm:scene3d>
+      <a:camera prst="orthographicFront"/>
+      <a:lightRig rig="threePt" dir="t"/>
+    </dgm:scene3d>
+    <dgm:sp3d/>
+    <dgm:txPr/>
+    <dgm:style>
+      <a:lnRef idx="2">
+        <a:scrgbClr r="0" g="0" b="0"/>
+      </a:lnRef>
+      <a:fillRef idx="1">
+        <a:scrgbClr r="0" g="0" b="0"/>
+      </a:fillRef>
+      <a:effectRef idx="0">
+        <a:scrgbClr r="0" g="0" b="0"/>
+      </a:effectRef>
+      <a:fontRef idx="minor"/>
+    </dgm:style>
+  </dgm:styleLbl>
+  <dgm:styleLbl name="solidBgAcc1">
+    <dgm:scene3d>
+      <a:camera prst="orthographicFront"/>
+      <a:lightRig rig="threePt" dir="t"/>
+    </dgm:scene3d>
+    <dgm:sp3d/>
+    <dgm:txPr/>
+    <dgm:style>
+      <a:lnRef idx="2">
+        <a:scrgbClr r="0" g="0" b="0"/>
+      </a:lnRef>
+      <a:fillRef idx="1">
+        <a:scrgbClr r="0" g="0" b="0"/>
+      </a:fillRef>
+      <a:effectRef idx="0">
+        <a:scrgbClr r="0" g="0" b="0"/>
+      </a:effectRef>
+      <a:fontRef idx="minor"/>
+    </dgm:style>
+  </dgm:styleLbl>
+  <dgm:styleLbl name="fgAccFollowNode1">
+    <dgm:scene3d>
+      <a:camera prst="orthographicFront"/>
+      <a:lightRig rig="threePt" dir="t"/>
+    </dgm:scene3d>
+    <dgm:sp3d/>
+    <dgm:txPr/>
+    <dgm:style>
+      <a:lnRef idx="2">
+        <a:scrgbClr r="0" g="0" b="0"/>
+      </a:lnRef>
+      <a:fillRef idx="1">
+        <a:scrgbClr r="0" g="0" b="0"/>
+      </a:fillRef>
+      <a:effectRef idx="0">
+        <a:scrgbClr r="0" g="0" b="0"/>
+      </a:effectRef>
+      <a:fontRef idx="minor"/>
+    </dgm:style>
+  </dgm:styleLbl>
+  <dgm:styleLbl name="alignAccFollowNode1">
+    <dgm:scene3d>
+      <a:camera prst="orthographicFront"/>
+      <a:lightRig rig="threePt" dir="t"/>
+    </dgm:scene3d>
+    <dgm:sp3d/>
+    <dgm:txPr/>
+    <dgm:style>
+      <a:lnRef idx="2">
+        <a:scrgbClr r="0" g="0" b="0"/>
+      </a:lnRef>
+      <a:fillRef idx="1">
+        <a:scrgbClr r="0" g="0" b="0"/>
+      </a:fillRef>
+      <a:effectRef idx="0">
+        <a:scrgbClr r="0" g="0" b="0"/>
+      </a:effectRef>
+      <a:fontRef idx="minor"/>
+    </dgm:style>
+  </dgm:styleLbl>
+  <dgm:styleLbl name="bgAccFollowNode1">
+    <dgm:scene3d>
+      <a:camera prst="orthographicFront"/>
+      <a:lightRig rig="threePt" dir="t"/>
+    </dgm:scene3d>
+    <dgm:sp3d/>
+    <dgm:txPr/>
+    <dgm:style>
+      <a:lnRef idx="2">
+        <a:scrgbClr r="0" g="0" b="0"/>
+      </a:lnRef>
+      <a:fillRef idx="1">
+        <a:scrgbClr r="0" g="0" b="0"/>
+      </a:fillRef>
+      <a:effectRef idx="0">
+        <a:scrgbClr r="0" g="0" b="0"/>
+      </a:effectRef>
+      <a:fontRef idx="minor"/>
+    </dgm:style>
+  </dgm:styleLbl>
+  <dgm:styleLbl name="fgAcc0">
+    <dgm:scene3d>
+      <a:camera prst="orthographicFront"/>
+      <a:lightRig rig="threePt" dir="t"/>
+    </dgm:scene3d>
+    <dgm:sp3d/>
+    <dgm:txPr/>
+    <dgm:style>
+      <a:lnRef idx="2">
+        <a:scrgbClr r="0" g="0" b="0"/>
+      </a:lnRef>
+      <a:fillRef idx="1">
+        <a:scrgbClr r="0" g="0" b="0"/>
+      </a:fillRef>
+      <a:effectRef idx="0">
+        <a:scrgbClr r="0" g="0" b="0"/>
+      </a:effectRef>
+      <a:fontRef idx="minor"/>
+    </dgm:style>
+  </dgm:styleLbl>
+  <dgm:styleLbl name="fgAcc2">
+    <dgm:scene3d>
+      <a:camera prst="orthographicFront"/>
+      <a:lightRig rig="threePt" dir="t"/>
+    </dgm:scene3d>
+    <dgm:sp3d/>
+    <dgm:txPr/>
+    <dgm:style>
+      <a:lnRef idx="2">
+        <a:scrgbClr r="0" g="0" b="0"/>
+      </a:lnRef>
+      <a:fillRef idx="1">
+        <a:scrgbClr r="0" g="0" b="0"/>
+      </a:fillRef>
+      <a:effectRef idx="0">
+        <a:scrgbClr r="0" g="0" b="0"/>
+      </a:effectRef>
+      <a:fontRef idx="minor"/>
+    </dgm:style>
+  </dgm:styleLbl>
+  <dgm:styleLbl name="fgAcc3">
+    <dgm:scene3d>
+      <a:camera prst="orthographicFront"/>
+      <a:lightRig rig="threePt" dir="t"/>
+    </dgm:scene3d>
+    <dgm:sp3d/>
+    <dgm:txPr/>
+    <dgm:style>
+      <a:lnRef idx="2">
+        <a:scrgbClr r="0" g="0" b="0"/>
+      </a:lnRef>
+      <a:fillRef idx="1">
+        <a:scrgbClr r="0" g="0" b="0"/>
+      </a:fillRef>
+      <a:effectRef idx="0">
+        <a:scrgbClr r="0" g="0" b="0"/>
+      </a:effectRef>
+      <a:fontRef idx="minor"/>
+    </dgm:style>
+  </dgm:styleLbl>
+  <dgm:styleLbl name="fgAcc4">
+    <dgm:scene3d>
+      <a:camera prst="orthographicFront"/>
+      <a:lightRig rig="threePt" dir="t"/>
+    </dgm:scene3d>
+    <dgm:sp3d/>
+    <dgm:txPr/>
+    <dgm:style>
+      <a:lnRef idx="2">
+        <a:scrgbClr r="0" g="0" b="0"/>
+      </a:lnRef>
+      <a:fillRef idx="1">
+        <a:scrgbClr r="0" g="0" b="0"/>
+      </a:fillRef>
+      <a:effectRef idx="0">
+        <a:scrgbClr r="0" g="0" b="0"/>
+      </a:effectRef>
+      <a:fontRef idx="minor"/>
+    </dgm:style>
+  </dgm:styleLbl>
+  <dgm:styleLbl name="bgShp">
+    <dgm:scene3d>
+      <a:camera prst="orthographicFront"/>
+      <a:lightRig rig="threePt" dir="t"/>
+    </dgm:scene3d>
+    <dgm:sp3d/>
+    <dgm:txPr/>
+    <dgm:style>
+      <a:lnRef idx="0">
+        <a:scrgbClr r="0" g="0" b="0"/>
+      </a:lnRef>
+      <a:fillRef idx="1">
+        <a:scrgbClr r="0" g="0" b="0"/>
+      </a:fillRef>
+      <a:effectRef idx="0">
+        <a:scrgbClr r="0" g="0" b="0"/>
+      </a:effectRef>
+      <a:fontRef idx="minor"/>
+    </dgm:style>
+  </dgm:styleLbl>
+  <dgm:styleLbl name="dkBgShp">
+    <dgm:scene3d>
+      <a:camera prst="orthographicFront"/>
+      <a:lightRig rig="threePt" dir="t"/>
+    </dgm:scene3d>
+    <dgm:sp3d/>
+    <dgm:txPr/>
+    <dgm:style>
+      <a:lnRef idx="0">
+        <a:scrgbClr r="0" g="0" b="0"/>
+      </a:lnRef>
+      <a:fillRef idx="1">
+        <a:scrgbClr r="0" g="0" b="0"/>
+      </a:fillRef>
+      <a:effectRef idx="0">
+        <a:scrgbClr r="0" g="0" b="0"/>
+      </a:effectRef>
+      <a:fontRef idx="minor"/>
+    </dgm:style>
+  </dgm:styleLbl>
+  <dgm:styleLbl name="trBgShp">
+    <dgm:scene3d>
+      <a:camera prst="orthographicFront"/>
+      <a:lightRig rig="threePt" dir="t"/>
+    </dgm:scene3d>
+    <dgm:sp3d/>
+    <dgm:txPr/>
+    <dgm:style>
+      <a:lnRef idx="0">
+        <a:scrgbClr r="0" g="0" b="0"/>
+      </a:lnRef>
+      <a:fillRef idx="1">
+        <a:scrgbClr r="0" g="0" b="0"/>
+      </a:fillRef>
+      <a:effectRef idx="0">
+        <a:scrgbClr r="0" g="0" b="0"/>
+      </a:effectRef>
+      <a:fontRef idx="minor"/>
+    </dgm:style>
+  </dgm:styleLbl>
+  <dgm:styleLbl name="fgShp">
+    <dgm:scene3d>
+      <a:camera prst="orthographicFront"/>
+      <a:lightRig rig="threePt" dir="t"/>
+    </dgm:scene3d>
+    <dgm:sp3d/>
+    <dgm:txPr/>
+    <dgm:style>
+      <a:lnRef idx="2">
+        <a:scrgbClr r="0" g="0" b="0"/>
+      </a:lnRef>
+      <a:fillRef idx="1">
+        <a:scrgbClr r="0" g="0" b="0"/>
+      </a:fillRef>
+      <a:effectRef idx="0">
+        <a:scrgbClr r="0" g="0" b="0"/>
+      </a:effectRef>
+      <a:fontRef idx="minor"/>
+    </dgm:style>
+  </dgm:styleLbl>
+  <dgm:styleLbl name="revTx">
+    <dgm:scene3d>
+      <a:camera prst="orthographicFront"/>
+      <a:lightRig rig="threePt" dir="t"/>
+    </dgm:scene3d>
+    <dgm:sp3d/>
+    <dgm:txPr/>
+    <dgm:style>
+      <a:lnRef idx="0">
+        <a:scrgbClr r="0" g="0" b="0"/>
+      </a:lnRef>
+      <a:fillRef idx="0">
+        <a:scrgbClr r="0" g="0" b="0"/>
+      </a:fillRef>
+      <a:effectRef idx="0">
+        <a:scrgbClr r="0" g="0" b="0"/>
+      </a:effectRef>
+      <a:fontRef idx="minor"/>
+    </dgm:style>
+  </dgm:styleLbl>
+</dgm:styleDef>
+</file>
+
 <file path=ppt/slideLayouts/slideLayout1.xml><?xml version="1.0" encoding="utf-8"?>
 <p:sldLayout xmlns:a="http://schemas.openxmlformats.org/drawingml/2006/main" xmlns:r="http://schemas.openxmlformats.org/officeDocument/2006/relationships" xmlns:p="http://schemas.openxmlformats.org/presentationml/2006/main" type="title" preserve="1">
   <p:cSld name="Title Slide">
@@ -238,7 +3884,8 @@
           <a:p>
             <a:fld id="{FEF8CD0B-8D7F-4A19-BE46-0BE379185290}" type="datetimeFigureOut">
               <a:rPr lang="en-US" smtClean="0"/>
-              <a:t>11/18/2013</a:t>
+              <a:pPr/>
+              <a:t>11/19/2013</a:t>
             </a:fld>
             <a:endParaRPr lang="en-US"/>
           </a:p>
@@ -280,6 +3927,7 @@
           <a:p>
             <a:fld id="{31DD91AE-4B50-476A-8C07-197ACD7CEA6B}" type="slidenum">
               <a:rPr lang="en-US" smtClean="0"/>
+              <a:pPr/>
               <a:t>‹#›</a:t>
             </a:fld>
             <a:endParaRPr lang="en-US"/>
@@ -464,7 +4112,8 @@
           <a:p>
             <a:fld id="{FEF8CD0B-8D7F-4A19-BE46-0BE379185290}" type="datetimeFigureOut">
               <a:rPr lang="en-US" smtClean="0"/>
-              <a:t>11/18/2013</a:t>
+              <a:pPr/>
+              <a:t>11/19/2013</a:t>
             </a:fld>
             <a:endParaRPr lang="en-US"/>
           </a:p>
@@ -506,6 +4155,7 @@
           <a:p>
             <a:fld id="{31DD91AE-4B50-476A-8C07-197ACD7CEA6B}" type="slidenum">
               <a:rPr lang="en-US" smtClean="0"/>
+              <a:pPr/>
               <a:t>‹#›</a:t>
             </a:fld>
             <a:endParaRPr lang="en-US"/>
@@ -639,7 +4289,8 @@
           <a:p>
             <a:fld id="{FEF8CD0B-8D7F-4A19-BE46-0BE379185290}" type="datetimeFigureOut">
               <a:rPr lang="en-US" smtClean="0"/>
-              <a:t>11/18/2013</a:t>
+              <a:pPr/>
+              <a:t>11/19/2013</a:t>
             </a:fld>
             <a:endParaRPr lang="en-US"/>
           </a:p>
@@ -681,6 +4332,7 @@
           <a:p>
             <a:fld id="{31DD91AE-4B50-476A-8C07-197ACD7CEA6B}" type="slidenum">
               <a:rPr lang="en-US" smtClean="0"/>
+              <a:pPr/>
               <a:t>‹#›</a:t>
             </a:fld>
             <a:endParaRPr lang="en-US"/>
@@ -804,7 +4456,8 @@
           <a:p>
             <a:fld id="{FEF8CD0B-8D7F-4A19-BE46-0BE379185290}" type="datetimeFigureOut">
               <a:rPr lang="en-US" smtClean="0"/>
-              <a:t>11/18/2013</a:t>
+              <a:pPr/>
+              <a:t>11/19/2013</a:t>
             </a:fld>
             <a:endParaRPr lang="en-US"/>
           </a:p>
@@ -846,6 +4499,7 @@
           <a:p>
             <a:fld id="{31DD91AE-4B50-476A-8C07-197ACD7CEA6B}" type="slidenum">
               <a:rPr lang="en-US" smtClean="0"/>
+              <a:pPr/>
               <a:t>‹#›</a:t>
             </a:fld>
             <a:endParaRPr lang="en-US"/>
@@ -1048,7 +4702,8 @@
           <a:p>
             <a:fld id="{FEF8CD0B-8D7F-4A19-BE46-0BE379185290}" type="datetimeFigureOut">
               <a:rPr lang="en-US" smtClean="0"/>
-              <a:t>11/18/2013</a:t>
+              <a:pPr/>
+              <a:t>11/19/2013</a:t>
             </a:fld>
             <a:endParaRPr lang="en-US"/>
           </a:p>
@@ -1095,6 +4750,7 @@
           <a:p>
             <a:fld id="{31DD91AE-4B50-476A-8C07-197ACD7CEA6B}" type="slidenum">
               <a:rPr lang="en-US" smtClean="0"/>
+              <a:pPr/>
               <a:t>‹#›</a:t>
             </a:fld>
             <a:endParaRPr lang="en-US"/>
@@ -1312,7 +4968,8 @@
           <a:p>
             <a:fld id="{FEF8CD0B-8D7F-4A19-BE46-0BE379185290}" type="datetimeFigureOut">
               <a:rPr lang="en-US" smtClean="0"/>
-              <a:t>11/18/2013</a:t>
+              <a:pPr/>
+              <a:t>11/19/2013</a:t>
             </a:fld>
             <a:endParaRPr lang="en-US"/>
           </a:p>
@@ -1354,6 +5011,7 @@
           <a:p>
             <a:fld id="{31DD91AE-4B50-476A-8C07-197ACD7CEA6B}" type="slidenum">
               <a:rPr lang="en-US" smtClean="0"/>
+              <a:pPr/>
               <a:t>‹#›</a:t>
             </a:fld>
             <a:endParaRPr lang="en-US"/>
@@ -1686,7 +5344,8 @@
           <a:p>
             <a:fld id="{FEF8CD0B-8D7F-4A19-BE46-0BE379185290}" type="datetimeFigureOut">
               <a:rPr lang="en-US" smtClean="0"/>
-              <a:t>11/18/2013</a:t>
+              <a:pPr/>
+              <a:t>11/19/2013</a:t>
             </a:fld>
             <a:endParaRPr lang="en-US"/>
           </a:p>
@@ -1728,6 +5387,7 @@
           <a:p>
             <a:fld id="{31DD91AE-4B50-476A-8C07-197ACD7CEA6B}" type="slidenum">
               <a:rPr lang="en-US" smtClean="0"/>
+              <a:pPr/>
               <a:t>‹#›</a:t>
             </a:fld>
             <a:endParaRPr lang="en-US"/>
@@ -1799,7 +5459,8 @@
           <a:p>
             <a:fld id="{FEF8CD0B-8D7F-4A19-BE46-0BE379185290}" type="datetimeFigureOut">
               <a:rPr lang="en-US" smtClean="0"/>
-              <a:t>11/18/2013</a:t>
+              <a:pPr/>
+              <a:t>11/19/2013</a:t>
             </a:fld>
             <a:endParaRPr lang="en-US"/>
           </a:p>
@@ -1841,6 +5502,7 @@
           <a:p>
             <a:fld id="{31DD91AE-4B50-476A-8C07-197ACD7CEA6B}" type="slidenum">
               <a:rPr lang="en-US" smtClean="0"/>
+              <a:pPr/>
               <a:t>‹#›</a:t>
             </a:fld>
             <a:endParaRPr lang="en-US"/>
@@ -1889,7 +5551,8 @@
           <a:p>
             <a:fld id="{FEF8CD0B-8D7F-4A19-BE46-0BE379185290}" type="datetimeFigureOut">
               <a:rPr lang="en-US" smtClean="0"/>
-              <a:t>11/18/2013</a:t>
+              <a:pPr/>
+              <a:t>11/19/2013</a:t>
             </a:fld>
             <a:endParaRPr lang="en-US"/>
           </a:p>
@@ -1931,6 +5594,7 @@
           <a:p>
             <a:fld id="{31DD91AE-4B50-476A-8C07-197ACD7CEA6B}" type="slidenum">
               <a:rPr lang="en-US" smtClean="0"/>
+              <a:pPr/>
               <a:t>‹#›</a:t>
             </a:fld>
             <a:endParaRPr lang="en-US"/>
@@ -2147,7 +5811,8 @@
           <a:p>
             <a:fld id="{FEF8CD0B-8D7F-4A19-BE46-0BE379185290}" type="datetimeFigureOut">
               <a:rPr lang="en-US" smtClean="0"/>
-              <a:t>11/18/2013</a:t>
+              <a:pPr/>
+              <a:t>11/19/2013</a:t>
             </a:fld>
             <a:endParaRPr lang="en-US"/>
           </a:p>
@@ -2189,6 +5854,7 @@
           <a:p>
             <a:fld id="{31DD91AE-4B50-476A-8C07-197ACD7CEA6B}" type="slidenum">
               <a:rPr lang="en-US" smtClean="0"/>
+              <a:pPr/>
               <a:t>‹#›</a:t>
             </a:fld>
             <a:endParaRPr lang="en-US"/>
@@ -2411,7 +6077,8 @@
           <a:p>
             <a:fld id="{FEF8CD0B-8D7F-4A19-BE46-0BE379185290}" type="datetimeFigureOut">
               <a:rPr lang="en-US" smtClean="0"/>
-              <a:t>11/18/2013</a:t>
+              <a:pPr/>
+              <a:t>11/19/2013</a:t>
             </a:fld>
             <a:endParaRPr lang="en-US"/>
           </a:p>
@@ -2453,6 +6120,7 @@
           <a:p>
             <a:fld id="{31DD91AE-4B50-476A-8C07-197ACD7CEA6B}" type="slidenum">
               <a:rPr lang="en-US" smtClean="0"/>
+              <a:pPr/>
               <a:t>‹#›</a:t>
             </a:fld>
             <a:endParaRPr lang="en-US"/>
@@ -2628,7 +6296,8 @@
           <a:p>
             <a:fld id="{FEF8CD0B-8D7F-4A19-BE46-0BE379185290}" type="datetimeFigureOut">
               <a:rPr lang="en-US" smtClean="0"/>
-              <a:t>11/18/2013</a:t>
+              <a:pPr/>
+              <a:t>11/19/2013</a:t>
             </a:fld>
             <a:endParaRPr lang="en-US"/>
           </a:p>
@@ -2706,6 +6375,7 @@
           <a:p>
             <a:fld id="{31DD91AE-4B50-476A-8C07-197ACD7CEA6B}" type="slidenum">
               <a:rPr lang="en-US" smtClean="0"/>
+              <a:pPr/>
               <a:t>‹#›</a:t>
             </a:fld>
             <a:endParaRPr lang="en-US"/>
@@ -3254,7 +6924,7 @@
           <p:nvPr/>
         </p:nvPicPr>
         <p:blipFill>
-          <a:blip r:embed="rId2">
+          <a:blip r:embed="rId2" cstate="print">
             <a:extLst>
               <a:ext uri="{28A0092B-C50C-407E-A947-70E740481C1C}">
                 <a14:useLocalDpi xmlns:a14="http://schemas.microsoft.com/office/drawing/2010/main" val="0"/>
@@ -3324,53 +6994,46 @@
         </p:nvSpPr>
         <p:spPr/>
         <p:txBody>
-          <a:bodyPr>
-            <a:normAutofit fontScale="90000"/>
-          </a:bodyPr>
-          <a:lstStyle/>
-          <a:p>
-            <a:r>
-              <a:rPr lang="en-US" dirty="0"/>
-              <a:t>The </a:t>
-            </a:r>
-            <a:r>
-              <a:rPr lang="en-US" dirty="0" smtClean="0"/>
-              <a:t>Features</a:t>
-            </a:r>
-            <a:br>
-              <a:rPr lang="en-US" dirty="0" smtClean="0"/>
-            </a:br>
-            <a:r>
-              <a:rPr lang="en-US" dirty="0" smtClean="0"/>
-              <a:t>Search Messages!</a:t>
-            </a:r>
-            <a:endParaRPr lang="en-US" dirty="0"/>
-          </a:p>
-        </p:txBody>
-      </p:sp>
-      <p:sp>
-        <p:nvSpPr>
-          <p:cNvPr id="3" name="Content Placeholder 2"/>
-          <p:cNvSpPr>
-            <a:spLocks noGrp="1"/>
-          </p:cNvSpPr>
-          <p:nvPr>
-            <p:ph idx="1"/>
-          </p:nvPr>
-        </p:nvSpPr>
-        <p:spPr/>
-        <p:txBody>
           <a:bodyPr/>
           <a:lstStyle/>
           <a:p>
+            <a:r>
+              <a:rPr lang="en-US" dirty="0" smtClean="0"/>
+              <a:t>The Look</a:t>
+            </a:r>
             <a:endParaRPr lang="en-US" dirty="0"/>
           </a:p>
         </p:txBody>
       </p:sp>
+      <p:graphicFrame>
+        <p:nvGraphicFramePr>
+          <p:cNvPr id="5" name="Content Placeholder 4"/>
+          <p:cNvGraphicFramePr>
+            <a:graphicFrameLocks noGrp="1"/>
+          </p:cNvGraphicFramePr>
+          <p:nvPr>
+            <p:ph idx="1"/>
+            <p:extLst>
+              <p:ext uri="{D42A27DB-BD31-4B8C-83A1-F6EECF244321}">
+                <p14:modId xmlns:p14="http://schemas.microsoft.com/office/powerpoint/2010/main" val="4290435441"/>
+              </p:ext>
+            </p:extLst>
+          </p:nvPr>
+        </p:nvGraphicFramePr>
+        <p:xfrm>
+          <a:off x="457200" y="1600200"/>
+          <a:ext cx="8229600" cy="4708525"/>
+        </p:xfrm>
+        <a:graphic>
+          <a:graphicData uri="http://schemas.openxmlformats.org/drawingml/2006/diagram">
+            <dgm:relIds xmlns:dgm="http://schemas.openxmlformats.org/drawingml/2006/diagram" xmlns:r="http://schemas.openxmlformats.org/officeDocument/2006/relationships" r:dm="rId2" r:lo="rId3" r:qs="rId4" r:cs="rId5"/>
+          </a:graphicData>
+        </a:graphic>
+      </p:graphicFrame>
     </p:spTree>
     <p:extLst>
       <p:ext uri="{BB962C8B-B14F-4D97-AF65-F5344CB8AC3E}">
-        <p14:creationId xmlns:p14="http://schemas.microsoft.com/office/powerpoint/2010/main" val="3070486890"/>
+        <p14:creationId xmlns:p14="http://schemas.microsoft.com/office/powerpoint/2010/main" val="1917459126"/>
       </p:ext>
     </p:extLst>
   </p:cSld>
@@ -3421,7 +7084,7 @@
           <a:p>
             <a:r>
               <a:rPr lang="en-US" dirty="0" smtClean="0"/>
-              <a:t>The Look</a:t>
+              <a:t>Challenges along the way</a:t>
             </a:r>
             <a:endParaRPr lang="en-US" dirty="0"/>
           </a:p>
@@ -3442,6 +7105,47 @@
           <a:bodyPr/>
           <a:lstStyle/>
           <a:p>
+            <a:r>
+              <a:rPr lang="en-US" dirty="0" smtClean="0"/>
+              <a:t>Learning The </a:t>
+            </a:r>
+            <a:r>
+              <a:rPr lang="en-US" dirty="0" smtClean="0"/>
+              <a:t>Android </a:t>
+            </a:r>
+            <a:r>
+              <a:rPr lang="en-US" dirty="0" smtClean="0"/>
+              <a:t>API &amp; Team Work Distribution</a:t>
+            </a:r>
+          </a:p>
+          <a:p>
+            <a:r>
+              <a:rPr lang="en-US" dirty="0" smtClean="0"/>
+              <a:t>Multiple solutions to any given Android Problem. What’s the best way?</a:t>
+            </a:r>
+            <a:endParaRPr lang="en-US" dirty="0" smtClean="0"/>
+          </a:p>
+          <a:p>
+            <a:r>
+              <a:rPr lang="en-US" dirty="0" smtClean="0"/>
+              <a:t>Testing the </a:t>
+            </a:r>
+            <a:r>
+              <a:rPr lang="en-US" dirty="0" smtClean="0"/>
+              <a:t>logic</a:t>
+            </a:r>
+            <a:endParaRPr lang="en-US" dirty="0" smtClean="0"/>
+          </a:p>
+          <a:p>
+            <a:endParaRPr lang="en-US" dirty="0" smtClean="0"/>
+          </a:p>
+          <a:p>
+            <a:endParaRPr lang="en-US" dirty="0" smtClean="0"/>
+          </a:p>
+          <a:p>
+            <a:endParaRPr lang="en-US" dirty="0" smtClean="0"/>
+          </a:p>
+          <a:p>
             <a:endParaRPr lang="en-US" dirty="0"/>
           </a:p>
         </p:txBody>
@@ -3449,7 +7153,7 @@
     </p:spTree>
     <p:extLst>
       <p:ext uri="{BB962C8B-B14F-4D97-AF65-F5344CB8AC3E}">
-        <p14:creationId xmlns:p14="http://schemas.microsoft.com/office/powerpoint/2010/main" val="1917459126"/>
+        <p14:creationId xmlns:p14="http://schemas.microsoft.com/office/powerpoint/2010/main" val="2425437053"/>
       </p:ext>
     </p:extLst>
   </p:cSld>
@@ -3495,14 +7199,31 @@
         </p:nvSpPr>
         <p:spPr/>
         <p:txBody>
-          <a:bodyPr/>
+          <a:bodyPr>
+            <a:normAutofit fontScale="90000"/>
+          </a:bodyPr>
           <a:lstStyle/>
           <a:p>
             <a:r>
+              <a:rPr lang="en-US" dirty="0"/>
+              <a:t>Challenges along the </a:t>
+            </a:r>
+            <a:r>
               <a:rPr lang="en-US" dirty="0" smtClean="0"/>
-              <a:t>Challenges along the way</a:t>
-            </a:r>
-            <a:endParaRPr lang="en-US" dirty="0"/>
+              <a:t>way</a:t>
+            </a:r>
+            <a:br>
+              <a:rPr lang="en-US" dirty="0" smtClean="0"/>
+            </a:br>
+            <a:r>
+              <a:rPr lang="en-US" sz="3600" i="1" dirty="0" smtClean="0"/>
+              <a:t>Learning The </a:t>
+            </a:r>
+            <a:r>
+              <a:rPr lang="en-US" sz="3600" i="1" dirty="0" smtClean="0"/>
+              <a:t>Android API</a:t>
+            </a:r>
+            <a:endParaRPr lang="en-US" sz="3600" i="1" dirty="0"/>
           </a:p>
         </p:txBody>
       </p:sp>
@@ -3523,39 +7244,44 @@
           <a:p>
             <a:r>
               <a:rPr lang="en-US" dirty="0" smtClean="0"/>
-              <a:t>The Android API</a:t>
+              <a:t>Android API Learning Curve</a:t>
             </a:r>
           </a:p>
           <a:p>
             <a:r>
               <a:rPr lang="en-US" dirty="0" smtClean="0"/>
-              <a:t>Team Work Distribution</a:t>
+              <a:t>Who’s good at what?</a:t>
             </a:r>
           </a:p>
           <a:p>
             <a:r>
               <a:rPr lang="en-US" dirty="0" smtClean="0"/>
-              <a:t>Testing the logic</a:t>
-            </a:r>
-          </a:p>
-          <a:p>
-            <a:endParaRPr lang="en-US" dirty="0" smtClean="0"/>
-          </a:p>
-          <a:p>
-            <a:endParaRPr lang="en-US" dirty="0" smtClean="0"/>
-          </a:p>
-          <a:p>
-            <a:endParaRPr lang="en-US" dirty="0" smtClean="0"/>
-          </a:p>
-          <a:p>
-            <a:endParaRPr lang="en-US" dirty="0"/>
+              <a:t>The SMS Messenger Framework</a:t>
+            </a:r>
+          </a:p>
+          <a:p>
+            <a:r>
+              <a:rPr lang="en-US" dirty="0" smtClean="0"/>
+              <a:t>Dealing with Android Specific issues</a:t>
+            </a:r>
+          </a:p>
+          <a:p>
+            <a:pPr lvl="1"/>
+            <a:r>
+              <a:rPr lang="en-US" dirty="0"/>
+              <a:t>What’s an “Intent Leak</a:t>
+            </a:r>
+            <a:r>
+              <a:rPr lang="en-US" dirty="0" smtClean="0"/>
+              <a:t>”?</a:t>
+            </a:r>
           </a:p>
         </p:txBody>
       </p:sp>
     </p:spTree>
     <p:extLst>
       <p:ext uri="{BB962C8B-B14F-4D97-AF65-F5344CB8AC3E}">
-        <p14:creationId xmlns:p14="http://schemas.microsoft.com/office/powerpoint/2010/main" val="2425437053"/>
+        <p14:creationId xmlns:p14="http://schemas.microsoft.com/office/powerpoint/2010/main" val="41895151"/>
       </p:ext>
     </p:extLst>
   </p:cSld>
@@ -3607,21 +7333,21 @@
           <a:lstStyle/>
           <a:p>
             <a:r>
-              <a:rPr lang="en-US" dirty="0"/>
-              <a:t>Challenges along the </a:t>
-            </a:r>
-            <a:r>
               <a:rPr lang="en-US" dirty="0" smtClean="0"/>
-              <a:t>way</a:t>
+              <a:t>What we learned!</a:t>
             </a:r>
             <a:br>
               <a:rPr lang="en-US" dirty="0" smtClean="0"/>
             </a:br>
             <a:r>
-              <a:rPr lang="en-US" i="1" dirty="0" smtClean="0"/>
-              <a:t>The Android API</a:t>
-            </a:r>
-            <a:endParaRPr lang="en-US" i="1" dirty="0"/>
+              <a:rPr lang="en-US" sz="3600" i="1" dirty="0" smtClean="0"/>
+              <a:t>Learning The </a:t>
+            </a:r>
+            <a:r>
+              <a:rPr lang="en-US" sz="3600" i="1" dirty="0" smtClean="0"/>
+              <a:t>Android API</a:t>
+            </a:r>
+            <a:endParaRPr lang="en-US" sz="3600" i="1" dirty="0"/>
           </a:p>
         </p:txBody>
       </p:sp>
@@ -3637,39 +7363,72 @@
         </p:nvSpPr>
         <p:spPr/>
         <p:txBody>
-          <a:bodyPr/>
+          <a:bodyPr>
+            <a:normAutofit fontScale="92500"/>
+          </a:bodyPr>
           <a:lstStyle/>
           <a:p>
             <a:r>
               <a:rPr lang="en-US" dirty="0" smtClean="0"/>
-              <a:t>Android API Learning Curve</a:t>
-            </a:r>
-          </a:p>
-          <a:p>
+              <a:t>Yay for a framework!</a:t>
+            </a:r>
+          </a:p>
+          <a:p>
+            <a:pPr lvl="1"/>
             <a:r>
               <a:rPr lang="en-US" dirty="0" smtClean="0"/>
-              <a:t>Who’s good at what?</a:t>
-            </a:r>
-          </a:p>
-          <a:p>
+              <a:t>The SMS Framework was built by Michael </a:t>
+            </a:r>
+            <a:r>
+              <a:rPr lang="en-US" dirty="0" err="1" smtClean="0"/>
+              <a:t>Madrigral</a:t>
+            </a:r>
             <a:r>
               <a:rPr lang="en-US" dirty="0" smtClean="0"/>
-              <a:t>The SMS Messenger Framework</a:t>
-            </a:r>
-          </a:p>
-          <a:p>
+              <a:t>. If it wasn’t for him it would have been a much slower start.</a:t>
+            </a:r>
+          </a:p>
+          <a:p>
+            <a:pPr lvl="1"/>
             <a:r>
               <a:rPr lang="en-US" dirty="0" smtClean="0"/>
-              <a:t>Dealing with tough issues</a:t>
-            </a:r>
-            <a:endParaRPr lang="en-US" dirty="0"/>
+              <a:t>It did add a little learning curve since existing code was already there but nothing intricate enough to cause any issues.</a:t>
+            </a:r>
+          </a:p>
+          <a:p>
+            <a:r>
+              <a:rPr lang="en-US" dirty="0" smtClean="0"/>
+              <a:t>Android Learning Curve?</a:t>
+            </a:r>
+          </a:p>
+          <a:p>
+            <a:pPr lvl="1"/>
+            <a:r>
+              <a:rPr lang="en-US" dirty="0" smtClean="0"/>
+              <a:t>Slow but once you got the gist it wasn’t difficult to integrate new UI and logic.</a:t>
+            </a:r>
+          </a:p>
+          <a:p>
+            <a:pPr lvl="1"/>
+            <a:r>
+              <a:rPr lang="en-US" dirty="0" smtClean="0"/>
+              <a:t>The API </a:t>
+            </a:r>
+            <a:r>
+              <a:rPr lang="en-US" dirty="0"/>
+              <a:t>documentation </a:t>
+            </a:r>
+            <a:r>
+              <a:rPr lang="en-US" dirty="0" smtClean="0"/>
+              <a:t>and online examples are everywhere (but the API documentation was the best reference.</a:t>
+            </a:r>
           </a:p>
         </p:txBody>
       </p:sp>
     </p:spTree>
     <p:extLst>
       <p:ext uri="{BB962C8B-B14F-4D97-AF65-F5344CB8AC3E}">
-        <p14:creationId xmlns:p14="http://schemas.microsoft.com/office/powerpoint/2010/main" val="41895151"/>
+        <p14:creationId xmlns:p14="http://schemas.microsoft.com/office/powerpoint/2010/main" val="1135526224"/>
       </p:ext>
     </p:extLst>
   </p:cSld>
@@ -3721,17 +7480,16 @@
           <a:lstStyle/>
           <a:p>
             <a:r>
-              <a:rPr lang="en-US" dirty="0" smtClean="0"/>
+              <a:rPr lang="en-US" dirty="0"/>
               <a:t>What we learned!</a:t>
             </a:r>
             <a:br>
-              <a:rPr lang="en-US" dirty="0" smtClean="0"/>
+              <a:rPr lang="en-US" dirty="0"/>
             </a:br>
             <a:r>
-              <a:rPr lang="en-US" i="1" dirty="0" smtClean="0"/>
+              <a:rPr lang="en-US" sz="3600" i="1" dirty="0"/>
               <a:t>The Android API</a:t>
             </a:r>
-            <a:endParaRPr lang="en-US" i="1" dirty="0"/>
           </a:p>
         </p:txBody>
       </p:sp>
@@ -3747,85 +7505,112 @@
         </p:nvSpPr>
         <p:spPr/>
         <p:txBody>
-          <a:bodyPr>
-            <a:normAutofit fontScale="92500"/>
-          </a:bodyPr>
+          <a:bodyPr/>
           <a:lstStyle/>
           <a:p>
             <a:r>
+              <a:rPr lang="en-US" dirty="0"/>
+              <a:t>Dealing with Android Specific </a:t>
+            </a:r>
+            <a:r>
               <a:rPr lang="en-US" dirty="0" smtClean="0"/>
-              <a:t>Yay for a framework!</a:t>
+              <a:t>issues</a:t>
             </a:r>
           </a:p>
           <a:p>
             <a:pPr lvl="1"/>
             <a:r>
               <a:rPr lang="en-US" dirty="0" smtClean="0"/>
-              <a:t>The SMS Framework was built by Michael </a:t>
+              <a:t>Working with </a:t>
             </a:r>
             <a:r>
               <a:rPr lang="en-US" dirty="0" err="1" smtClean="0"/>
-              <a:t>Madrigral</a:t>
+              <a:t>BroadcastReceivers</a:t>
+            </a:r>
+            <a:endParaRPr lang="en-US" dirty="0" smtClean="0"/>
+          </a:p>
+          <a:p>
+            <a:pPr lvl="2"/>
+            <a:r>
+              <a:rPr lang="en-US" dirty="0"/>
+              <a:t>I</a:t>
             </a:r>
             <a:r>
               <a:rPr lang="en-US" dirty="0" smtClean="0"/>
-              <a:t>. If it wasn’t for him it would have been a much slower start.</a:t>
-            </a:r>
+              <a:t>ncoming, sent, and delivered SMS messages.</a:t>
+            </a:r>
+            <a:endParaRPr lang="en-US" dirty="0"/>
           </a:p>
           <a:p>
             <a:pPr lvl="1"/>
             <a:r>
               <a:rPr lang="en-US" dirty="0" smtClean="0"/>
-              <a:t>It did add a little learning curve since existing code was already there but nothing intricate enough to cause any issues.</a:t>
-            </a:r>
-          </a:p>
-          <a:p>
+              <a:t>Dealing with registering and unregistering intent receivers.</a:t>
+            </a:r>
+          </a:p>
+          <a:p>
+            <a:pPr lvl="2"/>
             <a:r>
               <a:rPr lang="en-US" dirty="0" smtClean="0"/>
-              <a:t>Android Learning Curve?</a:t>
+              <a:t>Leaked intent receiver exception.</a:t>
             </a:r>
           </a:p>
           <a:p>
             <a:pPr lvl="1"/>
             <a:r>
               <a:rPr lang="en-US" dirty="0" smtClean="0"/>
-              <a:t>Slow but once you got the gist it wasn’t difficult to integrate new UI and logic.</a:t>
+              <a:t>Working with cursors.</a:t>
+            </a:r>
+          </a:p>
+          <a:p>
+            <a:pPr lvl="2"/>
+            <a:r>
+              <a:rPr lang="en-US" dirty="0" smtClean="0"/>
+              <a:t>Close after using.</a:t>
             </a:r>
           </a:p>
           <a:p>
             <a:pPr lvl="1"/>
             <a:r>
               <a:rPr lang="en-US" dirty="0" smtClean="0"/>
-              <a:t>The API </a:t>
-            </a:r>
-            <a:r>
-              <a:rPr lang="en-US" dirty="0"/>
-              <a:t>documentation </a:t>
+              <a:t>Working with </a:t>
+            </a:r>
+            <a:r>
+              <a:rPr lang="en-US" dirty="0" err="1" smtClean="0"/>
+              <a:t>ListViews</a:t>
             </a:r>
             <a:r>
               <a:rPr lang="en-US" dirty="0" smtClean="0"/>
-              <a:t>and online examples are everywhere (but the API documentation was the best reference.</a:t>
-            </a:r>
+              <a:t> and </a:t>
+            </a:r>
+            <a:r>
+              <a:rPr lang="en-US" dirty="0" err="1" smtClean="0"/>
+              <a:t>ArrayAdapters</a:t>
+            </a:r>
+            <a:r>
+              <a:rPr lang="en-US" dirty="0" smtClean="0"/>
+              <a:t>.</a:t>
+            </a:r>
+          </a:p>
+          <a:p>
+            <a:pPr lvl="1"/>
+            <a:endParaRPr lang="en-US" dirty="0"/>
+          </a:p>
+          <a:p>
+            <a:endParaRPr lang="en-US" dirty="0"/>
           </a:p>
         </p:txBody>
       </p:sp>
     </p:spTree>
     <p:extLst>
       <p:ext uri="{BB962C8B-B14F-4D97-AF65-F5344CB8AC3E}">
-        <p14:creationId xmlns:p14="http://schemas.microsoft.com/office/powerpoint/2010/main" val="1135526224"/>
+        <p14:creationId xmlns:p14="http://schemas.microsoft.com/office/powerpoint/2010/main" val="1303510387"/>
       </p:ext>
     </p:extLst>
   </p:cSld>
   <p:clrMapOvr>
     <a:masterClrMapping/>
   </p:clrMapOvr>
-  <p:timing>
-    <p:tnLst>
-      <p:par>
-        <p:cTn id="1" dur="indefinite" restart="never" nodeType="tmRoot"/>
-      </p:par>
-    </p:tnLst>
-  </p:timing>
 </p:sld>
 </file>
 
@@ -3865,20 +7650,16 @@
           <a:p>
             <a:r>
               <a:rPr lang="en-US" dirty="0"/>
-              <a:t>Challenges along the </a:t>
-            </a:r>
-            <a:r>
-              <a:rPr lang="en-US" dirty="0" smtClean="0"/>
-              <a:t>way</a:t>
+              <a:t>Challenges along the way</a:t>
             </a:r>
             <a:br>
-              <a:rPr lang="en-US" dirty="0" smtClean="0"/>
+              <a:rPr lang="en-US" dirty="0"/>
             </a:br>
             <a:r>
-              <a:rPr lang="en-US" i="1" dirty="0" smtClean="0"/>
-              <a:t>Testing</a:t>
-            </a:r>
-            <a:endParaRPr lang="en-US" i="1" dirty="0"/>
+              <a:rPr lang="en-US" sz="3600" i="1" dirty="0" smtClean="0"/>
+              <a:t>Multiple solutions to an android problem</a:t>
+            </a:r>
+            <a:endParaRPr lang="en-US" sz="3600" dirty="0"/>
           </a:p>
         </p:txBody>
       </p:sp>
@@ -3899,45 +7680,22 @@
           <a:p>
             <a:r>
               <a:rPr lang="en-US" dirty="0" smtClean="0"/>
-              <a:t>Who knows how to unit test!?</a:t>
-            </a:r>
-          </a:p>
-          <a:p>
-            <a:r>
-              <a:rPr lang="en-US" dirty="0"/>
-              <a:t>What is </a:t>
-            </a:r>
-            <a:r>
-              <a:rPr lang="en-US" dirty="0" err="1"/>
-              <a:t>junit</a:t>
-            </a:r>
-            <a:r>
-              <a:rPr lang="en-US" dirty="0"/>
-              <a:t>?</a:t>
-            </a:r>
-            <a:endParaRPr lang="en-US" dirty="0" smtClean="0"/>
-          </a:p>
-          <a:p>
+              <a:t>Coding by example</a:t>
+            </a:r>
+          </a:p>
+          <a:p>
+            <a:pPr lvl="1"/>
             <a:r>
               <a:rPr lang="en-US" dirty="0" smtClean="0"/>
-              <a:t>What do we unit test?</a:t>
+              <a:t>Too many examples online!</a:t>
             </a:r>
           </a:p>
           <a:p>
             <a:pPr lvl="1"/>
             <a:r>
               <a:rPr lang="en-US" dirty="0" smtClean="0"/>
-              <a:t>The logic only?</a:t>
-            </a:r>
-          </a:p>
-          <a:p>
-            <a:pPr lvl="1"/>
-            <a:r>
-              <a:rPr lang="en-US" dirty="0" smtClean="0"/>
-              <a:t>The features?</a:t>
-            </a:r>
-          </a:p>
-          <a:p>
+              <a:t>What’s correct, what’s optimal?</a:t>
+            </a:r>
             <a:endParaRPr lang="en-US" dirty="0"/>
           </a:p>
         </p:txBody>
@@ -3945,7 +7703,7 @@
     </p:spTree>
     <p:extLst>
       <p:ext uri="{BB962C8B-B14F-4D97-AF65-F5344CB8AC3E}">
-        <p14:creationId xmlns:p14="http://schemas.microsoft.com/office/powerpoint/2010/main" val="2264531459"/>
+        <p14:creationId xmlns:p14="http://schemas.microsoft.com/office/powerpoint/2010/main" val="1634851510"/>
       </p:ext>
     </p:extLst>
   </p:cSld>
@@ -3997,21 +7755,21 @@
           <a:lstStyle/>
           <a:p>
             <a:r>
+              <a:rPr lang="en-US" dirty="0" smtClean="0"/>
+              <a:t>What we learned!</a:t>
+            </a:r>
+            <a:r>
               <a:rPr lang="en-US" dirty="0"/>
-              <a:t>What we learned</a:t>
-            </a:r>
-            <a:r>
-              <a:rPr lang="en-US" dirty="0" smtClean="0"/>
-              <a:t>!</a:t>
+              <a:t/>
             </a:r>
             <a:br>
-              <a:rPr lang="en-US" dirty="0" smtClean="0"/>
+              <a:rPr lang="en-US" dirty="0"/>
             </a:br>
             <a:r>
-              <a:rPr lang="en-US" i="1" dirty="0" smtClean="0"/>
-              <a:t>Testing</a:t>
-            </a:r>
-            <a:endParaRPr lang="en-US" dirty="0"/>
+              <a:rPr lang="en-US" sz="3600" i="1" dirty="0"/>
+              <a:t>Multiple solutions to an android problem</a:t>
+            </a:r>
+            <a:endParaRPr lang="en-US" sz="3600" dirty="0"/>
           </a:p>
         </p:txBody>
       </p:sp>
@@ -4032,64 +7790,36 @@
           <a:p>
             <a:r>
               <a:rPr lang="en-US" dirty="0" smtClean="0"/>
-              <a:t>The intuition of what to test relies on knowing what the logic does!</a:t>
-            </a:r>
-          </a:p>
-          <a:p>
-            <a:r>
-              <a:rPr lang="en-US" dirty="0"/>
-              <a:t>The Android </a:t>
-            </a:r>
-            <a:r>
-              <a:rPr lang="en-US" dirty="0" err="1"/>
-              <a:t>Junit</a:t>
-            </a:r>
-            <a:r>
-              <a:rPr lang="en-US" dirty="0"/>
-              <a:t> Testing </a:t>
-            </a:r>
+              <a:t>Best examples are in the API itself</a:t>
+            </a:r>
+          </a:p>
+          <a:p>
+            <a:pPr lvl="1"/>
             <a:r>
               <a:rPr lang="en-US" dirty="0" smtClean="0"/>
-              <a:t>Capability</a:t>
-            </a:r>
-          </a:p>
-          <a:p>
-            <a:pPr lvl="1"/>
+              <a:t>ex: </a:t>
+            </a:r>
             <a:r>
               <a:rPr lang="en-US" dirty="0">
                 <a:hlinkClick r:id="rId2"/>
               </a:rPr>
-              <a:t>http://</a:t>
-            </a:r>
-            <a:r>
-              <a:rPr lang="en-US" dirty="0" smtClean="0">
-                <a:hlinkClick r:id="rId2"/>
-              </a:rPr>
-              <a:t>developer.android.com/tools/testing/index.html</a:t>
+              <a:t>http://developer.android.com/reference/android/provider/ContactsContract.PhoneLookup.html</a:t>
             </a:r>
             <a:endParaRPr lang="en-US" dirty="0" smtClean="0"/>
           </a:p>
           <a:p>
-            <a:pPr lvl="1"/>
-            <a:r>
-              <a:rPr lang="en-US" dirty="0">
-                <a:hlinkClick r:id="rId3"/>
-              </a:rPr>
-              <a:t>http://robolectric.org/</a:t>
-            </a:r>
-            <a:endParaRPr lang="en-US" dirty="0" smtClean="0"/>
-          </a:p>
-          <a:p>
             <a:r>
               <a:rPr lang="en-US" dirty="0" smtClean="0"/>
-              <a:t>Testing the concrete logic</a:t>
+              <a:t>Take your time understanding what does what and how it does it.</a:t>
             </a:r>
           </a:p>
           <a:p>
             <a:r>
               <a:rPr lang="en-US" dirty="0" smtClean="0"/>
-              <a:t>Learned the power of changing code and quickly testing the logic to make sure it still functions!</a:t>
-            </a:r>
+              <a:t>Don’t settle for the first example you find online!</a:t>
+            </a:r>
+          </a:p>
+          <a:p>
             <a:endParaRPr lang="en-US" dirty="0"/>
           </a:p>
         </p:txBody>
@@ -4097,7 +7827,7 @@
     </p:spTree>
     <p:extLst>
       <p:ext uri="{BB962C8B-B14F-4D97-AF65-F5344CB8AC3E}">
-        <p14:creationId xmlns:p14="http://schemas.microsoft.com/office/powerpoint/2010/main" val="2269166958"/>
+        <p14:creationId xmlns:p14="http://schemas.microsoft.com/office/powerpoint/2010/main" val="4171549189"/>
       </p:ext>
     </p:extLst>
   </p:cSld>
@@ -4143,29 +7873,84 @@
         </p:nvSpPr>
         <p:spPr/>
         <p:txBody>
-          <a:bodyPr>
+          <a:bodyPr anchor="t">
             <a:normAutofit fontScale="90000"/>
           </a:bodyPr>
           <a:lstStyle/>
           <a:p>
             <a:r>
-              <a:rPr lang="en-US" dirty="0"/>
-              <a:t>What we learned!</a:t>
+              <a:rPr lang="en-US" dirty="0" smtClean="0"/>
+              <a:t>What we </a:t>
+            </a:r>
+            <a:r>
+              <a:rPr lang="en-US" dirty="0" smtClean="0"/>
+              <a:t>learned!</a:t>
+            </a:r>
+            <a:r>
+              <a:rPr lang="en-US" dirty="0" smtClean="0"/>
+              <a:t/>
             </a:r>
             <a:br>
-              <a:rPr lang="en-US" dirty="0"/>
+              <a:rPr lang="en-US" dirty="0" smtClean="0"/>
             </a:br>
             <a:r>
-              <a:rPr lang="en-US" i="1" dirty="0" smtClean="0"/>
-              <a:t>Testing(</a:t>
-            </a:r>
-            <a:r>
-              <a:rPr lang="en-US" i="1" dirty="0" err="1" smtClean="0"/>
-              <a:t>JUnit</a:t>
-            </a:r>
-            <a:r>
-              <a:rPr lang="en-US" i="1" dirty="0" smtClean="0"/>
-              <a:t> example)</a:t>
+              <a:rPr lang="en-US" sz="3600" i="1" dirty="0"/>
+              <a:t>Multiple solutions to an android problem</a:t>
+            </a:r>
+            <a:r>
+              <a:rPr lang="en-US" dirty="0" smtClean="0"/>
+              <a:t/>
+            </a:r>
+            <a:br>
+              <a:rPr lang="en-US" dirty="0" smtClean="0"/>
+            </a:br>
+            <a:endParaRPr lang="en-US" dirty="0"/>
+          </a:p>
+        </p:txBody>
+      </p:sp>
+      <p:sp>
+        <p:nvSpPr>
+          <p:cNvPr id="4" name="Text Placeholder 3"/>
+          <p:cNvSpPr>
+            <a:spLocks noGrp="1"/>
+          </p:cNvSpPr>
+          <p:nvPr>
+            <p:ph type="body" idx="1"/>
+          </p:nvPr>
+        </p:nvSpPr>
+        <p:spPr/>
+        <p:txBody>
+          <a:bodyPr/>
+          <a:lstStyle/>
+          <a:p>
+            <a:pPr algn="ctr"/>
+            <a:r>
+              <a:rPr lang="en-US" dirty="0" smtClean="0"/>
+              <a:t>Slow Approach</a:t>
+            </a:r>
+            <a:endParaRPr lang="en-US" dirty="0"/>
+          </a:p>
+        </p:txBody>
+      </p:sp>
+      <p:sp>
+        <p:nvSpPr>
+          <p:cNvPr id="5" name="Text Placeholder 4"/>
+          <p:cNvSpPr>
+            <a:spLocks noGrp="1"/>
+          </p:cNvSpPr>
+          <p:nvPr>
+            <p:ph type="body" sz="half" idx="3"/>
+          </p:nvPr>
+        </p:nvSpPr>
+        <p:spPr/>
+        <p:txBody>
+          <a:bodyPr/>
+          <a:lstStyle/>
+          <a:p>
+            <a:pPr algn="ctr"/>
+            <a:r>
+              <a:rPr lang="en-US" dirty="0" smtClean="0"/>
+              <a:t>The Fast Approach</a:t>
             </a:r>
             <a:endParaRPr lang="en-US" dirty="0"/>
           </a:p>
@@ -4173,16 +7958,16 @@
       </p:sp>
       <p:pic>
         <p:nvPicPr>
-          <p:cNvPr id="4" name="Content Placeholder 3"/>
+          <p:cNvPr id="7" name="Content Placeholder 6"/>
           <p:cNvPicPr>
             <a:picLocks noGrp="1" noChangeAspect="1"/>
           </p:cNvPicPr>
           <p:nvPr>
-            <p:ph idx="1"/>
+            <p:ph sz="quarter" idx="2"/>
           </p:nvPr>
         </p:nvPicPr>
         <p:blipFill>
-          <a:blip r:embed="rId2">
+          <a:blip r:embed="rId2" cstate="print">
             <a:extLst>
               <a:ext uri="{28A0092B-C50C-407E-A947-70E740481C1C}">
                 <a14:useLocalDpi xmlns:a14="http://schemas.microsoft.com/office/drawing/2010/main" val="0"/>
@@ -4195,15 +7980,44 @@
         </p:blipFill>
         <p:spPr>
           <a:xfrm>
-            <a:off x="457200" y="1859655"/>
-            <a:ext cx="8229600" cy="4189614"/>
+            <a:off x="457200" y="2600592"/>
+            <a:ext cx="4040188" cy="3287178"/>
+          </a:xfrm>
+        </p:spPr>
+      </p:pic>
+      <p:pic>
+        <p:nvPicPr>
+          <p:cNvPr id="8" name="Content Placeholder 7"/>
+          <p:cNvPicPr>
+            <a:picLocks noGrp="1" noChangeAspect="1"/>
+          </p:cNvPicPr>
+          <p:nvPr>
+            <p:ph sz="quarter" idx="4"/>
+          </p:nvPr>
+        </p:nvPicPr>
+        <p:blipFill>
+          <a:blip r:embed="rId3" cstate="print">
+            <a:extLst>
+              <a:ext uri="{28A0092B-C50C-407E-A947-70E740481C1C}">
+                <a14:useLocalDpi xmlns:a14="http://schemas.microsoft.com/office/drawing/2010/main" val="0"/>
+              </a:ext>
+            </a:extLst>
+          </a:blip>
+          <a:stretch>
+            <a:fillRect/>
+          </a:stretch>
+        </p:blipFill>
+        <p:spPr>
+          <a:xfrm>
+            <a:off x="4645025" y="3489493"/>
+            <a:ext cx="4041775" cy="1509376"/>
           </a:xfrm>
         </p:spPr>
       </p:pic>
     </p:spTree>
     <p:extLst>
       <p:ext uri="{BB962C8B-B14F-4D97-AF65-F5344CB8AC3E}">
-        <p14:creationId xmlns:p14="http://schemas.microsoft.com/office/powerpoint/2010/main" val="9744730"/>
+        <p14:creationId xmlns:p14="http://schemas.microsoft.com/office/powerpoint/2010/main" val="3669143113"/>
       </p:ext>
     </p:extLst>
   </p:cSld>
@@ -4256,16 +8070,20 @@
           <a:p>
             <a:r>
               <a:rPr lang="en-US" dirty="0"/>
-              <a:t>Challenges along the way</a:t>
+              <a:t>Challenges along the </a:t>
+            </a:r>
+            <a:r>
+              <a:rPr lang="en-US" dirty="0" smtClean="0"/>
+              <a:t>way</a:t>
             </a:r>
             <a:br>
-              <a:rPr lang="en-US" dirty="0"/>
+              <a:rPr lang="en-US" dirty="0" smtClean="0"/>
             </a:br>
             <a:r>
               <a:rPr lang="en-US" i="1" dirty="0" smtClean="0"/>
-              <a:t>Many ways to attack a problem</a:t>
-            </a:r>
-            <a:endParaRPr lang="en-US" dirty="0"/>
+              <a:t>Testing</a:t>
+            </a:r>
+            <a:endParaRPr lang="en-US" i="1" dirty="0"/>
           </a:p>
         </p:txBody>
       </p:sp>
@@ -4286,50 +8104,53 @@
           <a:p>
             <a:r>
               <a:rPr lang="en-US" dirty="0" smtClean="0"/>
-              <a:t>Coding by example</a:t>
+              <a:t>Who knows how to unit test!?</a:t>
+            </a:r>
+          </a:p>
+          <a:p>
+            <a:r>
+              <a:rPr lang="en-US" dirty="0"/>
+              <a:t>What is </a:t>
+            </a:r>
+            <a:r>
+              <a:rPr lang="en-US" dirty="0" err="1"/>
+              <a:t>junit</a:t>
+            </a:r>
+            <a:r>
+              <a:rPr lang="en-US" dirty="0"/>
+              <a:t>?</a:t>
+            </a:r>
+            <a:endParaRPr lang="en-US" dirty="0" smtClean="0"/>
+          </a:p>
+          <a:p>
+            <a:r>
+              <a:rPr lang="en-US" dirty="0" smtClean="0"/>
+              <a:t>What do we unit test?</a:t>
             </a:r>
           </a:p>
           <a:p>
             <a:pPr lvl="1"/>
             <a:r>
               <a:rPr lang="en-US" dirty="0" smtClean="0"/>
-              <a:t>Too many examples online!</a:t>
+              <a:t>The logic only?</a:t>
             </a:r>
           </a:p>
           <a:p>
             <a:pPr lvl="1"/>
             <a:r>
               <a:rPr lang="en-US" dirty="0" smtClean="0"/>
-              <a:t>What’s correct, what’s optimal?</a:t>
-            </a:r>
+              <a:t>The features?</a:t>
+            </a:r>
+          </a:p>
+          <a:p>
             <a:endParaRPr lang="en-US" dirty="0"/>
-          </a:p>
-          <a:p>
-            <a:r>
-              <a:rPr lang="en-US" dirty="0" smtClean="0"/>
-              <a:t>Illogical Android code</a:t>
-            </a:r>
-          </a:p>
-          <a:p>
-            <a:pPr lvl="1"/>
-            <a:r>
-              <a:rPr lang="en-US" dirty="0" smtClean="0"/>
-              <a:t>What’s an “Intent Leak”?</a:t>
-            </a:r>
-          </a:p>
-          <a:p>
-            <a:pPr lvl="1"/>
-            <a:r>
-              <a:rPr lang="en-US" dirty="0" smtClean="0"/>
-              <a:t>Perfect timing issues</a:t>
-            </a:r>
           </a:p>
         </p:txBody>
       </p:sp>
     </p:spTree>
     <p:extLst>
       <p:ext uri="{BB962C8B-B14F-4D97-AF65-F5344CB8AC3E}">
-        <p14:creationId xmlns:p14="http://schemas.microsoft.com/office/powerpoint/2010/main" val="1312844051"/>
+        <p14:creationId xmlns:p14="http://schemas.microsoft.com/office/powerpoint/2010/main" val="2264531459"/>
       </p:ext>
     </p:extLst>
   </p:cSld>
@@ -4381,19 +8202,19 @@
           <a:lstStyle/>
           <a:p>
             <a:r>
+              <a:rPr lang="en-US" dirty="0"/>
+              <a:t>What we learned</a:t>
+            </a:r>
+            <a:r>
               <a:rPr lang="en-US" dirty="0" smtClean="0"/>
-              <a:t>What we learned!</a:t>
-            </a:r>
-            <a:r>
-              <a:rPr lang="en-US" dirty="0"/>
-              <a:t/>
+              <a:t>!</a:t>
             </a:r>
             <a:br>
-              <a:rPr lang="en-US" dirty="0"/>
+              <a:rPr lang="en-US" dirty="0" smtClean="0"/>
             </a:br>
             <a:r>
-              <a:rPr lang="en-US" i="1" dirty="0"/>
-              <a:t>Many ways to attack a problem</a:t>
+              <a:rPr lang="en-US" i="1" dirty="0" smtClean="0"/>
+              <a:t>Testing</a:t>
             </a:r>
             <a:endParaRPr lang="en-US" dirty="0"/>
           </a:p>
@@ -4416,36 +8237,64 @@
           <a:p>
             <a:r>
               <a:rPr lang="en-US" dirty="0" smtClean="0"/>
-              <a:t>Best examples are in the API itself</a:t>
+              <a:t>The intuition of what to test relies on knowing what the logic does!</a:t>
+            </a:r>
+          </a:p>
+          <a:p>
+            <a:r>
+              <a:rPr lang="en-US" dirty="0"/>
+              <a:t>The Android </a:t>
+            </a:r>
+            <a:r>
+              <a:rPr lang="en-US" dirty="0" err="1"/>
+              <a:t>Junit</a:t>
+            </a:r>
+            <a:r>
+              <a:rPr lang="en-US" dirty="0"/>
+              <a:t> Testing </a:t>
+            </a:r>
+            <a:r>
+              <a:rPr lang="en-US" dirty="0" smtClean="0"/>
+              <a:t>Capability</a:t>
             </a:r>
           </a:p>
           <a:p>
             <a:pPr lvl="1"/>
-            <a:r>
-              <a:rPr lang="en-US" dirty="0" smtClean="0"/>
-              <a:t>ex: </a:t>
-            </a:r>
             <a:r>
               <a:rPr lang="en-US" dirty="0">
                 <a:hlinkClick r:id="rId2"/>
               </a:rPr>
-              <a:t>http://developer.android.com/reference/android/provider/ContactsContract.PhoneLookup.html</a:t>
+              <a:t>http://</a:t>
+            </a:r>
+            <a:r>
+              <a:rPr lang="en-US" dirty="0" smtClean="0">
+                <a:hlinkClick r:id="rId2"/>
+              </a:rPr>
+              <a:t>developer.android.com/tools/testing/index.html</a:t>
             </a:r>
             <a:endParaRPr lang="en-US" dirty="0" smtClean="0"/>
           </a:p>
           <a:p>
+            <a:pPr lvl="1"/>
+            <a:r>
+              <a:rPr lang="en-US" dirty="0">
+                <a:hlinkClick r:id="rId3"/>
+              </a:rPr>
+              <a:t>http://robolectric.org/</a:t>
+            </a:r>
+            <a:endParaRPr lang="en-US" dirty="0" smtClean="0"/>
+          </a:p>
+          <a:p>
             <a:r>
               <a:rPr lang="en-US" dirty="0" smtClean="0"/>
-              <a:t>Take your time understanding what does what and how it does it.</a:t>
+              <a:t>Testing the concrete logic</a:t>
             </a:r>
           </a:p>
           <a:p>
             <a:r>
               <a:rPr lang="en-US" dirty="0" smtClean="0"/>
-              <a:t>Don’t settle for the first example you find online!</a:t>
-            </a:r>
-          </a:p>
-          <a:p>
+              <a:t>Learned the power of changing code and quickly testing the logic to make sure it still functions!</a:t>
+            </a:r>
             <a:endParaRPr lang="en-US" dirty="0"/>
           </a:p>
         </p:txBody>
@@ -4453,7 +8302,7 @@
     </p:spTree>
     <p:extLst>
       <p:ext uri="{BB962C8B-B14F-4D97-AF65-F5344CB8AC3E}">
-        <p14:creationId xmlns:p14="http://schemas.microsoft.com/office/powerpoint/2010/main" val="1496188940"/>
+        <p14:creationId xmlns:p14="http://schemas.microsoft.com/office/powerpoint/2010/main" val="2269166958"/>
       </p:ext>
     </p:extLst>
   </p:cSld>
@@ -4521,7 +8370,7 @@
           </p:nvPr>
         </p:nvPicPr>
         <p:blipFill>
-          <a:blip r:embed="rId2">
+          <a:blip r:embed="rId2" cstate="print">
             <a:extLst>
               <a:ext uri="{28A0092B-C50C-407E-A947-70E740481C1C}">
                 <a14:useLocalDpi xmlns:a14="http://schemas.microsoft.com/office/drawing/2010/main" val="0"/>
@@ -4588,76 +8437,29 @@
         </p:nvSpPr>
         <p:spPr/>
         <p:txBody>
-          <a:bodyPr anchor="t">
+          <a:bodyPr>
             <a:normAutofit fontScale="90000"/>
           </a:bodyPr>
           <a:lstStyle/>
           <a:p>
             <a:r>
-              <a:rPr lang="en-US" dirty="0" smtClean="0"/>
+              <a:rPr lang="en-US" dirty="0"/>
               <a:t>What we learned!</a:t>
             </a:r>
             <a:br>
-              <a:rPr lang="en-US" dirty="0" smtClean="0"/>
+              <a:rPr lang="en-US" dirty="0"/>
             </a:br>
             <a:r>
-              <a:rPr lang="en-US" sz="3200" i="1" dirty="0"/>
-              <a:t>Many ways to attack a problem</a:t>
-            </a:r>
-            <a:r>
-              <a:rPr lang="en-US" dirty="0" smtClean="0"/>
-              <a:t/>
-            </a:r>
-            <a:br>
-              <a:rPr lang="en-US" dirty="0" smtClean="0"/>
-            </a:br>
-            <a:endParaRPr lang="en-US" dirty="0"/>
-          </a:p>
-        </p:txBody>
-      </p:sp>
-      <p:sp>
-        <p:nvSpPr>
-          <p:cNvPr id="4" name="Text Placeholder 3"/>
-          <p:cNvSpPr>
-            <a:spLocks noGrp="1"/>
-          </p:cNvSpPr>
-          <p:nvPr>
-            <p:ph type="body" idx="1"/>
-          </p:nvPr>
-        </p:nvSpPr>
-        <p:spPr/>
-        <p:txBody>
-          <a:bodyPr/>
-          <a:lstStyle/>
-          <a:p>
-            <a:pPr algn="ctr"/>
-            <a:r>
-              <a:rPr lang="en-US" dirty="0" smtClean="0"/>
-              <a:t>Slow Approach</a:t>
-            </a:r>
-            <a:endParaRPr lang="en-US" dirty="0"/>
-          </a:p>
-        </p:txBody>
-      </p:sp>
-      <p:sp>
-        <p:nvSpPr>
-          <p:cNvPr id="5" name="Text Placeholder 4"/>
-          <p:cNvSpPr>
-            <a:spLocks noGrp="1"/>
-          </p:cNvSpPr>
-          <p:nvPr>
-            <p:ph type="body" sz="half" idx="3"/>
-          </p:nvPr>
-        </p:nvSpPr>
-        <p:spPr/>
-        <p:txBody>
-          <a:bodyPr/>
-          <a:lstStyle/>
-          <a:p>
-            <a:pPr algn="ctr"/>
-            <a:r>
-              <a:rPr lang="en-US" dirty="0" smtClean="0"/>
-              <a:t>The Fast Approach</a:t>
+              <a:rPr lang="en-US" i="1" dirty="0" smtClean="0"/>
+              <a:t>Testing(</a:t>
+            </a:r>
+            <a:r>
+              <a:rPr lang="en-US" i="1" dirty="0" err="1" smtClean="0"/>
+              <a:t>JUnit</a:t>
+            </a:r>
+            <a:r>
+              <a:rPr lang="en-US" i="1" dirty="0" smtClean="0"/>
+              <a:t> example)</a:t>
             </a:r>
             <a:endParaRPr lang="en-US" dirty="0"/>
           </a:p>
@@ -4665,16 +8467,16 @@
       </p:sp>
       <p:pic>
         <p:nvPicPr>
-          <p:cNvPr id="7" name="Content Placeholder 6"/>
+          <p:cNvPr id="4" name="Content Placeholder 3"/>
           <p:cNvPicPr>
             <a:picLocks noGrp="1" noChangeAspect="1"/>
           </p:cNvPicPr>
           <p:nvPr>
-            <p:ph sz="quarter" idx="2"/>
+            <p:ph idx="1"/>
           </p:nvPr>
         </p:nvPicPr>
         <p:blipFill>
-          <a:blip r:embed="rId2">
+          <a:blip r:embed="rId2" cstate="print">
             <a:extLst>
               <a:ext uri="{28A0092B-C50C-407E-A947-70E740481C1C}">
                 <a14:useLocalDpi xmlns:a14="http://schemas.microsoft.com/office/drawing/2010/main" val="0"/>
@@ -4687,44 +8489,15 @@
         </p:blipFill>
         <p:spPr>
           <a:xfrm>
-            <a:off x="457200" y="2600592"/>
-            <a:ext cx="4040188" cy="3287178"/>
-          </a:xfrm>
-        </p:spPr>
-      </p:pic>
-      <p:pic>
-        <p:nvPicPr>
-          <p:cNvPr id="8" name="Content Placeholder 7"/>
-          <p:cNvPicPr>
-            <a:picLocks noGrp="1" noChangeAspect="1"/>
-          </p:cNvPicPr>
-          <p:nvPr>
-            <p:ph sz="quarter" idx="4"/>
-          </p:nvPr>
-        </p:nvPicPr>
-        <p:blipFill>
-          <a:blip r:embed="rId3">
-            <a:extLst>
-              <a:ext uri="{28A0092B-C50C-407E-A947-70E740481C1C}">
-                <a14:useLocalDpi xmlns:a14="http://schemas.microsoft.com/office/drawing/2010/main" val="0"/>
-              </a:ext>
-            </a:extLst>
-          </a:blip>
-          <a:stretch>
-            <a:fillRect/>
-          </a:stretch>
-        </p:blipFill>
-        <p:spPr>
-          <a:xfrm>
-            <a:off x="4645025" y="3489493"/>
-            <a:ext cx="4041775" cy="1509376"/>
+            <a:off x="457200" y="1859655"/>
+            <a:ext cx="8229600" cy="4189614"/>
           </a:xfrm>
         </p:spPr>
       </p:pic>
     </p:spTree>
     <p:extLst>
       <p:ext uri="{BB962C8B-B14F-4D97-AF65-F5344CB8AC3E}">
-        <p14:creationId xmlns:p14="http://schemas.microsoft.com/office/powerpoint/2010/main" val="2051039781"/>
+        <p14:creationId xmlns:p14="http://schemas.microsoft.com/office/powerpoint/2010/main" val="9744730"/>
       </p:ext>
     </p:extLst>
   </p:cSld>
@@ -4775,7 +8548,7 @@
           <a:p>
             <a:r>
               <a:rPr lang="en-US" dirty="0" smtClean="0"/>
-              <a:t>What we learned!</a:t>
+              <a:t>Future Work</a:t>
             </a:r>
             <a:endParaRPr lang="en-US" dirty="0"/>
           </a:p>
@@ -4796,14 +8569,42 @@
           <a:bodyPr/>
           <a:lstStyle/>
           <a:p>
-            <a:endParaRPr lang="en-US" dirty="0"/>
+            <a:r>
+              <a:rPr lang="en-US" dirty="0" smtClean="0"/>
+              <a:t>Allow sending messages to multiple users.</a:t>
+            </a:r>
+          </a:p>
+          <a:p>
+            <a:pPr lvl="1"/>
+            <a:r>
+              <a:rPr lang="en-US" dirty="0" smtClean="0"/>
+              <a:t>Create conversation room.</a:t>
+            </a:r>
+          </a:p>
+          <a:p>
+            <a:r>
+              <a:rPr lang="en-US" dirty="0" smtClean="0"/>
+              <a:t>Don’t wait for a message sent confirmation before updating Activity.</a:t>
+            </a:r>
+          </a:p>
+          <a:p>
+            <a:r>
+              <a:rPr lang="en-US" dirty="0" smtClean="0"/>
+              <a:t>Haptic feed back and GUI animation for button presses.</a:t>
+            </a:r>
+          </a:p>
+          <a:p>
+            <a:pPr marL="137160" indent="0">
+              <a:buNone/>
+            </a:pPr>
+            <a:endParaRPr lang="en-US" smtClean="0"/>
           </a:p>
         </p:txBody>
       </p:sp>
     </p:spTree>
     <p:extLst>
       <p:ext uri="{BB962C8B-B14F-4D97-AF65-F5344CB8AC3E}">
-        <p14:creationId xmlns:p14="http://schemas.microsoft.com/office/powerpoint/2010/main" val="1763179797"/>
+        <p14:creationId xmlns:p14="http://schemas.microsoft.com/office/powerpoint/2010/main" val="1855729378"/>
       </p:ext>
     </p:extLst>
   </p:cSld>
@@ -4817,6 +8618,64 @@
       </p:par>
     </p:tnLst>
   </p:timing>
+</p:sld>
+</file>
+
+<file path=ppt/slides/slide22.xml><?xml version="1.0" encoding="utf-8"?>
+<p:sld xmlns:a="http://schemas.openxmlformats.org/drawingml/2006/main" xmlns:r="http://schemas.openxmlformats.org/officeDocument/2006/relationships" xmlns:p="http://schemas.openxmlformats.org/presentationml/2006/main">
+  <p:cSld>
+    <p:spTree>
+      <p:nvGrpSpPr>
+        <p:cNvPr id="1" name=""/>
+        <p:cNvGrpSpPr/>
+        <p:nvPr/>
+      </p:nvGrpSpPr>
+      <p:grpSpPr>
+        <a:xfrm>
+          <a:off x="0" y="0"/>
+          <a:ext cx="0" cy="0"/>
+          <a:chOff x="0" y="0"/>
+          <a:chExt cx="0" cy="0"/>
+        </a:xfrm>
+      </p:grpSpPr>
+      <p:sp>
+        <p:nvSpPr>
+          <p:cNvPr id="9" name="Title 8"/>
+          <p:cNvSpPr>
+            <a:spLocks noGrp="1"/>
+          </p:cNvSpPr>
+          <p:nvPr>
+            <p:ph type="ctrTitle"/>
+          </p:nvPr>
+        </p:nvSpPr>
+        <p:spPr>
+          <a:xfrm>
+            <a:off x="422030" y="1371600"/>
+            <a:ext cx="8229600" cy="2209800"/>
+          </a:xfrm>
+        </p:spPr>
+        <p:txBody>
+          <a:bodyPr/>
+          <a:lstStyle/>
+          <a:p>
+            <a:r>
+              <a:rPr lang="en-US" dirty="0" smtClean="0"/>
+              <a:t>Demo time!</a:t>
+            </a:r>
+            <a:endParaRPr lang="en-US" dirty="0"/>
+          </a:p>
+        </p:txBody>
+      </p:sp>
+    </p:spTree>
+    <p:extLst>
+      <p:ext uri="{BB962C8B-B14F-4D97-AF65-F5344CB8AC3E}">
+        <p14:creationId xmlns:p14="http://schemas.microsoft.com/office/powerpoint/2010/main" val="3024028369"/>
+      </p:ext>
+    </p:extLst>
+  </p:cSld>
+  <p:clrMapOvr>
+    <a:masterClrMapping/>
+  </p:clrMapOvr>
 </p:sld>
 </file>
 
@@ -4880,7 +8739,7 @@
           </p:nvPr>
         </p:nvPicPr>
         <p:blipFill>
-          <a:blip r:embed="rId2">
+          <a:blip r:embed="rId2" cstate="print">
             <a:extLst>
               <a:ext uri="{28A0092B-C50C-407E-A947-70E740481C1C}">
                 <a14:useLocalDpi xmlns:a14="http://schemas.microsoft.com/office/drawing/2010/main" val="0"/>
@@ -4947,22 +8806,25 @@
         </p:nvSpPr>
         <p:spPr/>
         <p:txBody>
-          <a:bodyPr>
+          <a:bodyPr anchor="t">
             <a:normAutofit fontScale="90000"/>
           </a:bodyPr>
           <a:lstStyle/>
           <a:p>
             <a:r>
               <a:rPr lang="en-US" dirty="0" smtClean="0"/>
-              <a:t>The Design</a:t>
+              <a:t>The Features</a:t>
             </a:r>
             <a:br>
               <a:rPr lang="en-US" dirty="0" smtClean="0"/>
             </a:br>
             <a:r>
               <a:rPr lang="en-US" dirty="0" smtClean="0"/>
-              <a:t>(breaking it down)</a:t>
-            </a:r>
+              <a:t>(What can our app do?)</a:t>
+            </a:r>
+            <a:br>
+              <a:rPr lang="en-US" dirty="0" smtClean="0"/>
+            </a:br>
             <a:endParaRPr lang="en-US" dirty="0"/>
           </a:p>
         </p:txBody>
@@ -4979,13 +8841,51 @@
         </p:nvSpPr>
         <p:spPr/>
         <p:txBody>
-          <a:bodyPr/>
+          <a:bodyPr>
+            <a:normAutofit/>
+          </a:bodyPr>
           <a:lstStyle/>
           <a:p>
             <a:r>
               <a:rPr lang="en-US" dirty="0" smtClean="0"/>
-              <a:t>Kept the dependencies to a minimum</a:t>
-            </a:r>
+              <a:t>Create, Send and Receive Messages</a:t>
+            </a:r>
+          </a:p>
+          <a:p>
+            <a:r>
+              <a:rPr lang="en-US" dirty="0" smtClean="0"/>
+              <a:t>Auto-create, view and manage conversations</a:t>
+            </a:r>
+          </a:p>
+          <a:p>
+            <a:r>
+              <a:rPr lang="en-US" dirty="0" smtClean="0"/>
+              <a:t>Contact Information tie in to Messages using Phone’s Contacts</a:t>
+            </a:r>
+          </a:p>
+          <a:p>
+            <a:r>
+              <a:rPr lang="en-US" dirty="0" smtClean="0"/>
+              <a:t>Extra Features:</a:t>
+            </a:r>
+          </a:p>
+          <a:p>
+            <a:pPr lvl="1"/>
+            <a:r>
+              <a:rPr lang="en-US" dirty="0" smtClean="0"/>
+              <a:t>Zoom in and out of Message View and Conversation View</a:t>
+            </a:r>
+          </a:p>
+          <a:p>
+            <a:pPr lvl="1"/>
+            <a:r>
+              <a:rPr lang="en-US" dirty="0" smtClean="0"/>
+              <a:t>Search Conversations for a message with user specified contact or search string</a:t>
+            </a:r>
+          </a:p>
+          <a:p>
+            <a:pPr lvl="1"/>
+            <a:endParaRPr lang="en-US" dirty="0" smtClean="0"/>
           </a:p>
           <a:p>
             <a:endParaRPr lang="en-US" dirty="0"/>
@@ -4995,7 +8895,7 @@
     </p:spTree>
     <p:extLst>
       <p:ext uri="{BB962C8B-B14F-4D97-AF65-F5344CB8AC3E}">
-        <p14:creationId xmlns:p14="http://schemas.microsoft.com/office/powerpoint/2010/main" val="1494571453"/>
+        <p14:creationId xmlns:p14="http://schemas.microsoft.com/office/powerpoint/2010/main" val="2306207315"/>
       </p:ext>
     </p:extLst>
   </p:cSld>
@@ -5041,100 +8941,569 @@
         </p:nvSpPr>
         <p:spPr/>
         <p:txBody>
-          <a:bodyPr anchor="t">
+          <a:bodyPr>
             <a:normAutofit fontScale="90000"/>
           </a:bodyPr>
           <a:lstStyle/>
           <a:p>
             <a:r>
+              <a:rPr lang="en-US" dirty="0"/>
+              <a:t>The </a:t>
+            </a:r>
+            <a:r>
               <a:rPr lang="en-US" dirty="0" smtClean="0"/>
-              <a:t>The Features</a:t>
+              <a:t>Features</a:t>
             </a:r>
             <a:br>
               <a:rPr lang="en-US" dirty="0" smtClean="0"/>
             </a:br>
             <a:r>
-              <a:rPr lang="en-US" dirty="0" smtClean="0"/>
-              <a:t>(</a:t>
-            </a:r>
-            <a:r>
-              <a:rPr lang="en-US" dirty="0" smtClean="0"/>
-              <a:t>What can our app do?)</a:t>
-            </a:r>
-            <a:br>
-              <a:rPr lang="en-US" dirty="0" smtClean="0"/>
-            </a:br>
-            <a:endParaRPr lang="en-US" dirty="0"/>
-          </a:p>
-        </p:txBody>
-      </p:sp>
-      <p:sp>
-        <p:nvSpPr>
-          <p:cNvPr id="3" name="Content Placeholder 2"/>
-          <p:cNvSpPr>
-            <a:spLocks noGrp="1"/>
-          </p:cNvSpPr>
+              <a:rPr lang="en-US" i="1" dirty="0" smtClean="0"/>
+              <a:t>Send And Receive Messages</a:t>
+            </a:r>
+            <a:endParaRPr lang="en-US" i="1" dirty="0"/>
+          </a:p>
+        </p:txBody>
+      </p:sp>
+      <p:pic>
+        <p:nvPicPr>
+          <p:cNvPr id="4" name="Content Placeholder 3" descr="Send_Message_Screen.PNG"/>
+          <p:cNvPicPr>
+            <a:picLocks noGrp="1" noChangeAspect="1"/>
+          </p:cNvPicPr>
           <p:nvPr>
             <p:ph idx="1"/>
           </p:nvPr>
-        </p:nvSpPr>
-        <p:spPr/>
-        <p:txBody>
-          <a:bodyPr>
-            <a:normAutofit/>
+        </p:nvPicPr>
+        <p:blipFill>
+          <a:blip r:embed="rId2" cstate="print"/>
+          <a:stretch>
+            <a:fillRect/>
+          </a:stretch>
+        </p:blipFill>
+        <p:spPr>
+          <a:xfrm>
+            <a:off x="5410200" y="1600200"/>
+            <a:ext cx="2833345" cy="4708525"/>
+          </a:xfrm>
+        </p:spPr>
+      </p:pic>
+      <p:pic>
+        <p:nvPicPr>
+          <p:cNvPr id="6" name="Picture 5" descr="View_Individual_message.PNG"/>
+          <p:cNvPicPr>
+            <a:picLocks noChangeAspect="1"/>
+          </p:cNvPicPr>
+          <p:nvPr/>
+        </p:nvPicPr>
+        <p:blipFill>
+          <a:blip r:embed="rId3" cstate="print"/>
+          <a:stretch>
+            <a:fillRect/>
+          </a:stretch>
+        </p:blipFill>
+        <p:spPr>
+          <a:xfrm>
+            <a:off x="1143000" y="1600200"/>
+            <a:ext cx="2895600" cy="4724400"/>
+          </a:xfrm>
+          <a:prstGeom prst="rect">
+            <a:avLst/>
+          </a:prstGeom>
+        </p:spPr>
+      </p:pic>
+      <p:sp>
+        <p:nvSpPr>
+          <p:cNvPr id="7" name="Oval 6"/>
+          <p:cNvSpPr/>
+          <p:nvPr/>
+        </p:nvSpPr>
+        <p:spPr>
+          <a:xfrm>
+            <a:off x="5257800" y="2133600"/>
+            <a:ext cx="2286000" cy="533400"/>
+          </a:xfrm>
+          <a:prstGeom prst="ellipse">
+            <a:avLst/>
+          </a:prstGeom>
+          <a:noFill/>
+          <a:ln>
+            <a:solidFill>
+              <a:srgbClr val="00B0F0"/>
+            </a:solidFill>
+          </a:ln>
+        </p:spPr>
+        <p:style>
+          <a:lnRef idx="2">
+            <a:schemeClr val="accent3">
+              <a:shade val="50000"/>
+            </a:schemeClr>
+          </a:lnRef>
+          <a:fillRef idx="1">
+            <a:schemeClr val="accent3"/>
+          </a:fillRef>
+          <a:effectRef idx="0">
+            <a:schemeClr val="accent3"/>
+          </a:effectRef>
+          <a:fontRef idx="minor">
+            <a:schemeClr val="lt1"/>
+          </a:fontRef>
+        </p:style>
+        <p:txBody>
+          <a:bodyPr rtlCol="0" anchor="ctr"/>
+          <a:lstStyle/>
+          <a:p>
+            <a:pPr algn="ctr"/>
+            <a:endParaRPr lang="en-US"/>
+          </a:p>
+        </p:txBody>
+      </p:sp>
+      <p:cxnSp>
+        <p:nvCxnSpPr>
+          <p:cNvPr id="13" name="Shape 12"/>
+          <p:cNvCxnSpPr>
+            <a:stCxn id="7" idx="2"/>
+          </p:cNvCxnSpPr>
+          <p:nvPr/>
+        </p:nvCxnSpPr>
+        <p:spPr>
+          <a:xfrm rot="10800000" flipV="1">
+            <a:off x="4267200" y="2400300"/>
+            <a:ext cx="990600" cy="1943100"/>
+          </a:xfrm>
+          <a:prstGeom prst="bentConnector2">
+            <a:avLst/>
+          </a:prstGeom>
+          <a:ln w="28575">
+            <a:solidFill>
+              <a:srgbClr val="00B0F0"/>
+            </a:solidFill>
+            <a:tailEnd type="arrow"/>
+          </a:ln>
+        </p:spPr>
+        <p:style>
+          <a:lnRef idx="1">
+            <a:schemeClr val="accent1"/>
+          </a:lnRef>
+          <a:fillRef idx="0">
+            <a:schemeClr val="accent1"/>
+          </a:fillRef>
+          <a:effectRef idx="0">
+            <a:schemeClr val="accent1"/>
+          </a:effectRef>
+          <a:fontRef idx="minor">
+            <a:schemeClr val="tx1"/>
+          </a:fontRef>
+        </p:style>
+      </p:cxnSp>
+      <p:sp>
+        <p:nvSpPr>
+          <p:cNvPr id="14" name="Oval 13"/>
+          <p:cNvSpPr/>
+          <p:nvPr/>
+        </p:nvSpPr>
+        <p:spPr>
+          <a:xfrm>
+            <a:off x="5181600" y="2667000"/>
+            <a:ext cx="2362200" cy="685800"/>
+          </a:xfrm>
+          <a:prstGeom prst="ellipse">
+            <a:avLst/>
+          </a:prstGeom>
+          <a:noFill/>
+          <a:ln>
+            <a:solidFill>
+              <a:srgbClr val="7030A0"/>
+            </a:solidFill>
+          </a:ln>
+        </p:spPr>
+        <p:style>
+          <a:lnRef idx="2">
+            <a:schemeClr val="accent3">
+              <a:shade val="50000"/>
+            </a:schemeClr>
+          </a:lnRef>
+          <a:fillRef idx="1">
+            <a:schemeClr val="accent3"/>
+          </a:fillRef>
+          <a:effectRef idx="0">
+            <a:schemeClr val="accent3"/>
+          </a:effectRef>
+          <a:fontRef idx="minor">
+            <a:schemeClr val="lt1"/>
+          </a:fontRef>
+        </p:style>
+        <p:txBody>
+          <a:bodyPr rtlCol="0" anchor="ctr"/>
+          <a:lstStyle/>
+          <a:p>
+            <a:pPr algn="ctr"/>
+            <a:endParaRPr lang="en-US"/>
+          </a:p>
+        </p:txBody>
+      </p:sp>
+      <p:cxnSp>
+        <p:nvCxnSpPr>
+          <p:cNvPr id="15" name="Shape 14"/>
+          <p:cNvCxnSpPr>
+            <a:stCxn id="14" idx="2"/>
+          </p:cNvCxnSpPr>
+          <p:nvPr/>
+        </p:nvCxnSpPr>
+        <p:spPr>
+          <a:xfrm rot="10800000" flipV="1">
+            <a:off x="4648200" y="3009900"/>
+            <a:ext cx="533400" cy="952500"/>
+          </a:xfrm>
+          <a:prstGeom prst="bentConnector2">
+            <a:avLst/>
+          </a:prstGeom>
+          <a:ln w="28575">
+            <a:solidFill>
+              <a:srgbClr val="7030A0"/>
+            </a:solidFill>
+            <a:tailEnd type="arrow"/>
+          </a:ln>
+        </p:spPr>
+        <p:style>
+          <a:lnRef idx="1">
+            <a:schemeClr val="accent1"/>
+          </a:lnRef>
+          <a:fillRef idx="0">
+            <a:schemeClr val="accent1"/>
+          </a:fillRef>
+          <a:effectRef idx="0">
+            <a:schemeClr val="accent1"/>
+          </a:effectRef>
+          <a:fontRef idx="minor">
+            <a:schemeClr val="tx1"/>
+          </a:fontRef>
+        </p:style>
+      </p:cxnSp>
+      <p:sp>
+        <p:nvSpPr>
+          <p:cNvPr id="18" name="Oval 17"/>
+          <p:cNvSpPr/>
+          <p:nvPr/>
+        </p:nvSpPr>
+        <p:spPr>
+          <a:xfrm>
+            <a:off x="7467600" y="2133600"/>
+            <a:ext cx="914400" cy="762000"/>
+          </a:xfrm>
+          <a:prstGeom prst="ellipse">
+            <a:avLst/>
+          </a:prstGeom>
+          <a:noFill/>
+          <a:ln>
+            <a:solidFill>
+              <a:srgbClr val="87FFA6"/>
+            </a:solidFill>
+          </a:ln>
+        </p:spPr>
+        <p:style>
+          <a:lnRef idx="2">
+            <a:schemeClr val="accent1">
+              <a:shade val="50000"/>
+            </a:schemeClr>
+          </a:lnRef>
+          <a:fillRef idx="1">
+            <a:schemeClr val="accent1"/>
+          </a:fillRef>
+          <a:effectRef idx="0">
+            <a:schemeClr val="accent1"/>
+          </a:effectRef>
+          <a:fontRef idx="minor">
+            <a:schemeClr val="lt1"/>
+          </a:fontRef>
+        </p:style>
+        <p:txBody>
+          <a:bodyPr rtlCol="0" anchor="ctr"/>
+          <a:lstStyle/>
+          <a:p>
+            <a:pPr algn="ctr"/>
+            <a:endParaRPr lang="en-US"/>
+          </a:p>
+        </p:txBody>
+      </p:sp>
+      <p:cxnSp>
+        <p:nvCxnSpPr>
+          <p:cNvPr id="19" name="Shape 18"/>
+          <p:cNvCxnSpPr/>
+          <p:nvPr/>
+        </p:nvCxnSpPr>
+        <p:spPr>
+          <a:xfrm rot="5400000">
+            <a:off x="7124700" y="3162300"/>
+            <a:ext cx="1828800" cy="685800"/>
+          </a:xfrm>
+          <a:prstGeom prst="bentConnector3">
+            <a:avLst>
+              <a:gd name="adj1" fmla="val 60748"/>
+            </a:avLst>
+          </a:prstGeom>
+          <a:ln w="28575">
+            <a:solidFill>
+              <a:srgbClr val="87FFA6"/>
+            </a:solidFill>
+            <a:tailEnd type="arrow"/>
+          </a:ln>
+        </p:spPr>
+        <p:style>
+          <a:lnRef idx="1">
+            <a:schemeClr val="accent1"/>
+          </a:lnRef>
+          <a:fillRef idx="0">
+            <a:schemeClr val="accent1"/>
+          </a:fillRef>
+          <a:effectRef idx="0">
+            <a:schemeClr val="accent1"/>
+          </a:effectRef>
+          <a:fontRef idx="minor">
+            <a:schemeClr val="tx1"/>
+          </a:fontRef>
+        </p:style>
+      </p:cxnSp>
+      <p:cxnSp>
+        <p:nvCxnSpPr>
+          <p:cNvPr id="22" name="Shape 18"/>
+          <p:cNvCxnSpPr/>
+          <p:nvPr/>
+        </p:nvCxnSpPr>
+        <p:spPr>
+          <a:xfrm rot="5400000">
+            <a:off x="6210300" y="3771900"/>
+            <a:ext cx="1828800" cy="685800"/>
+          </a:xfrm>
+          <a:prstGeom prst="bentConnector3">
+            <a:avLst>
+              <a:gd name="adj1" fmla="val 82243"/>
+            </a:avLst>
+          </a:prstGeom>
+          <a:ln w="28575">
+            <a:solidFill>
+              <a:srgbClr val="E8386A"/>
+            </a:solidFill>
+            <a:tailEnd type="arrow"/>
+          </a:ln>
+        </p:spPr>
+        <p:style>
+          <a:lnRef idx="1">
+            <a:schemeClr val="accent1"/>
+          </a:lnRef>
+          <a:fillRef idx="0">
+            <a:schemeClr val="accent1"/>
+          </a:fillRef>
+          <a:effectRef idx="0">
+            <a:schemeClr val="accent1"/>
+          </a:effectRef>
+          <a:fontRef idx="minor">
+            <a:schemeClr val="tx1"/>
+          </a:fontRef>
+        </p:style>
+      </p:cxnSp>
+      <p:sp>
+        <p:nvSpPr>
+          <p:cNvPr id="24" name="Oval 23"/>
+          <p:cNvSpPr/>
+          <p:nvPr/>
+        </p:nvSpPr>
+        <p:spPr>
+          <a:xfrm>
+            <a:off x="7467600" y="2743200"/>
+            <a:ext cx="914400" cy="762000"/>
+          </a:xfrm>
+          <a:prstGeom prst="ellipse">
+            <a:avLst/>
+          </a:prstGeom>
+          <a:noFill/>
+          <a:ln>
+            <a:solidFill>
+              <a:srgbClr val="E8386A"/>
+            </a:solidFill>
+          </a:ln>
+        </p:spPr>
+        <p:style>
+          <a:lnRef idx="2">
+            <a:schemeClr val="accent1">
+              <a:shade val="50000"/>
+            </a:schemeClr>
+          </a:lnRef>
+          <a:fillRef idx="1">
+            <a:schemeClr val="accent1"/>
+          </a:fillRef>
+          <a:effectRef idx="0">
+            <a:schemeClr val="accent1"/>
+          </a:effectRef>
+          <a:fontRef idx="minor">
+            <a:schemeClr val="lt1"/>
+          </a:fontRef>
+        </p:style>
+        <p:txBody>
+          <a:bodyPr rtlCol="0" anchor="ctr"/>
+          <a:lstStyle/>
+          <a:p>
+            <a:pPr algn="ctr"/>
+            <a:endParaRPr lang="en-US"/>
+          </a:p>
+        </p:txBody>
+      </p:sp>
+      <p:sp>
+        <p:nvSpPr>
+          <p:cNvPr id="26" name="TextBox 25"/>
+          <p:cNvSpPr txBox="1"/>
+          <p:nvPr/>
+        </p:nvSpPr>
+        <p:spPr>
+          <a:xfrm>
+            <a:off x="4572000" y="3962401"/>
+            <a:ext cx="2667000" cy="369332"/>
+          </a:xfrm>
+          <a:prstGeom prst="rect">
+            <a:avLst/>
+          </a:prstGeom>
+          <a:noFill/>
+        </p:spPr>
+        <p:txBody>
+          <a:bodyPr wrap="square" rtlCol="0">
+            <a:spAutoFit/>
           </a:bodyPr>
           <a:lstStyle/>
           <a:p>
             <a:r>
-              <a:rPr lang="en-US" dirty="0" smtClean="0"/>
-              <a:t>Create, Send and Receive Messages</a:t>
-            </a:r>
-          </a:p>
-          <a:p>
-            <a:r>
-              <a:rPr lang="en-US" dirty="0" smtClean="0"/>
-              <a:t>Auto-create, view and manage conversations</a:t>
-            </a:r>
-          </a:p>
-          <a:p>
-            <a:r>
-              <a:rPr lang="en-US" dirty="0" smtClean="0"/>
-              <a:t>Contact Information tie in to Messages using Phone’s Contacts</a:t>
-            </a:r>
-          </a:p>
-          <a:p>
-            <a:r>
-              <a:rPr lang="en-US" dirty="0" smtClean="0"/>
-              <a:t>Extra Features:</a:t>
-            </a:r>
-          </a:p>
-          <a:p>
-            <a:pPr lvl="1"/>
-            <a:r>
-              <a:rPr lang="en-US" dirty="0" smtClean="0"/>
-              <a:t>Zoom in and out of Message View and Conversation View</a:t>
-            </a:r>
-          </a:p>
-          <a:p>
-            <a:pPr lvl="1"/>
-            <a:r>
-              <a:rPr lang="en-US" dirty="0" smtClean="0"/>
-              <a:t>Search Conversations for a message with user specified contact or search string</a:t>
-            </a:r>
-          </a:p>
-          <a:p>
-            <a:pPr lvl="1"/>
-            <a:endParaRPr lang="en-US" dirty="0" smtClean="0"/>
-          </a:p>
-          <a:p>
-            <a:endParaRPr lang="en-US" dirty="0"/>
+              <a:rPr lang="en-US" dirty="0" smtClean="0">
+                <a:solidFill>
+                  <a:srgbClr val="7030A0"/>
+                </a:solidFill>
+              </a:rPr>
+              <a:t>The Message Location</a:t>
+            </a:r>
+            <a:endParaRPr lang="en-US" dirty="0">
+              <a:solidFill>
+                <a:srgbClr val="7030A0"/>
+              </a:solidFill>
+            </a:endParaRPr>
+          </a:p>
+        </p:txBody>
+      </p:sp>
+      <p:sp>
+        <p:nvSpPr>
+          <p:cNvPr id="28" name="TextBox 27"/>
+          <p:cNvSpPr txBox="1"/>
+          <p:nvPr/>
+        </p:nvSpPr>
+        <p:spPr>
+          <a:xfrm>
+            <a:off x="4191000" y="4419600"/>
+            <a:ext cx="1143000" cy="1200329"/>
+          </a:xfrm>
+          <a:prstGeom prst="rect">
+            <a:avLst/>
+          </a:prstGeom>
+          <a:noFill/>
+        </p:spPr>
+        <p:txBody>
+          <a:bodyPr wrap="square" rtlCol="0">
+            <a:spAutoFit/>
+          </a:bodyPr>
+          <a:lstStyle/>
+          <a:p>
+            <a:r>
+              <a:rPr lang="en-US" dirty="0" smtClean="0">
+                <a:solidFill>
+                  <a:srgbClr val="00B0F0"/>
+                </a:solidFill>
+              </a:rPr>
+              <a:t>The Receiver of the Message</a:t>
+            </a:r>
+            <a:endParaRPr lang="en-US" dirty="0">
+              <a:solidFill>
+                <a:srgbClr val="00B0F0"/>
+              </a:solidFill>
+            </a:endParaRPr>
+          </a:p>
+        </p:txBody>
+      </p:sp>
+      <p:sp>
+        <p:nvSpPr>
+          <p:cNvPr id="29" name="TextBox 28"/>
+          <p:cNvSpPr txBox="1"/>
+          <p:nvPr/>
+        </p:nvSpPr>
+        <p:spPr>
+          <a:xfrm>
+            <a:off x="5943600" y="5105400"/>
+            <a:ext cx="1693092" cy="369332"/>
+          </a:xfrm>
+          <a:prstGeom prst="rect">
+            <a:avLst/>
+          </a:prstGeom>
+          <a:noFill/>
+        </p:spPr>
+        <p:txBody>
+          <a:bodyPr wrap="none" rtlCol="0">
+            <a:spAutoFit/>
+          </a:bodyPr>
+          <a:lstStyle/>
+          <a:p>
+            <a:r>
+              <a:rPr lang="en-US" dirty="0" smtClean="0">
+                <a:solidFill>
+                  <a:srgbClr val="E8386A"/>
+                </a:solidFill>
+              </a:rPr>
+              <a:t>Send Message!</a:t>
+            </a:r>
+            <a:endParaRPr lang="en-US" dirty="0">
+              <a:solidFill>
+                <a:srgbClr val="E8386A"/>
+              </a:solidFill>
+            </a:endParaRPr>
+          </a:p>
+        </p:txBody>
+      </p:sp>
+      <p:sp>
+        <p:nvSpPr>
+          <p:cNvPr id="30" name="TextBox 29"/>
+          <p:cNvSpPr txBox="1"/>
+          <p:nvPr/>
+        </p:nvSpPr>
+        <p:spPr>
+          <a:xfrm>
+            <a:off x="7696200" y="4495800"/>
+            <a:ext cx="1066800" cy="646331"/>
+          </a:xfrm>
+          <a:prstGeom prst="rect">
+            <a:avLst/>
+          </a:prstGeom>
+          <a:noFill/>
+        </p:spPr>
+        <p:txBody>
+          <a:bodyPr wrap="square" rtlCol="0">
+            <a:spAutoFit/>
+          </a:bodyPr>
+          <a:lstStyle/>
+          <a:p>
+            <a:r>
+              <a:rPr lang="en-US" dirty="0" smtClean="0">
+                <a:solidFill>
+                  <a:srgbClr val="87FFA6"/>
+                </a:solidFill>
+              </a:rPr>
+              <a:t>Add Contact</a:t>
+            </a:r>
+            <a:endParaRPr lang="en-US" dirty="0">
+              <a:solidFill>
+                <a:srgbClr val="87FFA6"/>
+              </a:solidFill>
+            </a:endParaRPr>
           </a:p>
         </p:txBody>
       </p:sp>
     </p:spTree>
     <p:extLst>
       <p:ext uri="{BB962C8B-B14F-4D97-AF65-F5344CB8AC3E}">
-        <p14:creationId xmlns:p14="http://schemas.microsoft.com/office/powerpoint/2010/main" val="2306207315"/>
+        <p14:creationId xmlns:p14="http://schemas.microsoft.com/office/powerpoint/2010/main" val="568289539"/>
       </p:ext>
     </p:extLst>
   </p:cSld>
@@ -5197,36 +9566,40 @@
               <a:rPr lang="en-US" dirty="0" smtClean="0"/>
             </a:br>
             <a:r>
-              <a:rPr lang="en-US" dirty="0" smtClean="0"/>
-              <a:t>Send And Receive Messages</a:t>
-            </a:r>
-            <a:endParaRPr lang="en-US" dirty="0"/>
-          </a:p>
-        </p:txBody>
-      </p:sp>
-      <p:sp>
-        <p:nvSpPr>
-          <p:cNvPr id="3" name="Content Placeholder 2"/>
-          <p:cNvSpPr>
-            <a:spLocks noGrp="1"/>
-          </p:cNvSpPr>
+              <a:rPr lang="en-US" i="1" dirty="0" smtClean="0"/>
+              <a:t>Conversation View</a:t>
+            </a:r>
+            <a:endParaRPr lang="en-US" i="1" dirty="0"/>
+          </a:p>
+        </p:txBody>
+      </p:sp>
+      <p:pic>
+        <p:nvPicPr>
+          <p:cNvPr id="4" name="Content Placeholder 3" descr="Conversation_screen.PNG"/>
+          <p:cNvPicPr>
+            <a:picLocks noGrp="1" noChangeAspect="1"/>
+          </p:cNvPicPr>
           <p:nvPr>
             <p:ph idx="1"/>
           </p:nvPr>
-        </p:nvSpPr>
-        <p:spPr/>
-        <p:txBody>
-          <a:bodyPr/>
-          <a:lstStyle/>
-          <a:p>
-            <a:endParaRPr lang="en-US" dirty="0"/>
-          </a:p>
-        </p:txBody>
-      </p:sp>
+        </p:nvPicPr>
+        <p:blipFill>
+          <a:blip r:embed="rId2" cstate="print"/>
+          <a:stretch>
+            <a:fillRect/>
+          </a:stretch>
+        </p:blipFill>
+        <p:spPr>
+          <a:xfrm>
+            <a:off x="3157685" y="1600200"/>
+            <a:ext cx="2828629" cy="4708525"/>
+          </a:xfrm>
+        </p:spPr>
+      </p:pic>
     </p:spTree>
     <p:extLst>
       <p:ext uri="{BB962C8B-B14F-4D97-AF65-F5344CB8AC3E}">
-        <p14:creationId xmlns:p14="http://schemas.microsoft.com/office/powerpoint/2010/main" val="568289539"/>
+        <p14:creationId xmlns:p14="http://schemas.microsoft.com/office/powerpoint/2010/main" val="3070486890"/>
       </p:ext>
     </p:extLst>
   </p:cSld>
@@ -5289,10 +9662,10 @@
               <a:rPr lang="en-US" dirty="0" smtClean="0"/>
             </a:br>
             <a:r>
-              <a:rPr lang="en-US" dirty="0" smtClean="0"/>
-              <a:t>Conversation View</a:t>
-            </a:r>
-            <a:endParaRPr lang="en-US" dirty="0"/>
+              <a:rPr lang="en-US" i="1" dirty="0" smtClean="0"/>
+              <a:t>Contact Info Tie In</a:t>
+            </a:r>
+            <a:endParaRPr lang="en-US" i="1" dirty="0"/>
           </a:p>
         </p:txBody>
       </p:sp>
@@ -5381,10 +9754,10 @@
               <a:rPr lang="en-US" dirty="0" smtClean="0"/>
             </a:br>
             <a:r>
-              <a:rPr lang="en-US" dirty="0" smtClean="0"/>
-              <a:t>Contact Info Tie In</a:t>
-            </a:r>
-            <a:endParaRPr lang="en-US" dirty="0"/>
+              <a:rPr lang="en-US" i="1" dirty="0" smtClean="0"/>
+              <a:t>Zoom!</a:t>
+            </a:r>
+            <a:endParaRPr lang="en-US" i="1" dirty="0"/>
           </a:p>
         </p:txBody>
       </p:sp>
@@ -5473,32 +9846,36 @@
               <a:rPr lang="en-US" dirty="0" smtClean="0"/>
             </a:br>
             <a:r>
-              <a:rPr lang="en-US" dirty="0" smtClean="0"/>
-              <a:t>Zoom!</a:t>
-            </a:r>
-            <a:endParaRPr lang="en-US" dirty="0"/>
-          </a:p>
-        </p:txBody>
-      </p:sp>
-      <p:sp>
-        <p:nvSpPr>
-          <p:cNvPr id="3" name="Content Placeholder 2"/>
-          <p:cNvSpPr>
-            <a:spLocks noGrp="1"/>
-          </p:cNvSpPr>
+              <a:rPr lang="en-US" i="1" dirty="0" smtClean="0"/>
+              <a:t>Search Messages!</a:t>
+            </a:r>
+            <a:endParaRPr lang="en-US" i="1" dirty="0"/>
+          </a:p>
+        </p:txBody>
+      </p:sp>
+      <p:pic>
+        <p:nvPicPr>
+          <p:cNvPr id="4" name="Content Placeholder 3" descr="Search_Screen.PNG"/>
+          <p:cNvPicPr>
+            <a:picLocks noGrp="1" noChangeAspect="1"/>
+          </p:cNvPicPr>
           <p:nvPr>
             <p:ph idx="1"/>
           </p:nvPr>
-        </p:nvSpPr>
-        <p:spPr/>
-        <p:txBody>
-          <a:bodyPr/>
-          <a:lstStyle/>
-          <a:p>
-            <a:endParaRPr lang="en-US" dirty="0"/>
-          </a:p>
-        </p:txBody>
-      </p:sp>
+        </p:nvPicPr>
+        <p:blipFill>
+          <a:blip r:embed="rId2" cstate="print"/>
+          <a:stretch>
+            <a:fillRect/>
+          </a:stretch>
+        </p:blipFill>
+        <p:spPr>
+          <a:xfrm>
+            <a:off x="3151223" y="1600200"/>
+            <a:ext cx="2841554" cy="4708525"/>
+          </a:xfrm>
+        </p:spPr>
+      </p:pic>
     </p:spTree>
     <p:extLst>
       <p:ext uri="{BB962C8B-B14F-4D97-AF65-F5344CB8AC3E}">

--- a/Documents/Presentation/CS5103 SMS MSGR .pptx
+++ b/Documents/Presentation/CS5103 SMS MSGR .pptx
@@ -25,8 +25,11 @@
     <p:sldId id="281" r:id="rId19"/>
     <p:sldId id="269" r:id="rId20"/>
     <p:sldId id="271" r:id="rId21"/>
-    <p:sldId id="288" r:id="rId22"/>
-    <p:sldId id="283" r:id="rId23"/>
+    <p:sldId id="289" r:id="rId22"/>
+    <p:sldId id="290" r:id="rId23"/>
+    <p:sldId id="291" r:id="rId24"/>
+    <p:sldId id="288" r:id="rId25"/>
+    <p:sldId id="283" r:id="rId26"/>
   </p:sldIdLst>
   <p:sldSz cx="9144000" cy="6858000" type="screen4x3"/>
   <p:notesSz cx="6858000" cy="9144000"/>
@@ -7134,6 +7137,12 @@
               <a:rPr lang="en-US" dirty="0" smtClean="0"/>
               <a:t>logic</a:t>
             </a:r>
+          </a:p>
+          <a:p>
+            <a:r>
+              <a:rPr lang="en-US" dirty="0" smtClean="0"/>
+              <a:t>Styling in Android</a:t>
+            </a:r>
             <a:endParaRPr lang="en-US" dirty="0" smtClean="0"/>
           </a:p>
           <a:p>
@@ -7611,6 +7620,13 @@
   <p:clrMapOvr>
     <a:masterClrMapping/>
   </p:clrMapOvr>
+  <p:timing>
+    <p:tnLst>
+      <p:par>
+        <p:cTn id="1" dur="indefinite" restart="never" nodeType="tmRoot"/>
+      </p:par>
+    </p:tnLst>
+  </p:timing>
 </p:sld>
 </file>
 
@@ -8080,10 +8096,10 @@
               <a:rPr lang="en-US" dirty="0" smtClean="0"/>
             </a:br>
             <a:r>
-              <a:rPr lang="en-US" i="1" dirty="0" smtClean="0"/>
-              <a:t>Testing</a:t>
-            </a:r>
-            <a:endParaRPr lang="en-US" i="1" dirty="0"/>
+              <a:rPr lang="en-US" sz="3600" i="1" dirty="0" smtClean="0"/>
+              <a:t>Unit Testing</a:t>
+            </a:r>
+            <a:endParaRPr lang="en-US" sz="3600" i="1" dirty="0"/>
           </a:p>
         </p:txBody>
       </p:sp>
@@ -8213,10 +8229,10 @@
               <a:rPr lang="en-US" dirty="0" smtClean="0"/>
             </a:br>
             <a:r>
-              <a:rPr lang="en-US" i="1" dirty="0" smtClean="0"/>
-              <a:t>Testing</a:t>
-            </a:r>
-            <a:endParaRPr lang="en-US" dirty="0"/>
+              <a:rPr lang="en-US" sz="3600" i="1" dirty="0" smtClean="0"/>
+              <a:t>Unit Testing</a:t>
+            </a:r>
+            <a:endParaRPr lang="en-US" sz="3600" i="1" dirty="0"/>
           </a:p>
         </p:txBody>
       </p:sp>
@@ -8450,18 +8466,22 @@
               <a:rPr lang="en-US" dirty="0"/>
             </a:br>
             <a:r>
-              <a:rPr lang="en-US" i="1" dirty="0" smtClean="0"/>
-              <a:t>Testing(</a:t>
-            </a:r>
-            <a:r>
-              <a:rPr lang="en-US" i="1" dirty="0" err="1" smtClean="0"/>
+              <a:rPr lang="en-US" sz="3600" i="1" dirty="0" smtClean="0"/>
+              <a:t>Unit Testing(</a:t>
+            </a:r>
+            <a:r>
+              <a:rPr lang="en-US" sz="3600" i="1" dirty="0" err="1" smtClean="0"/>
               <a:t>JUnit</a:t>
             </a:r>
             <a:r>
-              <a:rPr lang="en-US" i="1" dirty="0" smtClean="0"/>
-              <a:t> example)</a:t>
-            </a:r>
-            <a:endParaRPr lang="en-US" dirty="0"/>
+              <a:rPr lang="en-US" sz="3600" i="1" dirty="0" smtClean="0"/>
+              <a:t> </a:t>
+            </a:r>
+            <a:r>
+              <a:rPr lang="en-US" sz="3600" i="1" dirty="0" smtClean="0"/>
+              <a:t>example)</a:t>
+            </a:r>
+            <a:endParaRPr lang="en-US" sz="3600" i="1" dirty="0"/>
           </a:p>
         </p:txBody>
       </p:sp>
@@ -8543,6 +8563,1826 @@
         </p:nvSpPr>
         <p:spPr/>
         <p:txBody>
+          <a:bodyPr>
+            <a:normAutofit fontScale="90000"/>
+          </a:bodyPr>
+          <a:lstStyle/>
+          <a:p>
+            <a:r>
+              <a:rPr lang="en-US" dirty="0" smtClean="0"/>
+              <a:t>Challenges along the way</a:t>
+            </a:r>
+            <a:br>
+              <a:rPr lang="en-US" dirty="0" smtClean="0"/>
+            </a:br>
+            <a:r>
+              <a:rPr lang="en-US" sz="3600" i="1" dirty="0" smtClean="0"/>
+              <a:t>Test Cases</a:t>
+            </a:r>
+            <a:endParaRPr lang="en-US" sz="3600" i="1" dirty="0"/>
+          </a:p>
+        </p:txBody>
+      </p:sp>
+      <p:sp>
+        <p:nvSpPr>
+          <p:cNvPr id="3" name="Content Placeholder 2"/>
+          <p:cNvSpPr>
+            <a:spLocks noGrp="1"/>
+          </p:cNvSpPr>
+          <p:nvPr>
+            <p:ph idx="1"/>
+          </p:nvPr>
+        </p:nvSpPr>
+        <p:spPr/>
+        <p:txBody>
+          <a:bodyPr/>
+          <a:lstStyle/>
+          <a:p>
+            <a:endParaRPr lang="en-US" dirty="0"/>
+          </a:p>
+        </p:txBody>
+      </p:sp>
+      <p:pic>
+        <p:nvPicPr>
+          <p:cNvPr id="4" name="Picture 3"/>
+          <p:cNvPicPr>
+            <a:picLocks noChangeAspect="1"/>
+          </p:cNvPicPr>
+          <p:nvPr/>
+        </p:nvPicPr>
+        <p:blipFill>
+          <a:blip r:embed="rId2">
+            <a:extLst>
+              <a:ext uri="{28A0092B-C50C-407E-A947-70E740481C1C}">
+                <a14:useLocalDpi xmlns:a14="http://schemas.microsoft.com/office/drawing/2010/main" val="0"/>
+              </a:ext>
+            </a:extLst>
+          </a:blip>
+          <a:stretch>
+            <a:fillRect/>
+          </a:stretch>
+        </p:blipFill>
+        <p:spPr>
+          <a:xfrm>
+            <a:off x="5838389" y="2111854"/>
+            <a:ext cx="2435707" cy="1800590"/>
+          </a:xfrm>
+          <a:prstGeom prst="rect">
+            <a:avLst/>
+          </a:prstGeom>
+        </p:spPr>
+      </p:pic>
+      <p:sp>
+        <p:nvSpPr>
+          <p:cNvPr id="5" name="Subtitle 2"/>
+          <p:cNvSpPr txBox="1">
+            <a:spLocks/>
+          </p:cNvSpPr>
+          <p:nvPr/>
+        </p:nvSpPr>
+        <p:spPr>
+          <a:xfrm>
+            <a:off x="3729007" y="3241998"/>
+            <a:ext cx="1878243" cy="366759"/>
+          </a:xfrm>
+          <a:prstGeom prst="rect">
+            <a:avLst/>
+          </a:prstGeom>
+        </p:spPr>
+        <p:txBody>
+          <a:bodyPr vert="horz" lIns="91440" tIns="45720" rIns="91440" bIns="45720" rtlCol="0">
+            <a:normAutofit/>
+          </a:bodyPr>
+          <a:lstStyle>
+            <a:defPPr>
+              <a:defRPr lang="en-US"/>
+            </a:defPPr>
+            <a:lvl1pPr marL="0" algn="l" defTabSz="914400" rtl="0" eaLnBrk="1" latinLnBrk="0" hangingPunct="1">
+              <a:defRPr sz="1800" kern="1200">
+                <a:solidFill>
+                  <a:schemeClr val="tx1"/>
+                </a:solidFill>
+                <a:latin typeface="+mn-lt"/>
+                <a:ea typeface="+mn-ea"/>
+                <a:cs typeface="+mn-cs"/>
+              </a:defRPr>
+            </a:lvl1pPr>
+            <a:lvl2pPr marL="457200" algn="l" defTabSz="914400" rtl="0" eaLnBrk="1" latinLnBrk="0" hangingPunct="1">
+              <a:defRPr sz="1800" kern="1200">
+                <a:solidFill>
+                  <a:schemeClr val="tx1"/>
+                </a:solidFill>
+                <a:latin typeface="+mn-lt"/>
+                <a:ea typeface="+mn-ea"/>
+                <a:cs typeface="+mn-cs"/>
+              </a:defRPr>
+            </a:lvl2pPr>
+            <a:lvl3pPr marL="914400" algn="l" defTabSz="914400" rtl="0" eaLnBrk="1" latinLnBrk="0" hangingPunct="1">
+              <a:defRPr sz="1800" kern="1200">
+                <a:solidFill>
+                  <a:schemeClr val="tx1"/>
+                </a:solidFill>
+                <a:latin typeface="+mn-lt"/>
+                <a:ea typeface="+mn-ea"/>
+                <a:cs typeface="+mn-cs"/>
+              </a:defRPr>
+            </a:lvl3pPr>
+            <a:lvl4pPr marL="1371600" algn="l" defTabSz="914400" rtl="0" eaLnBrk="1" latinLnBrk="0" hangingPunct="1">
+              <a:defRPr sz="1800" kern="1200">
+                <a:solidFill>
+                  <a:schemeClr val="tx1"/>
+                </a:solidFill>
+                <a:latin typeface="+mn-lt"/>
+                <a:ea typeface="+mn-ea"/>
+                <a:cs typeface="+mn-cs"/>
+              </a:defRPr>
+            </a:lvl4pPr>
+            <a:lvl5pPr marL="1828800" algn="l" defTabSz="914400" rtl="0" eaLnBrk="1" latinLnBrk="0" hangingPunct="1">
+              <a:defRPr sz="1800" kern="1200">
+                <a:solidFill>
+                  <a:schemeClr val="tx1"/>
+                </a:solidFill>
+                <a:latin typeface="+mn-lt"/>
+                <a:ea typeface="+mn-ea"/>
+                <a:cs typeface="+mn-cs"/>
+              </a:defRPr>
+            </a:lvl5pPr>
+            <a:lvl6pPr marL="2286000" algn="l" defTabSz="914400" rtl="0" eaLnBrk="1" latinLnBrk="0" hangingPunct="1">
+              <a:defRPr sz="1800" kern="1200">
+                <a:solidFill>
+                  <a:schemeClr val="tx1"/>
+                </a:solidFill>
+                <a:latin typeface="+mn-lt"/>
+                <a:ea typeface="+mn-ea"/>
+                <a:cs typeface="+mn-cs"/>
+              </a:defRPr>
+            </a:lvl6pPr>
+            <a:lvl7pPr marL="2743200" algn="l" defTabSz="914400" rtl="0" eaLnBrk="1" latinLnBrk="0" hangingPunct="1">
+              <a:defRPr sz="1800" kern="1200">
+                <a:solidFill>
+                  <a:schemeClr val="tx1"/>
+                </a:solidFill>
+                <a:latin typeface="+mn-lt"/>
+                <a:ea typeface="+mn-ea"/>
+                <a:cs typeface="+mn-cs"/>
+              </a:defRPr>
+            </a:lvl7pPr>
+            <a:lvl8pPr marL="3200400" algn="l" defTabSz="914400" rtl="0" eaLnBrk="1" latinLnBrk="0" hangingPunct="1">
+              <a:defRPr sz="1800" kern="1200">
+                <a:solidFill>
+                  <a:schemeClr val="tx1"/>
+                </a:solidFill>
+                <a:latin typeface="+mn-lt"/>
+                <a:ea typeface="+mn-ea"/>
+                <a:cs typeface="+mn-cs"/>
+              </a:defRPr>
+            </a:lvl8pPr>
+            <a:lvl9pPr marL="3657600" algn="l" defTabSz="914400" rtl="0" eaLnBrk="1" latinLnBrk="0" hangingPunct="1">
+              <a:defRPr sz="1800" kern="1200">
+                <a:solidFill>
+                  <a:schemeClr val="tx1"/>
+                </a:solidFill>
+                <a:latin typeface="+mn-lt"/>
+                <a:ea typeface="+mn-ea"/>
+                <a:cs typeface="+mn-cs"/>
+              </a:defRPr>
+            </a:lvl9pPr>
+          </a:lstStyle>
+          <a:p>
+            <a:r>
+              <a:rPr lang="en-US" b="1" dirty="0" smtClean="0">
+                <a:solidFill>
+                  <a:schemeClr val="tx1"/>
+                </a:solidFill>
+              </a:rPr>
+              <a:t>Message</a:t>
+            </a:r>
+            <a:endParaRPr lang="en-US" b="1" dirty="0">
+              <a:solidFill>
+                <a:schemeClr val="tx1"/>
+              </a:solidFill>
+            </a:endParaRPr>
+          </a:p>
+        </p:txBody>
+      </p:sp>
+      <p:pic>
+        <p:nvPicPr>
+          <p:cNvPr id="6" name="Picture 5"/>
+          <p:cNvPicPr>
+            <a:picLocks noChangeAspect="1"/>
+          </p:cNvPicPr>
+          <p:nvPr/>
+        </p:nvPicPr>
+        <p:blipFill>
+          <a:blip r:embed="rId3">
+            <a:extLst>
+              <a:ext uri="{28A0092B-C50C-407E-A947-70E740481C1C}">
+                <a14:useLocalDpi xmlns:a14="http://schemas.microsoft.com/office/drawing/2010/main" val="0"/>
+              </a:ext>
+            </a:extLst>
+          </a:blip>
+          <a:stretch>
+            <a:fillRect/>
+          </a:stretch>
+        </p:blipFill>
+        <p:spPr>
+          <a:xfrm>
+            <a:off x="3974490" y="3608757"/>
+            <a:ext cx="633781" cy="607373"/>
+          </a:xfrm>
+          <a:prstGeom prst="rect">
+            <a:avLst/>
+          </a:prstGeom>
+        </p:spPr>
+      </p:pic>
+      <p:sp>
+        <p:nvSpPr>
+          <p:cNvPr id="7" name="Subtitle 2"/>
+          <p:cNvSpPr txBox="1">
+            <a:spLocks/>
+          </p:cNvSpPr>
+          <p:nvPr/>
+        </p:nvSpPr>
+        <p:spPr>
+          <a:xfrm>
+            <a:off x="1625464" y="1896524"/>
+            <a:ext cx="1475763" cy="244506"/>
+          </a:xfrm>
+          <a:prstGeom prst="rect">
+            <a:avLst/>
+          </a:prstGeom>
+        </p:spPr>
+        <p:txBody>
+          <a:bodyPr vert="horz" lIns="91440" tIns="45720" rIns="91440" bIns="45720" rtlCol="0">
+            <a:noAutofit/>
+          </a:bodyPr>
+          <a:lstStyle>
+            <a:defPPr>
+              <a:defRPr lang="en-US"/>
+            </a:defPPr>
+            <a:lvl1pPr marL="0" algn="l" defTabSz="914400" rtl="0" eaLnBrk="1" latinLnBrk="0" hangingPunct="1">
+              <a:defRPr sz="1800" kern="1200">
+                <a:solidFill>
+                  <a:schemeClr val="tx1"/>
+                </a:solidFill>
+                <a:latin typeface="+mn-lt"/>
+                <a:ea typeface="+mn-ea"/>
+                <a:cs typeface="+mn-cs"/>
+              </a:defRPr>
+            </a:lvl1pPr>
+            <a:lvl2pPr marL="457200" algn="l" defTabSz="914400" rtl="0" eaLnBrk="1" latinLnBrk="0" hangingPunct="1">
+              <a:defRPr sz="1800" kern="1200">
+                <a:solidFill>
+                  <a:schemeClr val="tx1"/>
+                </a:solidFill>
+                <a:latin typeface="+mn-lt"/>
+                <a:ea typeface="+mn-ea"/>
+                <a:cs typeface="+mn-cs"/>
+              </a:defRPr>
+            </a:lvl2pPr>
+            <a:lvl3pPr marL="914400" algn="l" defTabSz="914400" rtl="0" eaLnBrk="1" latinLnBrk="0" hangingPunct="1">
+              <a:defRPr sz="1800" kern="1200">
+                <a:solidFill>
+                  <a:schemeClr val="tx1"/>
+                </a:solidFill>
+                <a:latin typeface="+mn-lt"/>
+                <a:ea typeface="+mn-ea"/>
+                <a:cs typeface="+mn-cs"/>
+              </a:defRPr>
+            </a:lvl3pPr>
+            <a:lvl4pPr marL="1371600" algn="l" defTabSz="914400" rtl="0" eaLnBrk="1" latinLnBrk="0" hangingPunct="1">
+              <a:defRPr sz="1800" kern="1200">
+                <a:solidFill>
+                  <a:schemeClr val="tx1"/>
+                </a:solidFill>
+                <a:latin typeface="+mn-lt"/>
+                <a:ea typeface="+mn-ea"/>
+                <a:cs typeface="+mn-cs"/>
+              </a:defRPr>
+            </a:lvl4pPr>
+            <a:lvl5pPr marL="1828800" algn="l" defTabSz="914400" rtl="0" eaLnBrk="1" latinLnBrk="0" hangingPunct="1">
+              <a:defRPr sz="1800" kern="1200">
+                <a:solidFill>
+                  <a:schemeClr val="tx1"/>
+                </a:solidFill>
+                <a:latin typeface="+mn-lt"/>
+                <a:ea typeface="+mn-ea"/>
+                <a:cs typeface="+mn-cs"/>
+              </a:defRPr>
+            </a:lvl5pPr>
+            <a:lvl6pPr marL="2286000" algn="l" defTabSz="914400" rtl="0" eaLnBrk="1" latinLnBrk="0" hangingPunct="1">
+              <a:defRPr sz="1800" kern="1200">
+                <a:solidFill>
+                  <a:schemeClr val="tx1"/>
+                </a:solidFill>
+                <a:latin typeface="+mn-lt"/>
+                <a:ea typeface="+mn-ea"/>
+                <a:cs typeface="+mn-cs"/>
+              </a:defRPr>
+            </a:lvl6pPr>
+            <a:lvl7pPr marL="2743200" algn="l" defTabSz="914400" rtl="0" eaLnBrk="1" latinLnBrk="0" hangingPunct="1">
+              <a:defRPr sz="1800" kern="1200">
+                <a:solidFill>
+                  <a:schemeClr val="tx1"/>
+                </a:solidFill>
+                <a:latin typeface="+mn-lt"/>
+                <a:ea typeface="+mn-ea"/>
+                <a:cs typeface="+mn-cs"/>
+              </a:defRPr>
+            </a:lvl7pPr>
+            <a:lvl8pPr marL="3200400" algn="l" defTabSz="914400" rtl="0" eaLnBrk="1" latinLnBrk="0" hangingPunct="1">
+              <a:defRPr sz="1800" kern="1200">
+                <a:solidFill>
+                  <a:schemeClr val="tx1"/>
+                </a:solidFill>
+                <a:latin typeface="+mn-lt"/>
+                <a:ea typeface="+mn-ea"/>
+                <a:cs typeface="+mn-cs"/>
+              </a:defRPr>
+            </a:lvl8pPr>
+            <a:lvl9pPr marL="3657600" algn="l" defTabSz="914400" rtl="0" eaLnBrk="1" latinLnBrk="0" hangingPunct="1">
+              <a:defRPr sz="1800" kern="1200">
+                <a:solidFill>
+                  <a:schemeClr val="tx1"/>
+                </a:solidFill>
+                <a:latin typeface="+mn-lt"/>
+                <a:ea typeface="+mn-ea"/>
+                <a:cs typeface="+mn-cs"/>
+              </a:defRPr>
+            </a:lvl9pPr>
+          </a:lstStyle>
+          <a:p>
+            <a:r>
+              <a:rPr lang="en-US" sz="1400" dirty="0" smtClean="0">
+                <a:solidFill>
+                  <a:schemeClr val="tx1"/>
+                </a:solidFill>
+              </a:rPr>
+              <a:t>Text message</a:t>
+            </a:r>
+            <a:endParaRPr lang="en-US" sz="1400" dirty="0">
+              <a:solidFill>
+                <a:schemeClr val="tx1"/>
+              </a:solidFill>
+            </a:endParaRPr>
+          </a:p>
+        </p:txBody>
+      </p:sp>
+      <p:sp>
+        <p:nvSpPr>
+          <p:cNvPr id="8" name="Right Arrow 7"/>
+          <p:cNvSpPr/>
+          <p:nvPr/>
+        </p:nvSpPr>
+        <p:spPr>
+          <a:xfrm rot="12747683">
+            <a:off x="2921917" y="3058618"/>
+            <a:ext cx="783936" cy="366759"/>
+          </a:xfrm>
+          <a:prstGeom prst="rightArrow">
+            <a:avLst/>
+          </a:prstGeom>
+          <a:ln/>
+          <a:effectLst>
+            <a:outerShdw blurRad="50800" dist="38100" dir="2700000" algn="tl" rotWithShape="0">
+              <a:prstClr val="black">
+                <a:alpha val="40000"/>
+              </a:prstClr>
+            </a:outerShdw>
+          </a:effectLst>
+        </p:spPr>
+        <p:style>
+          <a:lnRef idx="0">
+            <a:schemeClr val="accent6"/>
+          </a:lnRef>
+          <a:fillRef idx="3">
+            <a:schemeClr val="accent6"/>
+          </a:fillRef>
+          <a:effectRef idx="3">
+            <a:schemeClr val="accent6"/>
+          </a:effectRef>
+          <a:fontRef idx="minor">
+            <a:schemeClr val="lt1"/>
+          </a:fontRef>
+        </p:style>
+        <p:txBody>
+          <a:bodyPr rtlCol="0" anchor="ctr"/>
+          <a:lstStyle>
+            <a:defPPr>
+              <a:defRPr lang="en-US"/>
+            </a:defPPr>
+            <a:lvl1pPr marL="0" algn="l" defTabSz="914400" rtl="0" eaLnBrk="1" latinLnBrk="0" hangingPunct="1">
+              <a:defRPr sz="1800" kern="1200">
+                <a:solidFill>
+                  <a:schemeClr val="lt1"/>
+                </a:solidFill>
+                <a:latin typeface="+mn-lt"/>
+                <a:ea typeface="+mn-ea"/>
+                <a:cs typeface="+mn-cs"/>
+              </a:defRPr>
+            </a:lvl1pPr>
+            <a:lvl2pPr marL="457200" algn="l" defTabSz="914400" rtl="0" eaLnBrk="1" latinLnBrk="0" hangingPunct="1">
+              <a:defRPr sz="1800" kern="1200">
+                <a:solidFill>
+                  <a:schemeClr val="lt1"/>
+                </a:solidFill>
+                <a:latin typeface="+mn-lt"/>
+                <a:ea typeface="+mn-ea"/>
+                <a:cs typeface="+mn-cs"/>
+              </a:defRPr>
+            </a:lvl2pPr>
+            <a:lvl3pPr marL="914400" algn="l" defTabSz="914400" rtl="0" eaLnBrk="1" latinLnBrk="0" hangingPunct="1">
+              <a:defRPr sz="1800" kern="1200">
+                <a:solidFill>
+                  <a:schemeClr val="lt1"/>
+                </a:solidFill>
+                <a:latin typeface="+mn-lt"/>
+                <a:ea typeface="+mn-ea"/>
+                <a:cs typeface="+mn-cs"/>
+              </a:defRPr>
+            </a:lvl3pPr>
+            <a:lvl4pPr marL="1371600" algn="l" defTabSz="914400" rtl="0" eaLnBrk="1" latinLnBrk="0" hangingPunct="1">
+              <a:defRPr sz="1800" kern="1200">
+                <a:solidFill>
+                  <a:schemeClr val="lt1"/>
+                </a:solidFill>
+                <a:latin typeface="+mn-lt"/>
+                <a:ea typeface="+mn-ea"/>
+                <a:cs typeface="+mn-cs"/>
+              </a:defRPr>
+            </a:lvl4pPr>
+            <a:lvl5pPr marL="1828800" algn="l" defTabSz="914400" rtl="0" eaLnBrk="1" latinLnBrk="0" hangingPunct="1">
+              <a:defRPr sz="1800" kern="1200">
+                <a:solidFill>
+                  <a:schemeClr val="lt1"/>
+                </a:solidFill>
+                <a:latin typeface="+mn-lt"/>
+                <a:ea typeface="+mn-ea"/>
+                <a:cs typeface="+mn-cs"/>
+              </a:defRPr>
+            </a:lvl5pPr>
+            <a:lvl6pPr marL="2286000" algn="l" defTabSz="914400" rtl="0" eaLnBrk="1" latinLnBrk="0" hangingPunct="1">
+              <a:defRPr sz="1800" kern="1200">
+                <a:solidFill>
+                  <a:schemeClr val="lt1"/>
+                </a:solidFill>
+                <a:latin typeface="+mn-lt"/>
+                <a:ea typeface="+mn-ea"/>
+                <a:cs typeface="+mn-cs"/>
+              </a:defRPr>
+            </a:lvl6pPr>
+            <a:lvl7pPr marL="2743200" algn="l" defTabSz="914400" rtl="0" eaLnBrk="1" latinLnBrk="0" hangingPunct="1">
+              <a:defRPr sz="1800" kern="1200">
+                <a:solidFill>
+                  <a:schemeClr val="lt1"/>
+                </a:solidFill>
+                <a:latin typeface="+mn-lt"/>
+                <a:ea typeface="+mn-ea"/>
+                <a:cs typeface="+mn-cs"/>
+              </a:defRPr>
+            </a:lvl7pPr>
+            <a:lvl8pPr marL="3200400" algn="l" defTabSz="914400" rtl="0" eaLnBrk="1" latinLnBrk="0" hangingPunct="1">
+              <a:defRPr sz="1800" kern="1200">
+                <a:solidFill>
+                  <a:schemeClr val="lt1"/>
+                </a:solidFill>
+                <a:latin typeface="+mn-lt"/>
+                <a:ea typeface="+mn-ea"/>
+                <a:cs typeface="+mn-cs"/>
+              </a:defRPr>
+            </a:lvl8pPr>
+            <a:lvl9pPr marL="3657600" algn="l" defTabSz="914400" rtl="0" eaLnBrk="1" latinLnBrk="0" hangingPunct="1">
+              <a:defRPr sz="1800" kern="1200">
+                <a:solidFill>
+                  <a:schemeClr val="lt1"/>
+                </a:solidFill>
+                <a:latin typeface="+mn-lt"/>
+                <a:ea typeface="+mn-ea"/>
+                <a:cs typeface="+mn-cs"/>
+              </a:defRPr>
+            </a:lvl9pPr>
+          </a:lstStyle>
+          <a:p>
+            <a:pPr algn="ctr"/>
+            <a:endParaRPr lang="en-US"/>
+          </a:p>
+        </p:txBody>
+      </p:sp>
+      <p:sp>
+        <p:nvSpPr>
+          <p:cNvPr id="9" name="Subtitle 2"/>
+          <p:cNvSpPr txBox="1">
+            <a:spLocks/>
+          </p:cNvSpPr>
+          <p:nvPr/>
+        </p:nvSpPr>
+        <p:spPr>
+          <a:xfrm>
+            <a:off x="5651828" y="1710018"/>
+            <a:ext cx="1096003" cy="417443"/>
+          </a:xfrm>
+          <a:prstGeom prst="rect">
+            <a:avLst/>
+          </a:prstGeom>
+        </p:spPr>
+        <p:txBody>
+          <a:bodyPr vert="horz" lIns="91440" tIns="45720" rIns="91440" bIns="45720" rtlCol="0">
+            <a:normAutofit fontScale="62500" lnSpcReduction="20000"/>
+          </a:bodyPr>
+          <a:lstStyle>
+            <a:defPPr>
+              <a:defRPr lang="en-US"/>
+            </a:defPPr>
+            <a:lvl1pPr marL="0" algn="l" defTabSz="914400" rtl="0" eaLnBrk="1" latinLnBrk="0" hangingPunct="1">
+              <a:defRPr sz="1800" kern="1200">
+                <a:solidFill>
+                  <a:schemeClr val="tx1"/>
+                </a:solidFill>
+                <a:latin typeface="+mn-lt"/>
+                <a:ea typeface="+mn-ea"/>
+                <a:cs typeface="+mn-cs"/>
+              </a:defRPr>
+            </a:lvl1pPr>
+            <a:lvl2pPr marL="457200" algn="l" defTabSz="914400" rtl="0" eaLnBrk="1" latinLnBrk="0" hangingPunct="1">
+              <a:defRPr sz="1800" kern="1200">
+                <a:solidFill>
+                  <a:schemeClr val="tx1"/>
+                </a:solidFill>
+                <a:latin typeface="+mn-lt"/>
+                <a:ea typeface="+mn-ea"/>
+                <a:cs typeface="+mn-cs"/>
+              </a:defRPr>
+            </a:lvl2pPr>
+            <a:lvl3pPr marL="914400" algn="l" defTabSz="914400" rtl="0" eaLnBrk="1" latinLnBrk="0" hangingPunct="1">
+              <a:defRPr sz="1800" kern="1200">
+                <a:solidFill>
+                  <a:schemeClr val="tx1"/>
+                </a:solidFill>
+                <a:latin typeface="+mn-lt"/>
+                <a:ea typeface="+mn-ea"/>
+                <a:cs typeface="+mn-cs"/>
+              </a:defRPr>
+            </a:lvl3pPr>
+            <a:lvl4pPr marL="1371600" algn="l" defTabSz="914400" rtl="0" eaLnBrk="1" latinLnBrk="0" hangingPunct="1">
+              <a:defRPr sz="1800" kern="1200">
+                <a:solidFill>
+                  <a:schemeClr val="tx1"/>
+                </a:solidFill>
+                <a:latin typeface="+mn-lt"/>
+                <a:ea typeface="+mn-ea"/>
+                <a:cs typeface="+mn-cs"/>
+              </a:defRPr>
+            </a:lvl4pPr>
+            <a:lvl5pPr marL="1828800" algn="l" defTabSz="914400" rtl="0" eaLnBrk="1" latinLnBrk="0" hangingPunct="1">
+              <a:defRPr sz="1800" kern="1200">
+                <a:solidFill>
+                  <a:schemeClr val="tx1"/>
+                </a:solidFill>
+                <a:latin typeface="+mn-lt"/>
+                <a:ea typeface="+mn-ea"/>
+                <a:cs typeface="+mn-cs"/>
+              </a:defRPr>
+            </a:lvl5pPr>
+            <a:lvl6pPr marL="2286000" algn="l" defTabSz="914400" rtl="0" eaLnBrk="1" latinLnBrk="0" hangingPunct="1">
+              <a:defRPr sz="1800" kern="1200">
+                <a:solidFill>
+                  <a:schemeClr val="tx1"/>
+                </a:solidFill>
+                <a:latin typeface="+mn-lt"/>
+                <a:ea typeface="+mn-ea"/>
+                <a:cs typeface="+mn-cs"/>
+              </a:defRPr>
+            </a:lvl6pPr>
+            <a:lvl7pPr marL="2743200" algn="l" defTabSz="914400" rtl="0" eaLnBrk="1" latinLnBrk="0" hangingPunct="1">
+              <a:defRPr sz="1800" kern="1200">
+                <a:solidFill>
+                  <a:schemeClr val="tx1"/>
+                </a:solidFill>
+                <a:latin typeface="+mn-lt"/>
+                <a:ea typeface="+mn-ea"/>
+                <a:cs typeface="+mn-cs"/>
+              </a:defRPr>
+            </a:lvl7pPr>
+            <a:lvl8pPr marL="3200400" algn="l" defTabSz="914400" rtl="0" eaLnBrk="1" latinLnBrk="0" hangingPunct="1">
+              <a:defRPr sz="1800" kern="1200">
+                <a:solidFill>
+                  <a:schemeClr val="tx1"/>
+                </a:solidFill>
+                <a:latin typeface="+mn-lt"/>
+                <a:ea typeface="+mn-ea"/>
+                <a:cs typeface="+mn-cs"/>
+              </a:defRPr>
+            </a:lvl8pPr>
+            <a:lvl9pPr marL="3657600" algn="l" defTabSz="914400" rtl="0" eaLnBrk="1" latinLnBrk="0" hangingPunct="1">
+              <a:defRPr sz="1800" kern="1200">
+                <a:solidFill>
+                  <a:schemeClr val="tx1"/>
+                </a:solidFill>
+                <a:latin typeface="+mn-lt"/>
+                <a:ea typeface="+mn-ea"/>
+                <a:cs typeface="+mn-cs"/>
+              </a:defRPr>
+            </a:lvl9pPr>
+          </a:lstStyle>
+          <a:p>
+            <a:r>
+              <a:rPr lang="en-US" sz="2000" dirty="0" smtClean="0">
+                <a:solidFill>
+                  <a:schemeClr val="tx1"/>
+                </a:solidFill>
+              </a:rPr>
+              <a:t>Sender</a:t>
+            </a:r>
+          </a:p>
+          <a:p>
+            <a:r>
+              <a:rPr lang="en-US" sz="2000" dirty="0" smtClean="0">
+                <a:solidFill>
+                  <a:schemeClr val="tx1"/>
+                </a:solidFill>
+              </a:rPr>
+              <a:t>phone #</a:t>
+            </a:r>
+            <a:endParaRPr lang="en-US" sz="2000" dirty="0">
+              <a:solidFill>
+                <a:schemeClr val="tx1"/>
+              </a:solidFill>
+            </a:endParaRPr>
+          </a:p>
+        </p:txBody>
+      </p:sp>
+      <p:sp>
+        <p:nvSpPr>
+          <p:cNvPr id="10" name="Subtitle 2"/>
+          <p:cNvSpPr txBox="1">
+            <a:spLocks/>
+          </p:cNvSpPr>
+          <p:nvPr/>
+        </p:nvSpPr>
+        <p:spPr>
+          <a:xfrm>
+            <a:off x="7620000" y="1710018"/>
+            <a:ext cx="964557" cy="454576"/>
+          </a:xfrm>
+          <a:prstGeom prst="rect">
+            <a:avLst/>
+          </a:prstGeom>
+        </p:spPr>
+        <p:txBody>
+          <a:bodyPr vert="horz" lIns="91440" tIns="45720" rIns="91440" bIns="45720" rtlCol="0">
+            <a:normAutofit fontScale="70000" lnSpcReduction="20000"/>
+          </a:bodyPr>
+          <a:lstStyle>
+            <a:defPPr>
+              <a:defRPr lang="en-US"/>
+            </a:defPPr>
+            <a:lvl1pPr marL="0" algn="l" defTabSz="914400" rtl="0" eaLnBrk="1" latinLnBrk="0" hangingPunct="1">
+              <a:defRPr sz="1800" kern="1200">
+                <a:solidFill>
+                  <a:schemeClr val="tx1"/>
+                </a:solidFill>
+                <a:latin typeface="+mn-lt"/>
+                <a:ea typeface="+mn-ea"/>
+                <a:cs typeface="+mn-cs"/>
+              </a:defRPr>
+            </a:lvl1pPr>
+            <a:lvl2pPr marL="457200" algn="l" defTabSz="914400" rtl="0" eaLnBrk="1" latinLnBrk="0" hangingPunct="1">
+              <a:defRPr sz="1800" kern="1200">
+                <a:solidFill>
+                  <a:schemeClr val="tx1"/>
+                </a:solidFill>
+                <a:latin typeface="+mn-lt"/>
+                <a:ea typeface="+mn-ea"/>
+                <a:cs typeface="+mn-cs"/>
+              </a:defRPr>
+            </a:lvl2pPr>
+            <a:lvl3pPr marL="914400" algn="l" defTabSz="914400" rtl="0" eaLnBrk="1" latinLnBrk="0" hangingPunct="1">
+              <a:defRPr sz="1800" kern="1200">
+                <a:solidFill>
+                  <a:schemeClr val="tx1"/>
+                </a:solidFill>
+                <a:latin typeface="+mn-lt"/>
+                <a:ea typeface="+mn-ea"/>
+                <a:cs typeface="+mn-cs"/>
+              </a:defRPr>
+            </a:lvl3pPr>
+            <a:lvl4pPr marL="1371600" algn="l" defTabSz="914400" rtl="0" eaLnBrk="1" latinLnBrk="0" hangingPunct="1">
+              <a:defRPr sz="1800" kern="1200">
+                <a:solidFill>
+                  <a:schemeClr val="tx1"/>
+                </a:solidFill>
+                <a:latin typeface="+mn-lt"/>
+                <a:ea typeface="+mn-ea"/>
+                <a:cs typeface="+mn-cs"/>
+              </a:defRPr>
+            </a:lvl4pPr>
+            <a:lvl5pPr marL="1828800" algn="l" defTabSz="914400" rtl="0" eaLnBrk="1" latinLnBrk="0" hangingPunct="1">
+              <a:defRPr sz="1800" kern="1200">
+                <a:solidFill>
+                  <a:schemeClr val="tx1"/>
+                </a:solidFill>
+                <a:latin typeface="+mn-lt"/>
+                <a:ea typeface="+mn-ea"/>
+                <a:cs typeface="+mn-cs"/>
+              </a:defRPr>
+            </a:lvl5pPr>
+            <a:lvl6pPr marL="2286000" algn="l" defTabSz="914400" rtl="0" eaLnBrk="1" latinLnBrk="0" hangingPunct="1">
+              <a:defRPr sz="1800" kern="1200">
+                <a:solidFill>
+                  <a:schemeClr val="tx1"/>
+                </a:solidFill>
+                <a:latin typeface="+mn-lt"/>
+                <a:ea typeface="+mn-ea"/>
+                <a:cs typeface="+mn-cs"/>
+              </a:defRPr>
+            </a:lvl6pPr>
+            <a:lvl7pPr marL="2743200" algn="l" defTabSz="914400" rtl="0" eaLnBrk="1" latinLnBrk="0" hangingPunct="1">
+              <a:defRPr sz="1800" kern="1200">
+                <a:solidFill>
+                  <a:schemeClr val="tx1"/>
+                </a:solidFill>
+                <a:latin typeface="+mn-lt"/>
+                <a:ea typeface="+mn-ea"/>
+                <a:cs typeface="+mn-cs"/>
+              </a:defRPr>
+            </a:lvl7pPr>
+            <a:lvl8pPr marL="3200400" algn="l" defTabSz="914400" rtl="0" eaLnBrk="1" latinLnBrk="0" hangingPunct="1">
+              <a:defRPr sz="1800" kern="1200">
+                <a:solidFill>
+                  <a:schemeClr val="tx1"/>
+                </a:solidFill>
+                <a:latin typeface="+mn-lt"/>
+                <a:ea typeface="+mn-ea"/>
+                <a:cs typeface="+mn-cs"/>
+              </a:defRPr>
+            </a:lvl8pPr>
+            <a:lvl9pPr marL="3657600" algn="l" defTabSz="914400" rtl="0" eaLnBrk="1" latinLnBrk="0" hangingPunct="1">
+              <a:defRPr sz="1800" kern="1200">
+                <a:solidFill>
+                  <a:schemeClr val="tx1"/>
+                </a:solidFill>
+                <a:latin typeface="+mn-lt"/>
+                <a:ea typeface="+mn-ea"/>
+                <a:cs typeface="+mn-cs"/>
+              </a:defRPr>
+            </a:lvl9pPr>
+          </a:lstStyle>
+          <a:p>
+            <a:r>
+              <a:rPr lang="en-US" sz="2000" dirty="0" smtClean="0">
+                <a:solidFill>
+                  <a:schemeClr val="tx1"/>
+                </a:solidFill>
+              </a:rPr>
+              <a:t>Receiver</a:t>
+            </a:r>
+          </a:p>
+          <a:p>
+            <a:r>
+              <a:rPr lang="en-US" sz="2000" dirty="0" smtClean="0">
+                <a:solidFill>
+                  <a:schemeClr val="tx1"/>
+                </a:solidFill>
+              </a:rPr>
+              <a:t>phone #</a:t>
+            </a:r>
+            <a:endParaRPr lang="en-US" sz="2000" dirty="0">
+              <a:solidFill>
+                <a:schemeClr val="tx1"/>
+              </a:solidFill>
+            </a:endParaRPr>
+          </a:p>
+        </p:txBody>
+      </p:sp>
+      <p:sp>
+        <p:nvSpPr>
+          <p:cNvPr id="11" name="Subtitle 2"/>
+          <p:cNvSpPr txBox="1">
+            <a:spLocks/>
+          </p:cNvSpPr>
+          <p:nvPr/>
+        </p:nvSpPr>
+        <p:spPr>
+          <a:xfrm>
+            <a:off x="1715999" y="4729513"/>
+            <a:ext cx="1408683" cy="244506"/>
+          </a:xfrm>
+          <a:prstGeom prst="rect">
+            <a:avLst/>
+          </a:prstGeom>
+        </p:spPr>
+        <p:txBody>
+          <a:bodyPr vert="horz" lIns="91440" tIns="45720" rIns="91440" bIns="45720" rtlCol="0">
+            <a:noAutofit/>
+          </a:bodyPr>
+          <a:lstStyle>
+            <a:defPPr>
+              <a:defRPr lang="en-US"/>
+            </a:defPPr>
+            <a:lvl1pPr marL="0" algn="l" defTabSz="914400" rtl="0" eaLnBrk="1" latinLnBrk="0" hangingPunct="1">
+              <a:defRPr sz="1800" kern="1200">
+                <a:solidFill>
+                  <a:schemeClr val="tx1"/>
+                </a:solidFill>
+                <a:latin typeface="+mn-lt"/>
+                <a:ea typeface="+mn-ea"/>
+                <a:cs typeface="+mn-cs"/>
+              </a:defRPr>
+            </a:lvl1pPr>
+            <a:lvl2pPr marL="457200" algn="l" defTabSz="914400" rtl="0" eaLnBrk="1" latinLnBrk="0" hangingPunct="1">
+              <a:defRPr sz="1800" kern="1200">
+                <a:solidFill>
+                  <a:schemeClr val="tx1"/>
+                </a:solidFill>
+                <a:latin typeface="+mn-lt"/>
+                <a:ea typeface="+mn-ea"/>
+                <a:cs typeface="+mn-cs"/>
+              </a:defRPr>
+            </a:lvl2pPr>
+            <a:lvl3pPr marL="914400" algn="l" defTabSz="914400" rtl="0" eaLnBrk="1" latinLnBrk="0" hangingPunct="1">
+              <a:defRPr sz="1800" kern="1200">
+                <a:solidFill>
+                  <a:schemeClr val="tx1"/>
+                </a:solidFill>
+                <a:latin typeface="+mn-lt"/>
+                <a:ea typeface="+mn-ea"/>
+                <a:cs typeface="+mn-cs"/>
+              </a:defRPr>
+            </a:lvl3pPr>
+            <a:lvl4pPr marL="1371600" algn="l" defTabSz="914400" rtl="0" eaLnBrk="1" latinLnBrk="0" hangingPunct="1">
+              <a:defRPr sz="1800" kern="1200">
+                <a:solidFill>
+                  <a:schemeClr val="tx1"/>
+                </a:solidFill>
+                <a:latin typeface="+mn-lt"/>
+                <a:ea typeface="+mn-ea"/>
+                <a:cs typeface="+mn-cs"/>
+              </a:defRPr>
+            </a:lvl4pPr>
+            <a:lvl5pPr marL="1828800" algn="l" defTabSz="914400" rtl="0" eaLnBrk="1" latinLnBrk="0" hangingPunct="1">
+              <a:defRPr sz="1800" kern="1200">
+                <a:solidFill>
+                  <a:schemeClr val="tx1"/>
+                </a:solidFill>
+                <a:latin typeface="+mn-lt"/>
+                <a:ea typeface="+mn-ea"/>
+                <a:cs typeface="+mn-cs"/>
+              </a:defRPr>
+            </a:lvl5pPr>
+            <a:lvl6pPr marL="2286000" algn="l" defTabSz="914400" rtl="0" eaLnBrk="1" latinLnBrk="0" hangingPunct="1">
+              <a:defRPr sz="1800" kern="1200">
+                <a:solidFill>
+                  <a:schemeClr val="tx1"/>
+                </a:solidFill>
+                <a:latin typeface="+mn-lt"/>
+                <a:ea typeface="+mn-ea"/>
+                <a:cs typeface="+mn-cs"/>
+              </a:defRPr>
+            </a:lvl6pPr>
+            <a:lvl7pPr marL="2743200" algn="l" defTabSz="914400" rtl="0" eaLnBrk="1" latinLnBrk="0" hangingPunct="1">
+              <a:defRPr sz="1800" kern="1200">
+                <a:solidFill>
+                  <a:schemeClr val="tx1"/>
+                </a:solidFill>
+                <a:latin typeface="+mn-lt"/>
+                <a:ea typeface="+mn-ea"/>
+                <a:cs typeface="+mn-cs"/>
+              </a:defRPr>
+            </a:lvl7pPr>
+            <a:lvl8pPr marL="3200400" algn="l" defTabSz="914400" rtl="0" eaLnBrk="1" latinLnBrk="0" hangingPunct="1">
+              <a:defRPr sz="1800" kern="1200">
+                <a:solidFill>
+                  <a:schemeClr val="tx1"/>
+                </a:solidFill>
+                <a:latin typeface="+mn-lt"/>
+                <a:ea typeface="+mn-ea"/>
+                <a:cs typeface="+mn-cs"/>
+              </a:defRPr>
+            </a:lvl8pPr>
+            <a:lvl9pPr marL="3657600" algn="l" defTabSz="914400" rtl="0" eaLnBrk="1" latinLnBrk="0" hangingPunct="1">
+              <a:defRPr sz="1800" kern="1200">
+                <a:solidFill>
+                  <a:schemeClr val="tx1"/>
+                </a:solidFill>
+                <a:latin typeface="+mn-lt"/>
+                <a:ea typeface="+mn-ea"/>
+                <a:cs typeface="+mn-cs"/>
+              </a:defRPr>
+            </a:lvl9pPr>
+          </a:lstStyle>
+          <a:p>
+            <a:pPr algn="l"/>
+            <a:r>
+              <a:rPr lang="en-US" sz="1400" dirty="0" smtClean="0">
+                <a:solidFill>
+                  <a:schemeClr val="tx1"/>
+                </a:solidFill>
+              </a:rPr>
+              <a:t>Time stamp</a:t>
+            </a:r>
+            <a:endParaRPr lang="en-US" sz="1400" dirty="0">
+              <a:solidFill>
+                <a:schemeClr val="tx1"/>
+              </a:solidFill>
+            </a:endParaRPr>
+          </a:p>
+        </p:txBody>
+      </p:sp>
+      <p:pic>
+        <p:nvPicPr>
+          <p:cNvPr id="12" name="Picture 11"/>
+          <p:cNvPicPr>
+            <a:picLocks noChangeAspect="1"/>
+          </p:cNvPicPr>
+          <p:nvPr/>
+        </p:nvPicPr>
+        <p:blipFill>
+          <a:blip r:embed="rId4" cstate="print">
+            <a:extLst>
+              <a:ext uri="{28A0092B-C50C-407E-A947-70E740481C1C}">
+                <a14:useLocalDpi xmlns:a14="http://schemas.microsoft.com/office/drawing/2010/main" val="0"/>
+              </a:ext>
+            </a:extLst>
+          </a:blip>
+          <a:stretch>
+            <a:fillRect/>
+          </a:stretch>
+        </p:blipFill>
+        <p:spPr>
+          <a:xfrm>
+            <a:off x="1615298" y="2201750"/>
+            <a:ext cx="1290734" cy="810399"/>
+          </a:xfrm>
+          <a:prstGeom prst="rect">
+            <a:avLst/>
+          </a:prstGeom>
+        </p:spPr>
+      </p:pic>
+      <p:pic>
+        <p:nvPicPr>
+          <p:cNvPr id="13" name="Picture 12"/>
+          <p:cNvPicPr>
+            <a:picLocks noChangeAspect="1"/>
+          </p:cNvPicPr>
+          <p:nvPr/>
+        </p:nvPicPr>
+        <p:blipFill>
+          <a:blip r:embed="rId5" cstate="print">
+            <a:extLst>
+              <a:ext uri="{28A0092B-C50C-407E-A947-70E740481C1C}">
+                <a14:useLocalDpi xmlns:a14="http://schemas.microsoft.com/office/drawing/2010/main" val="0"/>
+              </a:ext>
+            </a:extLst>
+          </a:blip>
+          <a:stretch>
+            <a:fillRect/>
+          </a:stretch>
+        </p:blipFill>
+        <p:spPr>
+          <a:xfrm>
+            <a:off x="5715000" y="4928426"/>
+            <a:ext cx="1220859" cy="1240982"/>
+          </a:xfrm>
+          <a:prstGeom prst="rect">
+            <a:avLst/>
+          </a:prstGeom>
+        </p:spPr>
+      </p:pic>
+      <p:pic>
+        <p:nvPicPr>
+          <p:cNvPr id="14" name="Picture 13"/>
+          <p:cNvPicPr>
+            <a:picLocks noChangeAspect="1"/>
+          </p:cNvPicPr>
+          <p:nvPr/>
+        </p:nvPicPr>
+        <p:blipFill>
+          <a:blip r:embed="rId6" cstate="print">
+            <a:extLst>
+              <a:ext uri="{28A0092B-C50C-407E-A947-70E740481C1C}">
+                <a14:useLocalDpi xmlns:a14="http://schemas.microsoft.com/office/drawing/2010/main" val="0"/>
+              </a:ext>
+            </a:extLst>
+          </a:blip>
+          <a:stretch>
+            <a:fillRect/>
+          </a:stretch>
+        </p:blipFill>
+        <p:spPr>
+          <a:xfrm>
+            <a:off x="1774974" y="5018163"/>
+            <a:ext cx="1274522" cy="955892"/>
+          </a:xfrm>
+          <a:prstGeom prst="rect">
+            <a:avLst/>
+          </a:prstGeom>
+        </p:spPr>
+      </p:pic>
+      <p:sp>
+        <p:nvSpPr>
+          <p:cNvPr id="15" name="Right Arrow 14"/>
+          <p:cNvSpPr/>
+          <p:nvPr/>
+        </p:nvSpPr>
+        <p:spPr>
+          <a:xfrm rot="19537541">
+            <a:off x="4984974" y="3070019"/>
+            <a:ext cx="703289" cy="415824"/>
+          </a:xfrm>
+          <a:prstGeom prst="rightArrow">
+            <a:avLst/>
+          </a:prstGeom>
+          <a:ln/>
+          <a:effectLst>
+            <a:outerShdw blurRad="50800" dist="38100" dir="2700000" algn="tl" rotWithShape="0">
+              <a:prstClr val="black">
+                <a:alpha val="40000"/>
+              </a:prstClr>
+            </a:outerShdw>
+          </a:effectLst>
+        </p:spPr>
+        <p:style>
+          <a:lnRef idx="0">
+            <a:schemeClr val="accent6"/>
+          </a:lnRef>
+          <a:fillRef idx="3">
+            <a:schemeClr val="accent6"/>
+          </a:fillRef>
+          <a:effectRef idx="3">
+            <a:schemeClr val="accent6"/>
+          </a:effectRef>
+          <a:fontRef idx="minor">
+            <a:schemeClr val="lt1"/>
+          </a:fontRef>
+        </p:style>
+        <p:txBody>
+          <a:bodyPr rtlCol="0" anchor="ctr"/>
+          <a:lstStyle>
+            <a:defPPr>
+              <a:defRPr lang="en-US"/>
+            </a:defPPr>
+            <a:lvl1pPr marL="0" algn="l" defTabSz="914400" rtl="0" eaLnBrk="1" latinLnBrk="0" hangingPunct="1">
+              <a:defRPr sz="1800" kern="1200">
+                <a:solidFill>
+                  <a:schemeClr val="lt1"/>
+                </a:solidFill>
+                <a:latin typeface="+mn-lt"/>
+                <a:ea typeface="+mn-ea"/>
+                <a:cs typeface="+mn-cs"/>
+              </a:defRPr>
+            </a:lvl1pPr>
+            <a:lvl2pPr marL="457200" algn="l" defTabSz="914400" rtl="0" eaLnBrk="1" latinLnBrk="0" hangingPunct="1">
+              <a:defRPr sz="1800" kern="1200">
+                <a:solidFill>
+                  <a:schemeClr val="lt1"/>
+                </a:solidFill>
+                <a:latin typeface="+mn-lt"/>
+                <a:ea typeface="+mn-ea"/>
+                <a:cs typeface="+mn-cs"/>
+              </a:defRPr>
+            </a:lvl2pPr>
+            <a:lvl3pPr marL="914400" algn="l" defTabSz="914400" rtl="0" eaLnBrk="1" latinLnBrk="0" hangingPunct="1">
+              <a:defRPr sz="1800" kern="1200">
+                <a:solidFill>
+                  <a:schemeClr val="lt1"/>
+                </a:solidFill>
+                <a:latin typeface="+mn-lt"/>
+                <a:ea typeface="+mn-ea"/>
+                <a:cs typeface="+mn-cs"/>
+              </a:defRPr>
+            </a:lvl3pPr>
+            <a:lvl4pPr marL="1371600" algn="l" defTabSz="914400" rtl="0" eaLnBrk="1" latinLnBrk="0" hangingPunct="1">
+              <a:defRPr sz="1800" kern="1200">
+                <a:solidFill>
+                  <a:schemeClr val="lt1"/>
+                </a:solidFill>
+                <a:latin typeface="+mn-lt"/>
+                <a:ea typeface="+mn-ea"/>
+                <a:cs typeface="+mn-cs"/>
+              </a:defRPr>
+            </a:lvl4pPr>
+            <a:lvl5pPr marL="1828800" algn="l" defTabSz="914400" rtl="0" eaLnBrk="1" latinLnBrk="0" hangingPunct="1">
+              <a:defRPr sz="1800" kern="1200">
+                <a:solidFill>
+                  <a:schemeClr val="lt1"/>
+                </a:solidFill>
+                <a:latin typeface="+mn-lt"/>
+                <a:ea typeface="+mn-ea"/>
+                <a:cs typeface="+mn-cs"/>
+              </a:defRPr>
+            </a:lvl5pPr>
+            <a:lvl6pPr marL="2286000" algn="l" defTabSz="914400" rtl="0" eaLnBrk="1" latinLnBrk="0" hangingPunct="1">
+              <a:defRPr sz="1800" kern="1200">
+                <a:solidFill>
+                  <a:schemeClr val="lt1"/>
+                </a:solidFill>
+                <a:latin typeface="+mn-lt"/>
+                <a:ea typeface="+mn-ea"/>
+                <a:cs typeface="+mn-cs"/>
+              </a:defRPr>
+            </a:lvl6pPr>
+            <a:lvl7pPr marL="2743200" algn="l" defTabSz="914400" rtl="0" eaLnBrk="1" latinLnBrk="0" hangingPunct="1">
+              <a:defRPr sz="1800" kern="1200">
+                <a:solidFill>
+                  <a:schemeClr val="lt1"/>
+                </a:solidFill>
+                <a:latin typeface="+mn-lt"/>
+                <a:ea typeface="+mn-ea"/>
+                <a:cs typeface="+mn-cs"/>
+              </a:defRPr>
+            </a:lvl7pPr>
+            <a:lvl8pPr marL="3200400" algn="l" defTabSz="914400" rtl="0" eaLnBrk="1" latinLnBrk="0" hangingPunct="1">
+              <a:defRPr sz="1800" kern="1200">
+                <a:solidFill>
+                  <a:schemeClr val="lt1"/>
+                </a:solidFill>
+                <a:latin typeface="+mn-lt"/>
+                <a:ea typeface="+mn-ea"/>
+                <a:cs typeface="+mn-cs"/>
+              </a:defRPr>
+            </a:lvl8pPr>
+            <a:lvl9pPr marL="3657600" algn="l" defTabSz="914400" rtl="0" eaLnBrk="1" latinLnBrk="0" hangingPunct="1">
+              <a:defRPr sz="1800" kern="1200">
+                <a:solidFill>
+                  <a:schemeClr val="lt1"/>
+                </a:solidFill>
+                <a:latin typeface="+mn-lt"/>
+                <a:ea typeface="+mn-ea"/>
+                <a:cs typeface="+mn-cs"/>
+              </a:defRPr>
+            </a:lvl9pPr>
+          </a:lstStyle>
+          <a:p>
+            <a:pPr algn="ctr"/>
+            <a:endParaRPr lang="en-US"/>
+          </a:p>
+        </p:txBody>
+      </p:sp>
+      <p:sp>
+        <p:nvSpPr>
+          <p:cNvPr id="16" name="Right Arrow 15"/>
+          <p:cNvSpPr/>
+          <p:nvPr/>
+        </p:nvSpPr>
+        <p:spPr>
+          <a:xfrm rot="2667864">
+            <a:off x="4851302" y="4339997"/>
+            <a:ext cx="783936" cy="366759"/>
+          </a:xfrm>
+          <a:prstGeom prst="rightArrow">
+            <a:avLst/>
+          </a:prstGeom>
+          <a:ln/>
+          <a:effectLst>
+            <a:outerShdw blurRad="50800" dist="38100" dir="2700000" algn="tl" rotWithShape="0">
+              <a:prstClr val="black">
+                <a:alpha val="40000"/>
+              </a:prstClr>
+            </a:outerShdw>
+          </a:effectLst>
+        </p:spPr>
+        <p:style>
+          <a:lnRef idx="0">
+            <a:schemeClr val="accent6"/>
+          </a:lnRef>
+          <a:fillRef idx="3">
+            <a:schemeClr val="accent6"/>
+          </a:fillRef>
+          <a:effectRef idx="3">
+            <a:schemeClr val="accent6"/>
+          </a:effectRef>
+          <a:fontRef idx="minor">
+            <a:schemeClr val="lt1"/>
+          </a:fontRef>
+        </p:style>
+        <p:txBody>
+          <a:bodyPr rtlCol="0" anchor="ctr"/>
+          <a:lstStyle>
+            <a:defPPr>
+              <a:defRPr lang="en-US"/>
+            </a:defPPr>
+            <a:lvl1pPr marL="0" algn="l" defTabSz="914400" rtl="0" eaLnBrk="1" latinLnBrk="0" hangingPunct="1">
+              <a:defRPr sz="1800" kern="1200">
+                <a:solidFill>
+                  <a:schemeClr val="lt1"/>
+                </a:solidFill>
+                <a:latin typeface="+mn-lt"/>
+                <a:ea typeface="+mn-ea"/>
+                <a:cs typeface="+mn-cs"/>
+              </a:defRPr>
+            </a:lvl1pPr>
+            <a:lvl2pPr marL="457200" algn="l" defTabSz="914400" rtl="0" eaLnBrk="1" latinLnBrk="0" hangingPunct="1">
+              <a:defRPr sz="1800" kern="1200">
+                <a:solidFill>
+                  <a:schemeClr val="lt1"/>
+                </a:solidFill>
+                <a:latin typeface="+mn-lt"/>
+                <a:ea typeface="+mn-ea"/>
+                <a:cs typeface="+mn-cs"/>
+              </a:defRPr>
+            </a:lvl2pPr>
+            <a:lvl3pPr marL="914400" algn="l" defTabSz="914400" rtl="0" eaLnBrk="1" latinLnBrk="0" hangingPunct="1">
+              <a:defRPr sz="1800" kern="1200">
+                <a:solidFill>
+                  <a:schemeClr val="lt1"/>
+                </a:solidFill>
+                <a:latin typeface="+mn-lt"/>
+                <a:ea typeface="+mn-ea"/>
+                <a:cs typeface="+mn-cs"/>
+              </a:defRPr>
+            </a:lvl3pPr>
+            <a:lvl4pPr marL="1371600" algn="l" defTabSz="914400" rtl="0" eaLnBrk="1" latinLnBrk="0" hangingPunct="1">
+              <a:defRPr sz="1800" kern="1200">
+                <a:solidFill>
+                  <a:schemeClr val="lt1"/>
+                </a:solidFill>
+                <a:latin typeface="+mn-lt"/>
+                <a:ea typeface="+mn-ea"/>
+                <a:cs typeface="+mn-cs"/>
+              </a:defRPr>
+            </a:lvl4pPr>
+            <a:lvl5pPr marL="1828800" algn="l" defTabSz="914400" rtl="0" eaLnBrk="1" latinLnBrk="0" hangingPunct="1">
+              <a:defRPr sz="1800" kern="1200">
+                <a:solidFill>
+                  <a:schemeClr val="lt1"/>
+                </a:solidFill>
+                <a:latin typeface="+mn-lt"/>
+                <a:ea typeface="+mn-ea"/>
+                <a:cs typeface="+mn-cs"/>
+              </a:defRPr>
+            </a:lvl5pPr>
+            <a:lvl6pPr marL="2286000" algn="l" defTabSz="914400" rtl="0" eaLnBrk="1" latinLnBrk="0" hangingPunct="1">
+              <a:defRPr sz="1800" kern="1200">
+                <a:solidFill>
+                  <a:schemeClr val="lt1"/>
+                </a:solidFill>
+                <a:latin typeface="+mn-lt"/>
+                <a:ea typeface="+mn-ea"/>
+                <a:cs typeface="+mn-cs"/>
+              </a:defRPr>
+            </a:lvl6pPr>
+            <a:lvl7pPr marL="2743200" algn="l" defTabSz="914400" rtl="0" eaLnBrk="1" latinLnBrk="0" hangingPunct="1">
+              <a:defRPr sz="1800" kern="1200">
+                <a:solidFill>
+                  <a:schemeClr val="lt1"/>
+                </a:solidFill>
+                <a:latin typeface="+mn-lt"/>
+                <a:ea typeface="+mn-ea"/>
+                <a:cs typeface="+mn-cs"/>
+              </a:defRPr>
+            </a:lvl7pPr>
+            <a:lvl8pPr marL="3200400" algn="l" defTabSz="914400" rtl="0" eaLnBrk="1" latinLnBrk="0" hangingPunct="1">
+              <a:defRPr sz="1800" kern="1200">
+                <a:solidFill>
+                  <a:schemeClr val="lt1"/>
+                </a:solidFill>
+                <a:latin typeface="+mn-lt"/>
+                <a:ea typeface="+mn-ea"/>
+                <a:cs typeface="+mn-cs"/>
+              </a:defRPr>
+            </a:lvl8pPr>
+            <a:lvl9pPr marL="3657600" algn="l" defTabSz="914400" rtl="0" eaLnBrk="1" latinLnBrk="0" hangingPunct="1">
+              <a:defRPr sz="1800" kern="1200">
+                <a:solidFill>
+                  <a:schemeClr val="lt1"/>
+                </a:solidFill>
+                <a:latin typeface="+mn-lt"/>
+                <a:ea typeface="+mn-ea"/>
+                <a:cs typeface="+mn-cs"/>
+              </a:defRPr>
+            </a:lvl9pPr>
+          </a:lstStyle>
+          <a:p>
+            <a:pPr algn="ctr"/>
+            <a:endParaRPr lang="en-US"/>
+          </a:p>
+        </p:txBody>
+      </p:sp>
+      <p:sp>
+        <p:nvSpPr>
+          <p:cNvPr id="17" name="Right Arrow 16"/>
+          <p:cNvSpPr/>
+          <p:nvPr/>
+        </p:nvSpPr>
+        <p:spPr>
+          <a:xfrm rot="8828348">
+            <a:off x="3021721" y="4293576"/>
+            <a:ext cx="783936" cy="366759"/>
+          </a:xfrm>
+          <a:prstGeom prst="rightArrow">
+            <a:avLst/>
+          </a:prstGeom>
+          <a:ln/>
+          <a:effectLst>
+            <a:outerShdw blurRad="50800" dist="38100" dir="2700000" algn="tl" rotWithShape="0">
+              <a:prstClr val="black">
+                <a:alpha val="40000"/>
+              </a:prstClr>
+            </a:outerShdw>
+          </a:effectLst>
+        </p:spPr>
+        <p:style>
+          <a:lnRef idx="0">
+            <a:schemeClr val="accent6"/>
+          </a:lnRef>
+          <a:fillRef idx="3">
+            <a:schemeClr val="accent6"/>
+          </a:fillRef>
+          <a:effectRef idx="3">
+            <a:schemeClr val="accent6"/>
+          </a:effectRef>
+          <a:fontRef idx="minor">
+            <a:schemeClr val="lt1"/>
+          </a:fontRef>
+        </p:style>
+        <p:txBody>
+          <a:bodyPr rtlCol="0" anchor="ctr"/>
+          <a:lstStyle>
+            <a:defPPr>
+              <a:defRPr lang="en-US"/>
+            </a:defPPr>
+            <a:lvl1pPr marL="0" algn="l" defTabSz="914400" rtl="0" eaLnBrk="1" latinLnBrk="0" hangingPunct="1">
+              <a:defRPr sz="1800" kern="1200">
+                <a:solidFill>
+                  <a:schemeClr val="lt1"/>
+                </a:solidFill>
+                <a:latin typeface="+mn-lt"/>
+                <a:ea typeface="+mn-ea"/>
+                <a:cs typeface="+mn-cs"/>
+              </a:defRPr>
+            </a:lvl1pPr>
+            <a:lvl2pPr marL="457200" algn="l" defTabSz="914400" rtl="0" eaLnBrk="1" latinLnBrk="0" hangingPunct="1">
+              <a:defRPr sz="1800" kern="1200">
+                <a:solidFill>
+                  <a:schemeClr val="lt1"/>
+                </a:solidFill>
+                <a:latin typeface="+mn-lt"/>
+                <a:ea typeface="+mn-ea"/>
+                <a:cs typeface="+mn-cs"/>
+              </a:defRPr>
+            </a:lvl2pPr>
+            <a:lvl3pPr marL="914400" algn="l" defTabSz="914400" rtl="0" eaLnBrk="1" latinLnBrk="0" hangingPunct="1">
+              <a:defRPr sz="1800" kern="1200">
+                <a:solidFill>
+                  <a:schemeClr val="lt1"/>
+                </a:solidFill>
+                <a:latin typeface="+mn-lt"/>
+                <a:ea typeface="+mn-ea"/>
+                <a:cs typeface="+mn-cs"/>
+              </a:defRPr>
+            </a:lvl3pPr>
+            <a:lvl4pPr marL="1371600" algn="l" defTabSz="914400" rtl="0" eaLnBrk="1" latinLnBrk="0" hangingPunct="1">
+              <a:defRPr sz="1800" kern="1200">
+                <a:solidFill>
+                  <a:schemeClr val="lt1"/>
+                </a:solidFill>
+                <a:latin typeface="+mn-lt"/>
+                <a:ea typeface="+mn-ea"/>
+                <a:cs typeface="+mn-cs"/>
+              </a:defRPr>
+            </a:lvl4pPr>
+            <a:lvl5pPr marL="1828800" algn="l" defTabSz="914400" rtl="0" eaLnBrk="1" latinLnBrk="0" hangingPunct="1">
+              <a:defRPr sz="1800" kern="1200">
+                <a:solidFill>
+                  <a:schemeClr val="lt1"/>
+                </a:solidFill>
+                <a:latin typeface="+mn-lt"/>
+                <a:ea typeface="+mn-ea"/>
+                <a:cs typeface="+mn-cs"/>
+              </a:defRPr>
+            </a:lvl5pPr>
+            <a:lvl6pPr marL="2286000" algn="l" defTabSz="914400" rtl="0" eaLnBrk="1" latinLnBrk="0" hangingPunct="1">
+              <a:defRPr sz="1800" kern="1200">
+                <a:solidFill>
+                  <a:schemeClr val="lt1"/>
+                </a:solidFill>
+                <a:latin typeface="+mn-lt"/>
+                <a:ea typeface="+mn-ea"/>
+                <a:cs typeface="+mn-cs"/>
+              </a:defRPr>
+            </a:lvl6pPr>
+            <a:lvl7pPr marL="2743200" algn="l" defTabSz="914400" rtl="0" eaLnBrk="1" latinLnBrk="0" hangingPunct="1">
+              <a:defRPr sz="1800" kern="1200">
+                <a:solidFill>
+                  <a:schemeClr val="lt1"/>
+                </a:solidFill>
+                <a:latin typeface="+mn-lt"/>
+                <a:ea typeface="+mn-ea"/>
+                <a:cs typeface="+mn-cs"/>
+              </a:defRPr>
+            </a:lvl7pPr>
+            <a:lvl8pPr marL="3200400" algn="l" defTabSz="914400" rtl="0" eaLnBrk="1" latinLnBrk="0" hangingPunct="1">
+              <a:defRPr sz="1800" kern="1200">
+                <a:solidFill>
+                  <a:schemeClr val="lt1"/>
+                </a:solidFill>
+                <a:latin typeface="+mn-lt"/>
+                <a:ea typeface="+mn-ea"/>
+                <a:cs typeface="+mn-cs"/>
+              </a:defRPr>
+            </a:lvl8pPr>
+            <a:lvl9pPr marL="3657600" algn="l" defTabSz="914400" rtl="0" eaLnBrk="1" latinLnBrk="0" hangingPunct="1">
+              <a:defRPr sz="1800" kern="1200">
+                <a:solidFill>
+                  <a:schemeClr val="lt1"/>
+                </a:solidFill>
+                <a:latin typeface="+mn-lt"/>
+                <a:ea typeface="+mn-ea"/>
+                <a:cs typeface="+mn-cs"/>
+              </a:defRPr>
+            </a:lvl9pPr>
+          </a:lstStyle>
+          <a:p>
+            <a:pPr algn="ctr"/>
+            <a:endParaRPr lang="en-US"/>
+          </a:p>
+        </p:txBody>
+      </p:sp>
+      <p:sp>
+        <p:nvSpPr>
+          <p:cNvPr id="18" name="Subtitle 2"/>
+          <p:cNvSpPr txBox="1">
+            <a:spLocks/>
+          </p:cNvSpPr>
+          <p:nvPr/>
+        </p:nvSpPr>
+        <p:spPr>
+          <a:xfrm>
+            <a:off x="5651828" y="4471226"/>
+            <a:ext cx="1447800" cy="457200"/>
+          </a:xfrm>
+          <a:prstGeom prst="rect">
+            <a:avLst/>
+          </a:prstGeom>
+        </p:spPr>
+        <p:txBody>
+          <a:bodyPr vert="horz" lIns="91440" tIns="45720" rIns="91440" bIns="45720" rtlCol="0">
+            <a:normAutofit fontScale="92500"/>
+          </a:bodyPr>
+          <a:lstStyle>
+            <a:defPPr>
+              <a:defRPr lang="en-US"/>
+            </a:defPPr>
+            <a:lvl1pPr marL="0" algn="l" defTabSz="914400" rtl="0" eaLnBrk="1" latinLnBrk="0" hangingPunct="1">
+              <a:defRPr sz="1800" kern="1200">
+                <a:solidFill>
+                  <a:schemeClr val="tx1"/>
+                </a:solidFill>
+                <a:latin typeface="+mn-lt"/>
+                <a:ea typeface="+mn-ea"/>
+                <a:cs typeface="+mn-cs"/>
+              </a:defRPr>
+            </a:lvl1pPr>
+            <a:lvl2pPr marL="457200" algn="l" defTabSz="914400" rtl="0" eaLnBrk="1" latinLnBrk="0" hangingPunct="1">
+              <a:defRPr sz="1800" kern="1200">
+                <a:solidFill>
+                  <a:schemeClr val="tx1"/>
+                </a:solidFill>
+                <a:latin typeface="+mn-lt"/>
+                <a:ea typeface="+mn-ea"/>
+                <a:cs typeface="+mn-cs"/>
+              </a:defRPr>
+            </a:lvl2pPr>
+            <a:lvl3pPr marL="914400" algn="l" defTabSz="914400" rtl="0" eaLnBrk="1" latinLnBrk="0" hangingPunct="1">
+              <a:defRPr sz="1800" kern="1200">
+                <a:solidFill>
+                  <a:schemeClr val="tx1"/>
+                </a:solidFill>
+                <a:latin typeface="+mn-lt"/>
+                <a:ea typeface="+mn-ea"/>
+                <a:cs typeface="+mn-cs"/>
+              </a:defRPr>
+            </a:lvl3pPr>
+            <a:lvl4pPr marL="1371600" algn="l" defTabSz="914400" rtl="0" eaLnBrk="1" latinLnBrk="0" hangingPunct="1">
+              <a:defRPr sz="1800" kern="1200">
+                <a:solidFill>
+                  <a:schemeClr val="tx1"/>
+                </a:solidFill>
+                <a:latin typeface="+mn-lt"/>
+                <a:ea typeface="+mn-ea"/>
+                <a:cs typeface="+mn-cs"/>
+              </a:defRPr>
+            </a:lvl4pPr>
+            <a:lvl5pPr marL="1828800" algn="l" defTabSz="914400" rtl="0" eaLnBrk="1" latinLnBrk="0" hangingPunct="1">
+              <a:defRPr sz="1800" kern="1200">
+                <a:solidFill>
+                  <a:schemeClr val="tx1"/>
+                </a:solidFill>
+                <a:latin typeface="+mn-lt"/>
+                <a:ea typeface="+mn-ea"/>
+                <a:cs typeface="+mn-cs"/>
+              </a:defRPr>
+            </a:lvl5pPr>
+            <a:lvl6pPr marL="2286000" algn="l" defTabSz="914400" rtl="0" eaLnBrk="1" latinLnBrk="0" hangingPunct="1">
+              <a:defRPr sz="1800" kern="1200">
+                <a:solidFill>
+                  <a:schemeClr val="tx1"/>
+                </a:solidFill>
+                <a:latin typeface="+mn-lt"/>
+                <a:ea typeface="+mn-ea"/>
+                <a:cs typeface="+mn-cs"/>
+              </a:defRPr>
+            </a:lvl6pPr>
+            <a:lvl7pPr marL="2743200" algn="l" defTabSz="914400" rtl="0" eaLnBrk="1" latinLnBrk="0" hangingPunct="1">
+              <a:defRPr sz="1800" kern="1200">
+                <a:solidFill>
+                  <a:schemeClr val="tx1"/>
+                </a:solidFill>
+                <a:latin typeface="+mn-lt"/>
+                <a:ea typeface="+mn-ea"/>
+                <a:cs typeface="+mn-cs"/>
+              </a:defRPr>
+            </a:lvl7pPr>
+            <a:lvl8pPr marL="3200400" algn="l" defTabSz="914400" rtl="0" eaLnBrk="1" latinLnBrk="0" hangingPunct="1">
+              <a:defRPr sz="1800" kern="1200">
+                <a:solidFill>
+                  <a:schemeClr val="tx1"/>
+                </a:solidFill>
+                <a:latin typeface="+mn-lt"/>
+                <a:ea typeface="+mn-ea"/>
+                <a:cs typeface="+mn-cs"/>
+              </a:defRPr>
+            </a:lvl8pPr>
+            <a:lvl9pPr marL="3657600" algn="l" defTabSz="914400" rtl="0" eaLnBrk="1" latinLnBrk="0" hangingPunct="1">
+              <a:defRPr sz="1800" kern="1200">
+                <a:solidFill>
+                  <a:schemeClr val="tx1"/>
+                </a:solidFill>
+                <a:latin typeface="+mn-lt"/>
+                <a:ea typeface="+mn-ea"/>
+                <a:cs typeface="+mn-cs"/>
+              </a:defRPr>
+            </a:lvl9pPr>
+          </a:lstStyle>
+          <a:p>
+            <a:pPr algn="l"/>
+            <a:r>
+              <a:rPr lang="en-US" sz="2000" dirty="0" smtClean="0">
+                <a:solidFill>
+                  <a:schemeClr val="tx1"/>
+                </a:solidFill>
+              </a:rPr>
+              <a:t>ID message </a:t>
+            </a:r>
+            <a:endParaRPr lang="en-US" sz="2000" dirty="0">
+              <a:solidFill>
+                <a:schemeClr val="tx1"/>
+              </a:solidFill>
+            </a:endParaRPr>
+          </a:p>
+        </p:txBody>
+      </p:sp>
+    </p:spTree>
+    <p:extLst>
+      <p:ext uri="{BB962C8B-B14F-4D97-AF65-F5344CB8AC3E}">
+        <p14:creationId xmlns:p14="http://schemas.microsoft.com/office/powerpoint/2010/main" val="3089597904"/>
+      </p:ext>
+    </p:extLst>
+  </p:cSld>
+  <p:clrMapOvr>
+    <a:masterClrMapping/>
+  </p:clrMapOvr>
+</p:sld>
+</file>
+
+<file path=ppt/slides/slide22.xml><?xml version="1.0" encoding="utf-8"?>
+<p:sld xmlns:a="http://schemas.openxmlformats.org/drawingml/2006/main" xmlns:r="http://schemas.openxmlformats.org/officeDocument/2006/relationships" xmlns:p="http://schemas.openxmlformats.org/presentationml/2006/main">
+  <p:cSld>
+    <p:spTree>
+      <p:nvGrpSpPr>
+        <p:cNvPr id="1" name=""/>
+        <p:cNvGrpSpPr/>
+        <p:nvPr/>
+      </p:nvGrpSpPr>
+      <p:grpSpPr>
+        <a:xfrm>
+          <a:off x="0" y="0"/>
+          <a:ext cx="0" cy="0"/>
+          <a:chOff x="0" y="0"/>
+          <a:chExt cx="0" cy="0"/>
+        </a:xfrm>
+      </p:grpSpPr>
+      <p:sp>
+        <p:nvSpPr>
+          <p:cNvPr id="2" name="Title 1"/>
+          <p:cNvSpPr>
+            <a:spLocks noGrp="1"/>
+          </p:cNvSpPr>
+          <p:nvPr>
+            <p:ph type="title"/>
+          </p:nvPr>
+        </p:nvSpPr>
+        <p:spPr/>
+        <p:txBody>
+          <a:bodyPr>
+            <a:normAutofit fontScale="90000"/>
+          </a:bodyPr>
+          <a:lstStyle/>
+          <a:p>
+            <a:r>
+              <a:rPr lang="en-US" dirty="0" smtClean="0"/>
+              <a:t>What we learned!</a:t>
+            </a:r>
+            <a:br>
+              <a:rPr lang="en-US" dirty="0" smtClean="0"/>
+            </a:br>
+            <a:r>
+              <a:rPr lang="en-US" sz="3600" i="1" dirty="0" smtClean="0"/>
+              <a:t>Test Cases</a:t>
+            </a:r>
+            <a:endParaRPr lang="en-US" sz="3600" i="1" dirty="0"/>
+          </a:p>
+        </p:txBody>
+      </p:sp>
+      <p:pic>
+        <p:nvPicPr>
+          <p:cNvPr id="4" name="Content Placeholder 3"/>
+          <p:cNvPicPr>
+            <a:picLocks noGrp="1" noChangeAspect="1" noChangeArrowheads="1"/>
+          </p:cNvPicPr>
+          <p:nvPr>
+            <p:ph idx="1"/>
+          </p:nvPr>
+        </p:nvPicPr>
+        <p:blipFill>
+          <a:blip r:embed="rId2">
+            <a:extLst>
+              <a:ext uri="{28A0092B-C50C-407E-A947-70E740481C1C}">
+                <a14:useLocalDpi xmlns:a14="http://schemas.microsoft.com/office/drawing/2010/main" val="0"/>
+              </a:ext>
+            </a:extLst>
+          </a:blip>
+          <a:srcRect/>
+          <a:stretch>
+            <a:fillRect/>
+          </a:stretch>
+        </p:blipFill>
+        <p:spPr bwMode="auto">
+          <a:xfrm>
+            <a:off x="457200" y="1767654"/>
+            <a:ext cx="8229600" cy="4373616"/>
+          </a:xfrm>
+          <a:prstGeom prst="rect">
+            <a:avLst/>
+          </a:prstGeom>
+          <a:noFill/>
+          <a:ln>
+            <a:noFill/>
+          </a:ln>
+          <a:extLst>
+            <a:ext uri="{909E8E84-426E-40DD-AFC4-6F175D3DCCD1}">
+              <a14:hiddenFill xmlns:a14="http://schemas.microsoft.com/office/drawing/2010/main">
+                <a:solidFill>
+                  <a:schemeClr val="accent1"/>
+                </a:solidFill>
+              </a14:hiddenFill>
+            </a:ext>
+            <a:ext uri="{91240B29-F687-4F45-9708-019B960494DF}">
+              <a14:hiddenLine xmlns:a14="http://schemas.microsoft.com/office/drawing/2010/main" w="9525">
+                <a:solidFill>
+                  <a:schemeClr val="tx1"/>
+                </a:solidFill>
+                <a:miter lim="800000"/>
+                <a:headEnd/>
+                <a:tailEnd/>
+              </a14:hiddenLine>
+            </a:ext>
+          </a:extLst>
+        </p:spPr>
+      </p:pic>
+    </p:spTree>
+    <p:extLst>
+      <p:ext uri="{BB962C8B-B14F-4D97-AF65-F5344CB8AC3E}">
+        <p14:creationId xmlns:p14="http://schemas.microsoft.com/office/powerpoint/2010/main" val="1785704707"/>
+      </p:ext>
+    </p:extLst>
+  </p:cSld>
+  <p:clrMapOvr>
+    <a:masterClrMapping/>
+  </p:clrMapOvr>
+</p:sld>
+</file>
+
+<file path=ppt/slides/slide23.xml><?xml version="1.0" encoding="utf-8"?>
+<p:sld xmlns:a="http://schemas.openxmlformats.org/drawingml/2006/main" xmlns:r="http://schemas.openxmlformats.org/officeDocument/2006/relationships" xmlns:p="http://schemas.openxmlformats.org/presentationml/2006/main">
+  <p:cSld>
+    <p:spTree>
+      <p:nvGrpSpPr>
+        <p:cNvPr id="1" name=""/>
+        <p:cNvGrpSpPr/>
+        <p:nvPr/>
+      </p:nvGrpSpPr>
+      <p:grpSpPr>
+        <a:xfrm>
+          <a:off x="0" y="0"/>
+          <a:ext cx="0" cy="0"/>
+          <a:chOff x="0" y="0"/>
+          <a:chExt cx="0" cy="0"/>
+        </a:xfrm>
+      </p:grpSpPr>
+      <p:sp>
+        <p:nvSpPr>
+          <p:cNvPr id="2" name="Title 1"/>
+          <p:cNvSpPr>
+            <a:spLocks noGrp="1"/>
+          </p:cNvSpPr>
+          <p:nvPr>
+            <p:ph type="title"/>
+          </p:nvPr>
+        </p:nvSpPr>
+        <p:spPr/>
+        <p:txBody>
+          <a:bodyPr>
+            <a:normAutofit fontScale="90000"/>
+          </a:bodyPr>
+          <a:lstStyle/>
+          <a:p>
+            <a:r>
+              <a:rPr lang="en-US" dirty="0" smtClean="0"/>
+              <a:t>What we learned!</a:t>
+            </a:r>
+            <a:br>
+              <a:rPr lang="en-US" dirty="0" smtClean="0"/>
+            </a:br>
+            <a:r>
+              <a:rPr lang="en-US" sz="3600" i="1" dirty="0" smtClean="0"/>
+              <a:t>Styling in Android</a:t>
+            </a:r>
+            <a:endParaRPr lang="en-US" sz="3600" i="1" dirty="0"/>
+          </a:p>
+        </p:txBody>
+      </p:sp>
+      <p:pic>
+        <p:nvPicPr>
+          <p:cNvPr id="4" name="Content Placeholder 3"/>
+          <p:cNvPicPr>
+            <a:picLocks noGrp="1" noChangeAspect="1"/>
+          </p:cNvPicPr>
+          <p:nvPr>
+            <p:ph idx="1"/>
+          </p:nvPr>
+        </p:nvPicPr>
+        <p:blipFill>
+          <a:blip r:embed="rId2">
+            <a:extLst>
+              <a:ext uri="{28A0092B-C50C-407E-A947-70E740481C1C}">
+                <a14:useLocalDpi xmlns:a14="http://schemas.microsoft.com/office/drawing/2010/main" val="0"/>
+              </a:ext>
+            </a:extLst>
+          </a:blip>
+          <a:stretch>
+            <a:fillRect/>
+          </a:stretch>
+        </p:blipFill>
+        <p:spPr>
+          <a:xfrm>
+            <a:off x="1383365" y="1600200"/>
+            <a:ext cx="6377270" cy="4708525"/>
+          </a:xfrm>
+        </p:spPr>
+      </p:pic>
+    </p:spTree>
+    <p:extLst>
+      <p:ext uri="{BB962C8B-B14F-4D97-AF65-F5344CB8AC3E}">
+        <p14:creationId xmlns:p14="http://schemas.microsoft.com/office/powerpoint/2010/main" val="2100369310"/>
+      </p:ext>
+    </p:extLst>
+  </p:cSld>
+  <p:clrMapOvr>
+    <a:masterClrMapping/>
+  </p:clrMapOvr>
+</p:sld>
+</file>
+
+<file path=ppt/slides/slide24.xml><?xml version="1.0" encoding="utf-8"?>
+<p:sld xmlns:a="http://schemas.openxmlformats.org/drawingml/2006/main" xmlns:r="http://schemas.openxmlformats.org/officeDocument/2006/relationships" xmlns:p="http://schemas.openxmlformats.org/presentationml/2006/main">
+  <p:cSld>
+    <p:spTree>
+      <p:nvGrpSpPr>
+        <p:cNvPr id="1" name=""/>
+        <p:cNvGrpSpPr/>
+        <p:nvPr/>
+      </p:nvGrpSpPr>
+      <p:grpSpPr>
+        <a:xfrm>
+          <a:off x="0" y="0"/>
+          <a:ext cx="0" cy="0"/>
+          <a:chOff x="0" y="0"/>
+          <a:chExt cx="0" cy="0"/>
+        </a:xfrm>
+      </p:grpSpPr>
+      <p:sp>
+        <p:nvSpPr>
+          <p:cNvPr id="2" name="Title 1"/>
+          <p:cNvSpPr>
+            <a:spLocks noGrp="1"/>
+          </p:cNvSpPr>
+          <p:nvPr>
+            <p:ph type="title"/>
+          </p:nvPr>
+        </p:nvSpPr>
+        <p:spPr/>
+        <p:txBody>
           <a:bodyPr/>
           <a:lstStyle/>
           <a:p>
@@ -8621,7 +10461,7 @@
 </p:sld>
 </file>
 
-<file path=ppt/slides/slide22.xml><?xml version="1.0" encoding="utf-8"?>
+<file path=ppt/slides/slide25.xml><?xml version="1.0" encoding="utf-8"?>
 <p:sld xmlns:a="http://schemas.openxmlformats.org/drawingml/2006/main" xmlns:r="http://schemas.openxmlformats.org/officeDocument/2006/relationships" xmlns:p="http://schemas.openxmlformats.org/presentationml/2006/main">
   <p:cSld>
     <p:spTree>
@@ -8676,6 +10516,13 @@
   <p:clrMapOvr>
     <a:masterClrMapping/>
   </p:clrMapOvr>
+  <p:timing>
+    <p:tnLst>
+      <p:par>
+        <p:cTn id="1" dur="indefinite" restart="never" nodeType="tmRoot"/>
+      </p:par>
+    </p:tnLst>
+  </p:timing>
 </p:sld>
 </file>
 
@@ -9669,22 +11516,100 @@
           </a:p>
         </p:txBody>
       </p:sp>
-      <p:sp>
-        <p:nvSpPr>
-          <p:cNvPr id="3" name="Content Placeholder 2"/>
-          <p:cNvSpPr>
-            <a:spLocks noGrp="1"/>
-          </p:cNvSpPr>
+      <p:pic>
+        <p:nvPicPr>
+          <p:cNvPr id="4" name="Content Placeholder 3"/>
+          <p:cNvPicPr>
+            <a:picLocks noGrp="1" noChangeAspect="1"/>
+          </p:cNvPicPr>
           <p:nvPr>
             <p:ph idx="1"/>
           </p:nvPr>
+        </p:nvPicPr>
+        <p:blipFill>
+          <a:blip r:embed="rId2" cstate="print">
+            <a:extLst>
+              <a:ext uri="{28A0092B-C50C-407E-A947-70E740481C1C}">
+                <a14:useLocalDpi xmlns:a14="http://schemas.microsoft.com/office/drawing/2010/main" val="0"/>
+              </a:ext>
+            </a:extLst>
+          </a:blip>
+          <a:stretch>
+            <a:fillRect/>
+          </a:stretch>
+        </p:blipFill>
+        <p:spPr>
+          <a:xfrm>
+            <a:off x="4876800" y="1447800"/>
+            <a:ext cx="2648545" cy="4708525"/>
+          </a:xfrm>
+        </p:spPr>
+      </p:pic>
+      <p:pic>
+        <p:nvPicPr>
+          <p:cNvPr id="5" name="Picture 4"/>
+          <p:cNvPicPr>
+            <a:picLocks noChangeAspect="1"/>
+          </p:cNvPicPr>
+          <p:nvPr/>
+        </p:nvPicPr>
+        <p:blipFill>
+          <a:blip r:embed="rId3">
+            <a:extLst>
+              <a:ext uri="{28A0092B-C50C-407E-A947-70E740481C1C}">
+                <a14:useLocalDpi xmlns:a14="http://schemas.microsoft.com/office/drawing/2010/main" val="0"/>
+              </a:ext>
+            </a:extLst>
+          </a:blip>
+          <a:stretch>
+            <a:fillRect/>
+          </a:stretch>
+        </p:blipFill>
+        <p:spPr>
+          <a:xfrm>
+            <a:off x="1447800" y="2743200"/>
+            <a:ext cx="1828572" cy="1828572"/>
+          </a:xfrm>
+          <a:prstGeom prst="rect">
+            <a:avLst/>
+          </a:prstGeom>
+        </p:spPr>
+      </p:pic>
+      <p:sp>
+        <p:nvSpPr>
+          <p:cNvPr id="6" name="Right Arrow 5"/>
+          <p:cNvSpPr/>
+          <p:nvPr/>
         </p:nvSpPr>
-        <p:spPr/>
+        <p:spPr>
+          <a:xfrm>
+            <a:off x="3276372" y="3505200"/>
+            <a:ext cx="1524228" cy="762000"/>
+          </a:xfrm>
+          <a:prstGeom prst="rightArrow">
+            <a:avLst/>
+          </a:prstGeom>
+        </p:spPr>
+        <p:style>
+          <a:lnRef idx="3">
+            <a:schemeClr val="lt1"/>
+          </a:lnRef>
+          <a:fillRef idx="1">
+            <a:schemeClr val="accent2"/>
+          </a:fillRef>
+          <a:effectRef idx="1">
+            <a:schemeClr val="accent2"/>
+          </a:effectRef>
+          <a:fontRef idx="minor">
+            <a:schemeClr val="lt1"/>
+          </a:fontRef>
+        </p:style>
         <p:txBody>
-          <a:bodyPr/>
+          <a:bodyPr rtlCol="0" anchor="ctr"/>
           <a:lstStyle/>
           <a:p>
-            <a:endParaRPr lang="en-US" dirty="0"/>
+            <a:pPr algn="ctr"/>
+            <a:endParaRPr lang="en-US"/>
           </a:p>
         </p:txBody>
       </p:sp>
@@ -9761,25 +11686,64 @@
           </a:p>
         </p:txBody>
       </p:sp>
-      <p:sp>
-        <p:nvSpPr>
-          <p:cNvPr id="3" name="Content Placeholder 2"/>
-          <p:cNvSpPr>
-            <a:spLocks noGrp="1"/>
-          </p:cNvSpPr>
+      <p:pic>
+        <p:nvPicPr>
+          <p:cNvPr id="6" name="Content Placeholder 5"/>
+          <p:cNvPicPr>
+            <a:picLocks noGrp="1" noChangeAspect="1"/>
+          </p:cNvPicPr>
           <p:nvPr>
-            <p:ph idx="1"/>
+            <p:ph sz="half" idx="1"/>
           </p:nvPr>
-        </p:nvSpPr>
-        <p:spPr/>
-        <p:txBody>
-          <a:bodyPr/>
-          <a:lstStyle/>
-          <a:p>
-            <a:endParaRPr lang="en-US" dirty="0"/>
-          </a:p>
-        </p:txBody>
-      </p:sp>
+        </p:nvPicPr>
+        <p:blipFill>
+          <a:blip r:embed="rId2" cstate="print">
+            <a:extLst>
+              <a:ext uri="{28A0092B-C50C-407E-A947-70E740481C1C}">
+                <a14:useLocalDpi xmlns:a14="http://schemas.microsoft.com/office/drawing/2010/main" val="0"/>
+              </a:ext>
+            </a:extLst>
+          </a:blip>
+          <a:stretch>
+            <a:fillRect/>
+          </a:stretch>
+        </p:blipFill>
+        <p:spPr>
+          <a:xfrm>
+            <a:off x="1203573" y="1600200"/>
+            <a:ext cx="2545854" cy="4525963"/>
+          </a:xfrm>
+        </p:spPr>
+      </p:pic>
+      <p:pic>
+        <p:nvPicPr>
+          <p:cNvPr id="7" name="Content Placeholder 6"/>
+          <p:cNvPicPr>
+            <a:picLocks noGrp="1" noChangeAspect="1"/>
+          </p:cNvPicPr>
+          <p:nvPr>
+            <p:ph sz="half" idx="2"/>
+          </p:nvPr>
+        </p:nvPicPr>
+        <p:blipFill>
+          <a:blip r:embed="rId3" cstate="print">
+            <a:extLst>
+              <a:ext uri="{28A0092B-C50C-407E-A947-70E740481C1C}">
+                <a14:useLocalDpi xmlns:a14="http://schemas.microsoft.com/office/drawing/2010/main" val="0"/>
+              </a:ext>
+            </a:extLst>
+          </a:blip>
+          <a:stretch>
+            <a:fillRect/>
+          </a:stretch>
+        </p:blipFill>
+        <p:spPr>
+          <a:xfrm>
+            <a:off x="5394573" y="1600200"/>
+            <a:ext cx="2545854" cy="4525963"/>
+          </a:xfrm>
+        </p:spPr>
+      </p:pic>
     </p:spTree>
     <p:extLst>
       <p:ext uri="{BB962C8B-B14F-4D97-AF65-F5344CB8AC3E}">
